--- a/Instructions/Instruction for observers_0_General.pptx
+++ b/Instructions/Instruction for observers_0_General.pptx
@@ -5,20 +5,13 @@
     <p:sldMasterId id="2147483648" r:id="rId1"/>
   </p:sldMasterIdLst>
   <p:notesMasterIdLst>
-    <p:notesMasterId r:id="rId13"/>
+    <p:notesMasterId r:id="rId6"/>
   </p:notesMasterIdLst>
   <p:sldIdLst>
     <p:sldId id="275" r:id="rId2"/>
     <p:sldId id="274" r:id="rId3"/>
     <p:sldId id="277" r:id="rId4"/>
     <p:sldId id="278" r:id="rId5"/>
-    <p:sldId id="270" r:id="rId6"/>
-    <p:sldId id="258" r:id="rId7"/>
-    <p:sldId id="256" r:id="rId8"/>
-    <p:sldId id="263" r:id="rId9"/>
-    <p:sldId id="259" r:id="rId10"/>
-    <p:sldId id="261" r:id="rId11"/>
-    <p:sldId id="264" r:id="rId12"/>
   </p:sldIdLst>
   <p:sldSz cx="12192000" cy="6858000"/>
   <p:notesSz cx="6858000" cy="9144000"/>
@@ -125,6 +118,66 @@
 </p:presentation>
 </file>
 
+<file path=ppt/commentAuthors.xml><?xml version="1.0" encoding="utf-8"?>
+<p:cmAuthorLst xmlns:a="http://schemas.openxmlformats.org/drawingml/2006/main" xmlns:r="http://schemas.openxmlformats.org/officeDocument/2006/relationships" xmlns:p="http://schemas.openxmlformats.org/presentationml/2006/main">
+  <p:cmAuthor id="1" name="Cretenoud Aline Françoise" initials="CAF" lastIdx="18" clrIdx="0">
+    <p:extLst>
+      <p:ext uri="{19B8F6BF-5375-455C-9EA6-DF929625EA0E}">
+        <p15:presenceInfo xmlns:p15="http://schemas.microsoft.com/office/powerpoint/2012/main" userId="S-1-5-21-57989841-436374069-839522115-67962" providerId="AD"/>
+      </p:ext>
+    </p:extLst>
+  </p:cmAuthor>
+</p:cmAuthorLst>
+</file>
+
+<file path=ppt/comments/comment1.xml><?xml version="1.0" encoding="utf-8"?>
+<p:cmLst xmlns:a="http://schemas.openxmlformats.org/drawingml/2006/main" xmlns:r="http://schemas.openxmlformats.org/officeDocument/2006/relationships" xmlns:p="http://schemas.openxmlformats.org/presentationml/2006/main">
+  <p:cm authorId="1" dt="2020-08-14T15:23:04.027" idx="2">
+    <p:pos x="6502" y="1449"/>
+    <p:text>I would maybe write "and it is split into 3 main sessions. In each session, the tasks are the same, but stimuli slightly differ."</p:text>
+    <p:extLst>
+      <p:ext uri="{C676402C-5697-4E1C-873F-D02D1690AC5C}">
+        <p15:threadingInfo xmlns:p15="http://schemas.microsoft.com/office/powerpoint/2012/main" timeZoneBias="-120"/>
+      </p:ext>
+    </p:extLst>
+  </p:cm>
+  <p:cm authorId="1" dt="2020-08-14T15:24:43.753" idx="3">
+    <p:pos x="6104" y="2138"/>
+    <p:text>I would suggest: "Some specific instructions will be displayed before each session."</p:text>
+    <p:extLst>
+      <p:ext uri="{C676402C-5697-4E1C-873F-D02D1690AC5C}">
+        <p15:threadingInfo xmlns:p15="http://schemas.microsoft.com/office/powerpoint/2012/main" timeZoneBias="-120"/>
+      </p:ext>
+    </p:extLst>
+  </p:cm>
+  <p:cm authorId="1" dt="2020-08-14T15:25:47.629" idx="4">
+    <p:pos x="6104" y="2234"/>
+    <p:text>(specific in opposion with general, one line below)</p:text>
+    <p:extLst>
+      <p:ext uri="{C676402C-5697-4E1C-873F-D02D1690AC5C}">
+        <p15:threadingInfo xmlns:p15="http://schemas.microsoft.com/office/powerpoint/2012/main" timeZoneBias="-120">
+          <p15:parentCm authorId="1" idx="3"/>
+        </p15:threadingInfo>
+      </p:ext>
+    </p:extLst>
+  </p:cm>
+</p:cmLst>
+</file>
+
+<file path=ppt/comments/comment2.xml><?xml version="1.0" encoding="utf-8"?>
+<p:cmLst xmlns:a="http://schemas.openxmlformats.org/drawingml/2006/main" xmlns:r="http://schemas.openxmlformats.org/officeDocument/2006/relationships" xmlns:p="http://schemas.openxmlformats.org/presentationml/2006/main">
+  <p:cm authorId="1" dt="2020-08-14T15:28:59.069" idx="8">
+    <p:pos x="6324" y="1514"/>
+    <p:text>at rather than in... but same as before, maybe double check with an english speaker.</p:text>
+    <p:extLst>
+      <p:ext uri="{C676402C-5697-4E1C-873F-D02D1690AC5C}">
+        <p15:threadingInfo xmlns:p15="http://schemas.microsoft.com/office/powerpoint/2012/main" timeZoneBias="-120"/>
+      </p:ext>
+    </p:extLst>
+  </p:cm>
+</p:cmLst>
+</file>
+
 <file path=ppt/notesMasters/notesMaster1.xml><?xml version="1.0" encoding="utf-8"?>
 <p:notesMaster xmlns:a="http://schemas.openxmlformats.org/drawingml/2006/main" xmlns:r="http://schemas.openxmlformats.org/officeDocument/2006/relationships" xmlns:p="http://schemas.openxmlformats.org/presentationml/2006/main">
   <p:cSld>
@@ -207,7 +260,7 @@
           <a:p>
             <a:fld id="{024A5357-A753-4D39-8A2E-56E39FBFD254}" type="datetimeFigureOut">
               <a:rPr lang="en-US" smtClean="0"/>
-              <a:t>07.08.2020</a:t>
+              <a:t>18.08.2020</a:t>
             </a:fld>
             <a:endParaRPr lang="en-US"/>
           </a:p>
@@ -689,7 +742,7 @@
           <a:p>
             <a:fld id="{D1CB3D34-4A5F-4479-84DC-395EB63EC8BA}" type="datetimeFigureOut">
               <a:rPr lang="en-US" smtClean="0"/>
-              <a:t>07.08.2020</a:t>
+              <a:t>18.08.2020</a:t>
             </a:fld>
             <a:endParaRPr lang="en-US"/>
           </a:p>
@@ -859,7 +912,7 @@
           <a:p>
             <a:fld id="{D1CB3D34-4A5F-4479-84DC-395EB63EC8BA}" type="datetimeFigureOut">
               <a:rPr lang="en-US" smtClean="0"/>
-              <a:t>07.08.2020</a:t>
+              <a:t>18.08.2020</a:t>
             </a:fld>
             <a:endParaRPr lang="en-US"/>
           </a:p>
@@ -1039,7 +1092,7 @@
           <a:p>
             <a:fld id="{D1CB3D34-4A5F-4479-84DC-395EB63EC8BA}" type="datetimeFigureOut">
               <a:rPr lang="en-US" smtClean="0"/>
-              <a:t>07.08.2020</a:t>
+              <a:t>18.08.2020</a:t>
             </a:fld>
             <a:endParaRPr lang="en-US"/>
           </a:p>
@@ -1209,7 +1262,7 @@
           <a:p>
             <a:fld id="{D1CB3D34-4A5F-4479-84DC-395EB63EC8BA}" type="datetimeFigureOut">
               <a:rPr lang="en-US" smtClean="0"/>
-              <a:t>07.08.2020</a:t>
+              <a:t>18.08.2020</a:t>
             </a:fld>
             <a:endParaRPr lang="en-US"/>
           </a:p>
@@ -1455,7 +1508,7 @@
           <a:p>
             <a:fld id="{D1CB3D34-4A5F-4479-84DC-395EB63EC8BA}" type="datetimeFigureOut">
               <a:rPr lang="en-US" smtClean="0"/>
-              <a:t>07.08.2020</a:t>
+              <a:t>18.08.2020</a:t>
             </a:fld>
             <a:endParaRPr lang="en-US"/>
           </a:p>
@@ -1687,7 +1740,7 @@
           <a:p>
             <a:fld id="{D1CB3D34-4A5F-4479-84DC-395EB63EC8BA}" type="datetimeFigureOut">
               <a:rPr lang="en-US" smtClean="0"/>
-              <a:t>07.08.2020</a:t>
+              <a:t>18.08.2020</a:t>
             </a:fld>
             <a:endParaRPr lang="en-US"/>
           </a:p>
@@ -2054,7 +2107,7 @@
           <a:p>
             <a:fld id="{D1CB3D34-4A5F-4479-84DC-395EB63EC8BA}" type="datetimeFigureOut">
               <a:rPr lang="en-US" smtClean="0"/>
-              <a:t>07.08.2020</a:t>
+              <a:t>18.08.2020</a:t>
             </a:fld>
             <a:endParaRPr lang="en-US"/>
           </a:p>
@@ -2172,7 +2225,7 @@
           <a:p>
             <a:fld id="{D1CB3D34-4A5F-4479-84DC-395EB63EC8BA}" type="datetimeFigureOut">
               <a:rPr lang="en-US" smtClean="0"/>
-              <a:t>07.08.2020</a:t>
+              <a:t>18.08.2020</a:t>
             </a:fld>
             <a:endParaRPr lang="en-US"/>
           </a:p>
@@ -2267,7 +2320,7 @@
           <a:p>
             <a:fld id="{D1CB3D34-4A5F-4479-84DC-395EB63EC8BA}" type="datetimeFigureOut">
               <a:rPr lang="en-US" smtClean="0"/>
-              <a:t>07.08.2020</a:t>
+              <a:t>18.08.2020</a:t>
             </a:fld>
             <a:endParaRPr lang="en-US"/>
           </a:p>
@@ -2544,7 +2597,7 @@
           <a:p>
             <a:fld id="{D1CB3D34-4A5F-4479-84DC-395EB63EC8BA}" type="datetimeFigureOut">
               <a:rPr lang="en-US" smtClean="0"/>
-              <a:t>07.08.2020</a:t>
+              <a:t>18.08.2020</a:t>
             </a:fld>
             <a:endParaRPr lang="en-US"/>
           </a:p>
@@ -2797,7 +2850,7 @@
           <a:p>
             <a:fld id="{D1CB3D34-4A5F-4479-84DC-395EB63EC8BA}" type="datetimeFigureOut">
               <a:rPr lang="en-US" smtClean="0"/>
-              <a:t>07.08.2020</a:t>
+              <a:t>18.08.2020</a:t>
             </a:fld>
             <a:endParaRPr lang="en-US"/>
           </a:p>
@@ -3010,7 +3063,7 @@
           <a:p>
             <a:fld id="{D1CB3D34-4A5F-4479-84DC-395EB63EC8BA}" type="datetimeFigureOut">
               <a:rPr lang="en-US" smtClean="0"/>
-              <a:t>07.08.2020</a:t>
+              <a:t>18.08.2020</a:t>
             </a:fld>
             <a:endParaRPr lang="en-US"/>
           </a:p>
@@ -3530,1635 +3583,6 @@
 </p:sld>
 </file>
 
-<file path=ppt/slides/slide10.xml><?xml version="1.0" encoding="utf-8"?>
-<p:sld xmlns:a="http://schemas.openxmlformats.org/drawingml/2006/main" xmlns:r="http://schemas.openxmlformats.org/officeDocument/2006/relationships" xmlns:p="http://schemas.openxmlformats.org/presentationml/2006/main" show="0">
-  <p:cSld>
-    <p:spTree>
-      <p:nvGrpSpPr>
-        <p:cNvPr id="1" name=""/>
-        <p:cNvGrpSpPr/>
-        <p:nvPr/>
-      </p:nvGrpSpPr>
-      <p:grpSpPr>
-        <a:xfrm>
-          <a:off x="0" y="0"/>
-          <a:ext cx="0" cy="0"/>
-          <a:chOff x="0" y="0"/>
-          <a:chExt cx="0" cy="0"/>
-        </a:xfrm>
-      </p:grpSpPr>
-      <p:grpSp>
-        <p:nvGrpSpPr>
-          <p:cNvPr id="5" name="Group 4">
-            <a:extLst>
-              <a:ext uri="{FF2B5EF4-FFF2-40B4-BE49-F238E27FC236}">
-                <a16:creationId xmlns:a16="http://schemas.microsoft.com/office/drawing/2014/main" id="{E02A050F-5BD8-4D65-AA41-310B39C6E2D0}"/>
-              </a:ext>
-            </a:extLst>
-          </p:cNvPr>
-          <p:cNvGrpSpPr/>
-          <p:nvPr/>
-        </p:nvGrpSpPr>
-        <p:grpSpPr>
-          <a:xfrm>
-            <a:off x="279086" y="166598"/>
-            <a:ext cx="2383268" cy="6512474"/>
-            <a:chOff x="1033686" y="193231"/>
-            <a:chExt cx="2383268" cy="6512474"/>
-          </a:xfrm>
-        </p:grpSpPr>
-        <p:grpSp>
-          <p:nvGrpSpPr>
-            <p:cNvPr id="54" name="Group 53">
-              <a:extLst>
-                <a:ext uri="{FF2B5EF4-FFF2-40B4-BE49-F238E27FC236}">
-                  <a16:creationId xmlns:a16="http://schemas.microsoft.com/office/drawing/2014/main" id="{D69EDFAF-D13C-473A-AC9C-80579B192A3E}"/>
-                </a:ext>
-              </a:extLst>
-            </p:cNvPr>
-            <p:cNvGrpSpPr/>
-            <p:nvPr/>
-          </p:nvGrpSpPr>
-          <p:grpSpPr>
-            <a:xfrm>
-              <a:off x="1033686" y="193231"/>
-              <a:ext cx="1879432" cy="1169020"/>
-              <a:chOff x="125784" y="4592856"/>
-              <a:chExt cx="2218394" cy="1379857"/>
-            </a:xfrm>
-          </p:grpSpPr>
-          <p:sp>
-            <p:nvSpPr>
-              <p:cNvPr id="22" name="직사각형 13">
-                <a:extLst>
-                  <a:ext uri="{FF2B5EF4-FFF2-40B4-BE49-F238E27FC236}">
-                    <a16:creationId xmlns:a16="http://schemas.microsoft.com/office/drawing/2014/main" id="{75B78F1D-18FC-4690-B0FD-F4B366095DBC}"/>
-                  </a:ext>
-                </a:extLst>
-              </p:cNvPr>
-              <p:cNvSpPr/>
-              <p:nvPr/>
-            </p:nvSpPr>
-            <p:spPr>
-              <a:xfrm>
-                <a:off x="125784" y="4592856"/>
-                <a:ext cx="2218394" cy="1379857"/>
-              </a:xfrm>
-              <a:prstGeom prst="rect">
-                <a:avLst/>
-              </a:prstGeom>
-              <a:solidFill>
-                <a:schemeClr val="bg1">
-                  <a:lumMod val="65000"/>
-                </a:schemeClr>
-              </a:solidFill>
-              <a:ln w="57150">
-                <a:solidFill>
-                  <a:schemeClr val="tx1"/>
-                </a:solidFill>
-              </a:ln>
-            </p:spPr>
-            <p:style>
-              <a:lnRef idx="2">
-                <a:schemeClr val="accent1">
-                  <a:shade val="50000"/>
-                </a:schemeClr>
-              </a:lnRef>
-              <a:fillRef idx="1">
-                <a:schemeClr val="accent1"/>
-              </a:fillRef>
-              <a:effectRef idx="0">
-                <a:schemeClr val="accent1"/>
-              </a:effectRef>
-              <a:fontRef idx="minor">
-                <a:schemeClr val="lt1"/>
-              </a:fontRef>
-            </p:style>
-            <p:txBody>
-              <a:bodyPr rtlCol="0" anchor="ctr"/>
-              <a:lstStyle/>
-              <a:p>
-                <a:pPr algn="ctr"/>
-                <a:endParaRPr lang="en-US" sz="1600"/>
-              </a:p>
-            </p:txBody>
-          </p:sp>
-          <p:pic>
-            <p:nvPicPr>
-              <p:cNvPr id="23" name="그림 24">
-                <a:extLst>
-                  <a:ext uri="{FF2B5EF4-FFF2-40B4-BE49-F238E27FC236}">
-                    <a16:creationId xmlns:a16="http://schemas.microsoft.com/office/drawing/2014/main" id="{7B97E8BF-BE32-4CB4-89DF-B7720F39400E}"/>
-                  </a:ext>
-                </a:extLst>
-              </p:cNvPr>
-              <p:cNvPicPr>
-                <a:picLocks noChangeAspect="1"/>
-              </p:cNvPicPr>
-              <p:nvPr/>
-            </p:nvPicPr>
-            <p:blipFill>
-              <a:blip r:embed="rId2" cstate="print">
-                <a:extLst>
-                  <a:ext uri="{28A0092B-C50C-407E-A947-70E740481C1C}">
-                    <a14:useLocalDpi xmlns:a14="http://schemas.microsoft.com/office/drawing/2010/main" val="0"/>
-                  </a:ext>
-                </a:extLst>
-              </a:blip>
-              <a:stretch>
-                <a:fillRect/>
-              </a:stretch>
-            </p:blipFill>
-            <p:spPr>
-              <a:xfrm>
-                <a:off x="564359" y="4979894"/>
-                <a:ext cx="605780" cy="605780"/>
-              </a:xfrm>
-              <a:prstGeom prst="rect">
-                <a:avLst/>
-              </a:prstGeom>
-            </p:spPr>
-          </p:pic>
-          <p:pic>
-            <p:nvPicPr>
-              <p:cNvPr id="32" name="그림 24">
-                <a:extLst>
-                  <a:ext uri="{FF2B5EF4-FFF2-40B4-BE49-F238E27FC236}">
-                    <a16:creationId xmlns:a16="http://schemas.microsoft.com/office/drawing/2014/main" id="{5BF9551C-C3B9-4FB0-8AA6-2B57142EA28E}"/>
-                  </a:ext>
-                </a:extLst>
-              </p:cNvPr>
-              <p:cNvPicPr>
-                <a:picLocks noChangeAspect="1"/>
-              </p:cNvPicPr>
-              <p:nvPr/>
-            </p:nvPicPr>
-            <p:blipFill>
-              <a:blip r:embed="rId2" cstate="print">
-                <a:extLst>
-                  <a:ext uri="{28A0092B-C50C-407E-A947-70E740481C1C}">
-                    <a14:useLocalDpi xmlns:a14="http://schemas.microsoft.com/office/drawing/2010/main" val="0"/>
-                  </a:ext>
-                </a:extLst>
-              </a:blip>
-              <a:stretch>
-                <a:fillRect/>
-              </a:stretch>
-            </p:blipFill>
-            <p:spPr>
-              <a:xfrm>
-                <a:off x="1299823" y="4979894"/>
-                <a:ext cx="605780" cy="605780"/>
-              </a:xfrm>
-              <a:prstGeom prst="rect">
-                <a:avLst/>
-              </a:prstGeom>
-            </p:spPr>
-          </p:pic>
-          <p:sp>
-            <p:nvSpPr>
-              <p:cNvPr id="8" name="Oval 7">
-                <a:extLst>
-                  <a:ext uri="{FF2B5EF4-FFF2-40B4-BE49-F238E27FC236}">
-                    <a16:creationId xmlns:a16="http://schemas.microsoft.com/office/drawing/2014/main" id="{5BE6E4CF-9021-4B4E-B76D-DC2689E7151A}"/>
-                  </a:ext>
-                </a:extLst>
-              </p:cNvPr>
-              <p:cNvSpPr/>
-              <p:nvPr/>
-            </p:nvSpPr>
-            <p:spPr>
-              <a:xfrm>
-                <a:off x="1216981" y="5264784"/>
-                <a:ext cx="36000" cy="36000"/>
-              </a:xfrm>
-              <a:prstGeom prst="ellipse">
-                <a:avLst/>
-              </a:prstGeom>
-              <a:solidFill>
-                <a:srgbClr val="FF0000"/>
-              </a:solidFill>
-              <a:ln>
-                <a:noFill/>
-              </a:ln>
-            </p:spPr>
-            <p:style>
-              <a:lnRef idx="2">
-                <a:schemeClr val="accent1">
-                  <a:shade val="50000"/>
-                </a:schemeClr>
-              </a:lnRef>
-              <a:fillRef idx="1">
-                <a:schemeClr val="accent1"/>
-              </a:fillRef>
-              <a:effectRef idx="0">
-                <a:schemeClr val="accent1"/>
-              </a:effectRef>
-              <a:fontRef idx="minor">
-                <a:schemeClr val="lt1"/>
-              </a:fontRef>
-            </p:style>
-            <p:txBody>
-              <a:bodyPr rtlCol="0" anchor="ctr"/>
-              <a:lstStyle/>
-              <a:p>
-                <a:pPr algn="ctr"/>
-                <a:endParaRPr lang="en-US"/>
-              </a:p>
-            </p:txBody>
-          </p:sp>
-        </p:grpSp>
-        <p:cxnSp>
-          <p:nvCxnSpPr>
-            <p:cNvPr id="19" name="직선 화살표 연결선 19">
-              <a:extLst>
-                <a:ext uri="{FF2B5EF4-FFF2-40B4-BE49-F238E27FC236}">
-                  <a16:creationId xmlns:a16="http://schemas.microsoft.com/office/drawing/2014/main" id="{D8A0B464-9B94-40E7-9BEB-DC9D862B73AA}"/>
-                </a:ext>
-              </a:extLst>
-            </p:cNvPr>
-            <p:cNvCxnSpPr>
-              <a:cxnSpLocks/>
-            </p:cNvCxnSpPr>
-            <p:nvPr/>
-          </p:nvCxnSpPr>
-          <p:spPr>
-            <a:xfrm>
-              <a:off x="3116062" y="221369"/>
-              <a:ext cx="0" cy="6484336"/>
-            </a:xfrm>
-            <a:prstGeom prst="straightConnector1">
-              <a:avLst/>
-            </a:prstGeom>
-            <a:ln w="38100">
-              <a:solidFill>
-                <a:schemeClr val="tx1"/>
-              </a:solidFill>
-              <a:tailEnd type="triangle"/>
-            </a:ln>
-          </p:spPr>
-          <p:style>
-            <a:lnRef idx="1">
-              <a:schemeClr val="accent1"/>
-            </a:lnRef>
-            <a:fillRef idx="0">
-              <a:schemeClr val="accent1"/>
-            </a:fillRef>
-            <a:effectRef idx="0">
-              <a:schemeClr val="accent1"/>
-            </a:effectRef>
-            <a:fontRef idx="minor">
-              <a:schemeClr val="tx1"/>
-            </a:fontRef>
-          </p:style>
-        </p:cxnSp>
-        <p:sp>
-          <p:nvSpPr>
-            <p:cNvPr id="20" name="TextBox 19">
-              <a:extLst>
-                <a:ext uri="{FF2B5EF4-FFF2-40B4-BE49-F238E27FC236}">
-                  <a16:creationId xmlns:a16="http://schemas.microsoft.com/office/drawing/2014/main" id="{49BC803D-28FC-414A-94C1-6E70220B8F70}"/>
-                </a:ext>
-              </a:extLst>
-            </p:cNvPr>
-            <p:cNvSpPr txBox="1"/>
-            <p:nvPr/>
-          </p:nvSpPr>
-          <p:spPr>
-            <a:xfrm>
-              <a:off x="2612226" y="6293813"/>
-              <a:ext cx="804728" cy="338554"/>
-            </a:xfrm>
-            <a:prstGeom prst="rect">
-              <a:avLst/>
-            </a:prstGeom>
-            <a:noFill/>
-          </p:spPr>
-          <p:txBody>
-            <a:bodyPr wrap="square" rtlCol="0">
-              <a:spAutoFit/>
-            </a:bodyPr>
-            <a:lstStyle/>
-            <a:p>
-              <a:pPr algn="r"/>
-              <a:r>
-                <a:rPr lang="en-US" sz="1600" dirty="0"/>
-                <a:t>t</a:t>
-              </a:r>
-            </a:p>
-          </p:txBody>
-        </p:sp>
-        <p:grpSp>
-          <p:nvGrpSpPr>
-            <p:cNvPr id="52" name="Group 51">
-              <a:extLst>
-                <a:ext uri="{FF2B5EF4-FFF2-40B4-BE49-F238E27FC236}">
-                  <a16:creationId xmlns:a16="http://schemas.microsoft.com/office/drawing/2014/main" id="{79353134-6A8D-4AB6-98C1-EBF009EA82A8}"/>
-                </a:ext>
-              </a:extLst>
-            </p:cNvPr>
-            <p:cNvGrpSpPr/>
-            <p:nvPr/>
-          </p:nvGrpSpPr>
-          <p:grpSpPr>
-            <a:xfrm>
-              <a:off x="1033686" y="2864959"/>
-              <a:ext cx="1879432" cy="1169020"/>
-              <a:chOff x="5068102" y="4592856"/>
-              <a:chExt cx="2218394" cy="1379857"/>
-            </a:xfrm>
-          </p:grpSpPr>
-          <p:sp>
-            <p:nvSpPr>
-              <p:cNvPr id="35" name="직사각형 13">
-                <a:extLst>
-                  <a:ext uri="{FF2B5EF4-FFF2-40B4-BE49-F238E27FC236}">
-                    <a16:creationId xmlns:a16="http://schemas.microsoft.com/office/drawing/2014/main" id="{D7F7242A-DCF5-42D6-9012-277A3DD96E64}"/>
-                  </a:ext>
-                </a:extLst>
-              </p:cNvPr>
-              <p:cNvSpPr/>
-              <p:nvPr/>
-            </p:nvSpPr>
-            <p:spPr>
-              <a:xfrm>
-                <a:off x="5068102" y="4592856"/>
-                <a:ext cx="2218394" cy="1379857"/>
-              </a:xfrm>
-              <a:prstGeom prst="rect">
-                <a:avLst/>
-              </a:prstGeom>
-              <a:solidFill>
-                <a:schemeClr val="bg1">
-                  <a:lumMod val="65000"/>
-                </a:schemeClr>
-              </a:solidFill>
-              <a:ln w="57150">
-                <a:solidFill>
-                  <a:schemeClr val="tx1"/>
-                </a:solidFill>
-              </a:ln>
-            </p:spPr>
-            <p:style>
-              <a:lnRef idx="2">
-                <a:schemeClr val="accent1">
-                  <a:shade val="50000"/>
-                </a:schemeClr>
-              </a:lnRef>
-              <a:fillRef idx="1">
-                <a:schemeClr val="accent1"/>
-              </a:fillRef>
-              <a:effectRef idx="0">
-                <a:schemeClr val="accent1"/>
-              </a:effectRef>
-              <a:fontRef idx="minor">
-                <a:schemeClr val="lt1"/>
-              </a:fontRef>
-            </p:style>
-            <p:txBody>
-              <a:bodyPr rtlCol="0" anchor="ctr"/>
-              <a:lstStyle/>
-              <a:p>
-                <a:pPr algn="ctr"/>
-                <a:endParaRPr lang="en-US" sz="1600"/>
-              </a:p>
-            </p:txBody>
-          </p:sp>
-          <p:pic>
-            <p:nvPicPr>
-              <p:cNvPr id="36" name="그림 24">
-                <a:extLst>
-                  <a:ext uri="{FF2B5EF4-FFF2-40B4-BE49-F238E27FC236}">
-                    <a16:creationId xmlns:a16="http://schemas.microsoft.com/office/drawing/2014/main" id="{E52F68AE-E940-42FC-AC7D-06F386844548}"/>
-                  </a:ext>
-                </a:extLst>
-              </p:cNvPr>
-              <p:cNvPicPr>
-                <a:picLocks noChangeAspect="1"/>
-              </p:cNvPicPr>
-              <p:nvPr/>
-            </p:nvPicPr>
-            <p:blipFill>
-              <a:blip r:embed="rId2" cstate="print">
-                <a:extLst>
-                  <a:ext uri="{28A0092B-C50C-407E-A947-70E740481C1C}">
-                    <a14:useLocalDpi xmlns:a14="http://schemas.microsoft.com/office/drawing/2010/main" val="0"/>
-                  </a:ext>
-                </a:extLst>
-              </a:blip>
-              <a:stretch>
-                <a:fillRect/>
-              </a:stretch>
-            </p:blipFill>
-            <p:spPr>
-              <a:xfrm>
-                <a:off x="5506677" y="4979894"/>
-                <a:ext cx="605780" cy="605780"/>
-              </a:xfrm>
-              <a:prstGeom prst="rect">
-                <a:avLst/>
-              </a:prstGeom>
-            </p:spPr>
-          </p:pic>
-          <p:pic>
-            <p:nvPicPr>
-              <p:cNvPr id="37" name="그림 24">
-                <a:extLst>
-                  <a:ext uri="{FF2B5EF4-FFF2-40B4-BE49-F238E27FC236}">
-                    <a16:creationId xmlns:a16="http://schemas.microsoft.com/office/drawing/2014/main" id="{4617B2F2-971D-4A4B-8BAF-8BD0468C0D54}"/>
-                  </a:ext>
-                </a:extLst>
-              </p:cNvPr>
-              <p:cNvPicPr>
-                <a:picLocks noChangeAspect="1"/>
-              </p:cNvPicPr>
-              <p:nvPr/>
-            </p:nvPicPr>
-            <p:blipFill>
-              <a:blip r:embed="rId2" cstate="print">
-                <a:extLst>
-                  <a:ext uri="{28A0092B-C50C-407E-A947-70E740481C1C}">
-                    <a14:useLocalDpi xmlns:a14="http://schemas.microsoft.com/office/drawing/2010/main" val="0"/>
-                  </a:ext>
-                </a:extLst>
-              </a:blip>
-              <a:stretch>
-                <a:fillRect/>
-              </a:stretch>
-            </p:blipFill>
-            <p:spPr>
-              <a:xfrm>
-                <a:off x="6242141" y="4979894"/>
-                <a:ext cx="605780" cy="605780"/>
-              </a:xfrm>
-              <a:prstGeom prst="rect">
-                <a:avLst/>
-              </a:prstGeom>
-            </p:spPr>
-          </p:pic>
-          <p:sp>
-            <p:nvSpPr>
-              <p:cNvPr id="38" name="Oval 37">
-                <a:extLst>
-                  <a:ext uri="{FF2B5EF4-FFF2-40B4-BE49-F238E27FC236}">
-                    <a16:creationId xmlns:a16="http://schemas.microsoft.com/office/drawing/2014/main" id="{2C6AAB42-C71D-4D93-9737-B7B3E848F24D}"/>
-                  </a:ext>
-                </a:extLst>
-              </p:cNvPr>
-              <p:cNvSpPr/>
-              <p:nvPr/>
-            </p:nvSpPr>
-            <p:spPr>
-              <a:xfrm>
-                <a:off x="6159299" y="5264784"/>
-                <a:ext cx="36000" cy="36000"/>
-              </a:xfrm>
-              <a:prstGeom prst="ellipse">
-                <a:avLst/>
-              </a:prstGeom>
-              <a:solidFill>
-                <a:srgbClr val="FF0000"/>
-              </a:solidFill>
-              <a:ln>
-                <a:noFill/>
-              </a:ln>
-            </p:spPr>
-            <p:style>
-              <a:lnRef idx="2">
-                <a:schemeClr val="accent1">
-                  <a:shade val="50000"/>
-                </a:schemeClr>
-              </a:lnRef>
-              <a:fillRef idx="1">
-                <a:schemeClr val="accent1"/>
-              </a:fillRef>
-              <a:effectRef idx="0">
-                <a:schemeClr val="accent1"/>
-              </a:effectRef>
-              <a:fontRef idx="minor">
-                <a:schemeClr val="lt1"/>
-              </a:fontRef>
-            </p:style>
-            <p:txBody>
-              <a:bodyPr rtlCol="0" anchor="ctr"/>
-              <a:lstStyle/>
-              <a:p>
-                <a:pPr algn="ctr"/>
-                <a:endParaRPr lang="en-US"/>
-              </a:p>
-            </p:txBody>
-          </p:sp>
-        </p:grpSp>
-        <p:grpSp>
-          <p:nvGrpSpPr>
-            <p:cNvPr id="51" name="Group 50">
-              <a:extLst>
-                <a:ext uri="{FF2B5EF4-FFF2-40B4-BE49-F238E27FC236}">
-                  <a16:creationId xmlns:a16="http://schemas.microsoft.com/office/drawing/2014/main" id="{5B8B4DDB-B6F1-4C4A-846E-686F1ECD1011}"/>
-                </a:ext>
-              </a:extLst>
-            </p:cNvPr>
-            <p:cNvGrpSpPr/>
-            <p:nvPr/>
-          </p:nvGrpSpPr>
-          <p:grpSpPr>
-            <a:xfrm>
-              <a:off x="1033686" y="4200823"/>
-              <a:ext cx="1879432" cy="1169020"/>
-              <a:chOff x="7539261" y="4592855"/>
-              <a:chExt cx="2218394" cy="1379857"/>
-            </a:xfrm>
-          </p:grpSpPr>
-          <p:sp>
-            <p:nvSpPr>
-              <p:cNvPr id="39" name="직사각형 13">
-                <a:extLst>
-                  <a:ext uri="{FF2B5EF4-FFF2-40B4-BE49-F238E27FC236}">
-                    <a16:creationId xmlns:a16="http://schemas.microsoft.com/office/drawing/2014/main" id="{65458511-5A9D-4CEB-96CC-138660E7BFDE}"/>
-                  </a:ext>
-                </a:extLst>
-              </p:cNvPr>
-              <p:cNvSpPr/>
-              <p:nvPr/>
-            </p:nvSpPr>
-            <p:spPr>
-              <a:xfrm>
-                <a:off x="7539261" y="4592855"/>
-                <a:ext cx="2218394" cy="1379857"/>
-              </a:xfrm>
-              <a:prstGeom prst="rect">
-                <a:avLst/>
-              </a:prstGeom>
-              <a:solidFill>
-                <a:schemeClr val="bg1">
-                  <a:lumMod val="65000"/>
-                </a:schemeClr>
-              </a:solidFill>
-              <a:ln w="57150">
-                <a:solidFill>
-                  <a:schemeClr val="tx1"/>
-                </a:solidFill>
-              </a:ln>
-            </p:spPr>
-            <p:style>
-              <a:lnRef idx="2">
-                <a:schemeClr val="accent1">
-                  <a:shade val="50000"/>
-                </a:schemeClr>
-              </a:lnRef>
-              <a:fillRef idx="1">
-                <a:schemeClr val="accent1"/>
-              </a:fillRef>
-              <a:effectRef idx="0">
-                <a:schemeClr val="accent1"/>
-              </a:effectRef>
-              <a:fontRef idx="minor">
-                <a:schemeClr val="lt1"/>
-              </a:fontRef>
-            </p:style>
-            <p:txBody>
-              <a:bodyPr rtlCol="0" anchor="ctr"/>
-              <a:lstStyle/>
-              <a:p>
-                <a:pPr algn="ctr"/>
-                <a:endParaRPr lang="en-US" sz="1600"/>
-              </a:p>
-            </p:txBody>
-          </p:sp>
-          <p:pic>
-            <p:nvPicPr>
-              <p:cNvPr id="40" name="그림 24">
-                <a:extLst>
-                  <a:ext uri="{FF2B5EF4-FFF2-40B4-BE49-F238E27FC236}">
-                    <a16:creationId xmlns:a16="http://schemas.microsoft.com/office/drawing/2014/main" id="{A5BDD0C6-6284-4F29-8C23-D3C4AA3C6918}"/>
-                  </a:ext>
-                </a:extLst>
-              </p:cNvPr>
-              <p:cNvPicPr>
-                <a:picLocks noChangeAspect="1"/>
-              </p:cNvPicPr>
-              <p:nvPr/>
-            </p:nvPicPr>
-            <p:blipFill>
-              <a:blip r:embed="rId2" cstate="print">
-                <a:extLst>
-                  <a:ext uri="{28A0092B-C50C-407E-A947-70E740481C1C}">
-                    <a14:useLocalDpi xmlns:a14="http://schemas.microsoft.com/office/drawing/2010/main" val="0"/>
-                  </a:ext>
-                </a:extLst>
-              </a:blip>
-              <a:stretch>
-                <a:fillRect/>
-              </a:stretch>
-            </p:blipFill>
-            <p:spPr>
-              <a:xfrm>
-                <a:off x="7977836" y="4979893"/>
-                <a:ext cx="605780" cy="605780"/>
-              </a:xfrm>
-              <a:prstGeom prst="rect">
-                <a:avLst/>
-              </a:prstGeom>
-            </p:spPr>
-          </p:pic>
-          <p:pic>
-            <p:nvPicPr>
-              <p:cNvPr id="41" name="그림 24">
-                <a:extLst>
-                  <a:ext uri="{FF2B5EF4-FFF2-40B4-BE49-F238E27FC236}">
-                    <a16:creationId xmlns:a16="http://schemas.microsoft.com/office/drawing/2014/main" id="{AC3E46F2-6505-4C6A-8DD4-86E88938C112}"/>
-                  </a:ext>
-                </a:extLst>
-              </p:cNvPr>
-              <p:cNvPicPr>
-                <a:picLocks noChangeAspect="1"/>
-              </p:cNvPicPr>
-              <p:nvPr/>
-            </p:nvPicPr>
-            <p:blipFill>
-              <a:blip r:embed="rId2" cstate="print">
-                <a:extLst>
-                  <a:ext uri="{28A0092B-C50C-407E-A947-70E740481C1C}">
-                    <a14:useLocalDpi xmlns:a14="http://schemas.microsoft.com/office/drawing/2010/main" val="0"/>
-                  </a:ext>
-                </a:extLst>
-              </a:blip>
-              <a:stretch>
-                <a:fillRect/>
-              </a:stretch>
-            </p:blipFill>
-            <p:spPr>
-              <a:xfrm>
-                <a:off x="8713300" y="4979893"/>
-                <a:ext cx="605780" cy="605780"/>
-              </a:xfrm>
-              <a:prstGeom prst="rect">
-                <a:avLst/>
-              </a:prstGeom>
-            </p:spPr>
-          </p:pic>
-          <p:sp>
-            <p:nvSpPr>
-              <p:cNvPr id="42" name="Oval 41">
-                <a:extLst>
-                  <a:ext uri="{FF2B5EF4-FFF2-40B4-BE49-F238E27FC236}">
-                    <a16:creationId xmlns:a16="http://schemas.microsoft.com/office/drawing/2014/main" id="{333F7DF6-9BA0-46A7-AB8D-F4464856D712}"/>
-                  </a:ext>
-                </a:extLst>
-              </p:cNvPr>
-              <p:cNvSpPr/>
-              <p:nvPr/>
-            </p:nvSpPr>
-            <p:spPr>
-              <a:xfrm>
-                <a:off x="8630458" y="5264783"/>
-                <a:ext cx="36000" cy="36000"/>
-              </a:xfrm>
-              <a:prstGeom prst="ellipse">
-                <a:avLst/>
-              </a:prstGeom>
-              <a:solidFill>
-                <a:srgbClr val="FF0000"/>
-              </a:solidFill>
-              <a:ln>
-                <a:noFill/>
-              </a:ln>
-            </p:spPr>
-            <p:style>
-              <a:lnRef idx="2">
-                <a:schemeClr val="accent1">
-                  <a:shade val="50000"/>
-                </a:schemeClr>
-              </a:lnRef>
-              <a:fillRef idx="1">
-                <a:schemeClr val="accent1"/>
-              </a:fillRef>
-              <a:effectRef idx="0">
-                <a:schemeClr val="accent1"/>
-              </a:effectRef>
-              <a:fontRef idx="minor">
-                <a:schemeClr val="lt1"/>
-              </a:fontRef>
-            </p:style>
-            <p:txBody>
-              <a:bodyPr rtlCol="0" anchor="ctr"/>
-              <a:lstStyle/>
-              <a:p>
-                <a:pPr algn="ctr"/>
-                <a:endParaRPr lang="en-US"/>
-              </a:p>
-            </p:txBody>
-          </p:sp>
-        </p:grpSp>
-        <p:grpSp>
-          <p:nvGrpSpPr>
-            <p:cNvPr id="2" name="Group 1">
-              <a:extLst>
-                <a:ext uri="{FF2B5EF4-FFF2-40B4-BE49-F238E27FC236}">
-                  <a16:creationId xmlns:a16="http://schemas.microsoft.com/office/drawing/2014/main" id="{B8B9F213-1EE5-44B8-A99D-687009B5A380}"/>
-                </a:ext>
-              </a:extLst>
-            </p:cNvPr>
-            <p:cNvGrpSpPr/>
-            <p:nvPr/>
-          </p:nvGrpSpPr>
-          <p:grpSpPr>
-            <a:xfrm>
-              <a:off x="1033686" y="1529095"/>
-              <a:ext cx="1879432" cy="1169020"/>
-              <a:chOff x="2573988" y="333528"/>
-              <a:chExt cx="2218394" cy="1379857"/>
-            </a:xfrm>
-          </p:grpSpPr>
-          <p:sp>
-            <p:nvSpPr>
-              <p:cNvPr id="24" name="직사각형 14">
-                <a:extLst>
-                  <a:ext uri="{FF2B5EF4-FFF2-40B4-BE49-F238E27FC236}">
-                    <a16:creationId xmlns:a16="http://schemas.microsoft.com/office/drawing/2014/main" id="{39B8DE6B-3D95-4905-8F41-2F5EEB7A138F}"/>
-                  </a:ext>
-                </a:extLst>
-              </p:cNvPr>
-              <p:cNvSpPr/>
-              <p:nvPr/>
-            </p:nvSpPr>
-            <p:spPr>
-              <a:xfrm>
-                <a:off x="2573988" y="333528"/>
-                <a:ext cx="2218394" cy="1379857"/>
-              </a:xfrm>
-              <a:prstGeom prst="rect">
-                <a:avLst/>
-              </a:prstGeom>
-              <a:solidFill>
-                <a:schemeClr val="bg1">
-                  <a:lumMod val="65000"/>
-                </a:schemeClr>
-              </a:solidFill>
-              <a:ln w="57150">
-                <a:solidFill>
-                  <a:schemeClr val="tx1"/>
-                </a:solidFill>
-              </a:ln>
-            </p:spPr>
-            <p:style>
-              <a:lnRef idx="2">
-                <a:schemeClr val="accent1">
-                  <a:shade val="50000"/>
-                </a:schemeClr>
-              </a:lnRef>
-              <a:fillRef idx="1">
-                <a:schemeClr val="accent1"/>
-              </a:fillRef>
-              <a:effectRef idx="0">
-                <a:schemeClr val="accent1"/>
-              </a:effectRef>
-              <a:fontRef idx="minor">
-                <a:schemeClr val="lt1"/>
-              </a:fontRef>
-            </p:style>
-            <p:txBody>
-              <a:bodyPr rtlCol="0" anchor="ctr"/>
-              <a:lstStyle/>
-              <a:p>
-                <a:pPr algn="ctr"/>
-                <a:endParaRPr lang="en-US" sz="1600"/>
-              </a:p>
-            </p:txBody>
-          </p:sp>
-          <p:pic>
-            <p:nvPicPr>
-              <p:cNvPr id="55" name="그림 10">
-                <a:extLst>
-                  <a:ext uri="{FF2B5EF4-FFF2-40B4-BE49-F238E27FC236}">
-                    <a16:creationId xmlns:a16="http://schemas.microsoft.com/office/drawing/2014/main" id="{2AF5113E-DFCA-4319-802A-CEDF4E07468F}"/>
-                  </a:ext>
-                </a:extLst>
-              </p:cNvPr>
-              <p:cNvPicPr>
-                <a:picLocks noChangeAspect="1"/>
-              </p:cNvPicPr>
-              <p:nvPr/>
-            </p:nvPicPr>
-            <p:blipFill>
-              <a:blip r:embed="rId3" cstate="print">
-                <a:extLst>
-                  <a:ext uri="{28A0092B-C50C-407E-A947-70E740481C1C}">
-                    <a14:useLocalDpi xmlns:a14="http://schemas.microsoft.com/office/drawing/2010/main" val="0"/>
-                  </a:ext>
-                </a:extLst>
-              </a:blip>
-              <a:stretch>
-                <a:fillRect/>
-              </a:stretch>
-            </p:blipFill>
-            <p:spPr>
-              <a:xfrm>
-                <a:off x="3013543" y="721056"/>
-                <a:ext cx="604800" cy="604800"/>
-              </a:xfrm>
-              <a:prstGeom prst="rect">
-                <a:avLst/>
-              </a:prstGeom>
-            </p:spPr>
-          </p:pic>
-          <p:pic>
-            <p:nvPicPr>
-              <p:cNvPr id="33" name="Picture 32">
-                <a:extLst>
-                  <a:ext uri="{FF2B5EF4-FFF2-40B4-BE49-F238E27FC236}">
-                    <a16:creationId xmlns:a16="http://schemas.microsoft.com/office/drawing/2014/main" id="{F1AA9580-8694-4A70-A91B-DD306F179949}"/>
-                  </a:ext>
-                </a:extLst>
-              </p:cNvPr>
-              <p:cNvPicPr>
-                <a:picLocks noChangeAspect="1"/>
-              </p:cNvPicPr>
-              <p:nvPr/>
-            </p:nvPicPr>
-            <p:blipFill>
-              <a:blip r:embed="rId4" cstate="print">
-                <a:extLst>
-                  <a:ext uri="{28A0092B-C50C-407E-A947-70E740481C1C}">
-                    <a14:useLocalDpi xmlns:a14="http://schemas.microsoft.com/office/drawing/2010/main" val="0"/>
-                  </a:ext>
-                </a:extLst>
-              </a:blip>
-              <a:stretch>
-                <a:fillRect/>
-              </a:stretch>
-            </p:blipFill>
-            <p:spPr>
-              <a:xfrm>
-                <a:off x="3748027" y="721056"/>
-                <a:ext cx="604800" cy="604800"/>
-              </a:xfrm>
-              <a:prstGeom prst="rect">
-                <a:avLst/>
-              </a:prstGeom>
-            </p:spPr>
-          </p:pic>
-          <p:sp>
-            <p:nvSpPr>
-              <p:cNvPr id="34" name="Oval 33">
-                <a:extLst>
-                  <a:ext uri="{FF2B5EF4-FFF2-40B4-BE49-F238E27FC236}">
-                    <a16:creationId xmlns:a16="http://schemas.microsoft.com/office/drawing/2014/main" id="{E15A8C35-7D13-40BF-9B18-B20090FC958D}"/>
-                  </a:ext>
-                </a:extLst>
-              </p:cNvPr>
-              <p:cNvSpPr/>
-              <p:nvPr/>
-            </p:nvSpPr>
-            <p:spPr>
-              <a:xfrm>
-                <a:off x="3665185" y="1005946"/>
-                <a:ext cx="36000" cy="36000"/>
-              </a:xfrm>
-              <a:prstGeom prst="ellipse">
-                <a:avLst/>
-              </a:prstGeom>
-              <a:solidFill>
-                <a:srgbClr val="FF0000"/>
-              </a:solidFill>
-              <a:ln>
-                <a:noFill/>
-              </a:ln>
-            </p:spPr>
-            <p:style>
-              <a:lnRef idx="2">
-                <a:schemeClr val="accent1">
-                  <a:shade val="50000"/>
-                </a:schemeClr>
-              </a:lnRef>
-              <a:fillRef idx="1">
-                <a:schemeClr val="accent1"/>
-              </a:fillRef>
-              <a:effectRef idx="0">
-                <a:schemeClr val="accent1"/>
-              </a:effectRef>
-              <a:fontRef idx="minor">
-                <a:schemeClr val="lt1"/>
-              </a:fontRef>
-            </p:style>
-            <p:txBody>
-              <a:bodyPr rtlCol="0" anchor="ctr"/>
-              <a:lstStyle/>
-              <a:p>
-                <a:pPr algn="ctr"/>
-                <a:endParaRPr lang="en-US"/>
-              </a:p>
-            </p:txBody>
-          </p:sp>
-          <p:pic>
-            <p:nvPicPr>
-              <p:cNvPr id="44" name="Picture 43">
-                <a:extLst>
-                  <a:ext uri="{FF2B5EF4-FFF2-40B4-BE49-F238E27FC236}">
-                    <a16:creationId xmlns:a16="http://schemas.microsoft.com/office/drawing/2014/main" id="{A33CECE6-ACD0-4A04-A2F3-15097E6922EB}"/>
-                  </a:ext>
-                </a:extLst>
-              </p:cNvPr>
-              <p:cNvPicPr>
-                <a:picLocks noChangeAspect="1"/>
-              </p:cNvPicPr>
-              <p:nvPr/>
-            </p:nvPicPr>
-            <p:blipFill>
-              <a:blip r:embed="rId4" cstate="print">
-                <a:extLst>
-                  <a:ext uri="{28A0092B-C50C-407E-A947-70E740481C1C}">
-                    <a14:useLocalDpi xmlns:a14="http://schemas.microsoft.com/office/drawing/2010/main" val="0"/>
-                  </a:ext>
-                </a:extLst>
-              </a:blip>
-              <a:stretch>
-                <a:fillRect/>
-              </a:stretch>
-            </p:blipFill>
-            <p:spPr>
-              <a:xfrm>
-                <a:off x="3748027" y="721056"/>
-                <a:ext cx="604800" cy="604800"/>
-              </a:xfrm>
-              <a:prstGeom prst="rect">
-                <a:avLst/>
-              </a:prstGeom>
-            </p:spPr>
-          </p:pic>
-          <p:sp>
-            <p:nvSpPr>
-              <p:cNvPr id="45" name="Oval 44">
-                <a:extLst>
-                  <a:ext uri="{FF2B5EF4-FFF2-40B4-BE49-F238E27FC236}">
-                    <a16:creationId xmlns:a16="http://schemas.microsoft.com/office/drawing/2014/main" id="{13CC0D9D-C793-4312-8A7B-01ECF4BBDBA7}"/>
-                  </a:ext>
-                </a:extLst>
-              </p:cNvPr>
-              <p:cNvSpPr/>
-              <p:nvPr/>
-            </p:nvSpPr>
-            <p:spPr>
-              <a:xfrm>
-                <a:off x="3665185" y="1005946"/>
-                <a:ext cx="36000" cy="36000"/>
-              </a:xfrm>
-              <a:prstGeom prst="ellipse">
-                <a:avLst/>
-              </a:prstGeom>
-              <a:solidFill>
-                <a:srgbClr val="FF0000"/>
-              </a:solidFill>
-              <a:ln>
-                <a:noFill/>
-              </a:ln>
-            </p:spPr>
-            <p:style>
-              <a:lnRef idx="2">
-                <a:schemeClr val="accent1">
-                  <a:shade val="50000"/>
-                </a:schemeClr>
-              </a:lnRef>
-              <a:fillRef idx="1">
-                <a:schemeClr val="accent1"/>
-              </a:fillRef>
-              <a:effectRef idx="0">
-                <a:schemeClr val="accent1"/>
-              </a:effectRef>
-              <a:fontRef idx="minor">
-                <a:schemeClr val="lt1"/>
-              </a:fontRef>
-            </p:style>
-            <p:txBody>
-              <a:bodyPr rtlCol="0" anchor="ctr"/>
-              <a:lstStyle/>
-              <a:p>
-                <a:pPr algn="ctr"/>
-                <a:endParaRPr lang="en-US"/>
-              </a:p>
-            </p:txBody>
-          </p:sp>
-        </p:grpSp>
-        <p:grpSp>
-          <p:nvGrpSpPr>
-            <p:cNvPr id="50" name="Group 49">
-              <a:extLst>
-                <a:ext uri="{FF2B5EF4-FFF2-40B4-BE49-F238E27FC236}">
-                  <a16:creationId xmlns:a16="http://schemas.microsoft.com/office/drawing/2014/main" id="{35F52390-3AFC-41B2-A68F-4E29A4C86AFB}"/>
-                </a:ext>
-              </a:extLst>
-            </p:cNvPr>
-            <p:cNvGrpSpPr/>
-            <p:nvPr/>
-          </p:nvGrpSpPr>
-          <p:grpSpPr>
-            <a:xfrm>
-              <a:off x="1033686" y="5536685"/>
-              <a:ext cx="1879432" cy="1169020"/>
-              <a:chOff x="8648458" y="4574854"/>
-              <a:chExt cx="2218394" cy="1379857"/>
-            </a:xfrm>
-          </p:grpSpPr>
-          <p:sp>
-            <p:nvSpPr>
-              <p:cNvPr id="46" name="직사각형 14">
-                <a:extLst>
-                  <a:ext uri="{FF2B5EF4-FFF2-40B4-BE49-F238E27FC236}">
-                    <a16:creationId xmlns:a16="http://schemas.microsoft.com/office/drawing/2014/main" id="{B7E04F9F-7715-444C-9A31-EE25368AEBBE}"/>
-                  </a:ext>
-                </a:extLst>
-              </p:cNvPr>
-              <p:cNvSpPr/>
-              <p:nvPr/>
-            </p:nvSpPr>
-            <p:spPr>
-              <a:xfrm>
-                <a:off x="8648458" y="4574854"/>
-                <a:ext cx="2218394" cy="1379857"/>
-              </a:xfrm>
-              <a:prstGeom prst="rect">
-                <a:avLst/>
-              </a:prstGeom>
-              <a:solidFill>
-                <a:schemeClr val="bg1">
-                  <a:lumMod val="65000"/>
-                </a:schemeClr>
-              </a:solidFill>
-              <a:ln w="57150">
-                <a:solidFill>
-                  <a:schemeClr val="tx1"/>
-                </a:solidFill>
-              </a:ln>
-            </p:spPr>
-            <p:style>
-              <a:lnRef idx="2">
-                <a:schemeClr val="accent1">
-                  <a:shade val="50000"/>
-                </a:schemeClr>
-              </a:lnRef>
-              <a:fillRef idx="1">
-                <a:schemeClr val="accent1"/>
-              </a:fillRef>
-              <a:effectRef idx="0">
-                <a:schemeClr val="accent1"/>
-              </a:effectRef>
-              <a:fontRef idx="minor">
-                <a:schemeClr val="lt1"/>
-              </a:fontRef>
-            </p:style>
-            <p:txBody>
-              <a:bodyPr rtlCol="0" anchor="ctr"/>
-              <a:lstStyle/>
-              <a:p>
-                <a:pPr algn="ctr"/>
-                <a:endParaRPr lang="en-US" sz="1600"/>
-              </a:p>
-            </p:txBody>
-          </p:sp>
-          <p:pic>
-            <p:nvPicPr>
-              <p:cNvPr id="47" name="그림 22">
-                <a:extLst>
-                  <a:ext uri="{FF2B5EF4-FFF2-40B4-BE49-F238E27FC236}">
-                    <a16:creationId xmlns:a16="http://schemas.microsoft.com/office/drawing/2014/main" id="{CE5D51BA-3F4B-454B-ABB3-D39B97AF9D8C}"/>
-                  </a:ext>
-                </a:extLst>
-              </p:cNvPr>
-              <p:cNvPicPr>
-                <a:picLocks noChangeAspect="1"/>
-              </p:cNvPicPr>
-              <p:nvPr/>
-            </p:nvPicPr>
-            <p:blipFill>
-              <a:blip r:embed="rId5" cstate="print">
-                <a:extLst>
-                  <a:ext uri="{28A0092B-C50C-407E-A947-70E740481C1C}">
-                    <a14:useLocalDpi xmlns:a14="http://schemas.microsoft.com/office/drawing/2010/main" val="0"/>
-                  </a:ext>
-                </a:extLst>
-              </a:blip>
-              <a:stretch>
-                <a:fillRect/>
-              </a:stretch>
-            </p:blipFill>
-            <p:spPr>
-              <a:xfrm>
-                <a:off x="9088013" y="4962382"/>
-                <a:ext cx="604800" cy="604800"/>
-              </a:xfrm>
-              <a:prstGeom prst="rect">
-                <a:avLst/>
-              </a:prstGeom>
-            </p:spPr>
-          </p:pic>
-          <p:pic>
-            <p:nvPicPr>
-              <p:cNvPr id="48" name="Picture 47">
-                <a:extLst>
-                  <a:ext uri="{FF2B5EF4-FFF2-40B4-BE49-F238E27FC236}">
-                    <a16:creationId xmlns:a16="http://schemas.microsoft.com/office/drawing/2014/main" id="{542257EB-9B78-4B9A-A59C-BF1A14143067}"/>
-                  </a:ext>
-                </a:extLst>
-              </p:cNvPr>
-              <p:cNvPicPr>
-                <a:picLocks noChangeAspect="1"/>
-              </p:cNvPicPr>
-              <p:nvPr/>
-            </p:nvPicPr>
-            <p:blipFill>
-              <a:blip r:embed="rId4" cstate="print">
-                <a:extLst>
-                  <a:ext uri="{28A0092B-C50C-407E-A947-70E740481C1C}">
-                    <a14:useLocalDpi xmlns:a14="http://schemas.microsoft.com/office/drawing/2010/main" val="0"/>
-                  </a:ext>
-                </a:extLst>
-              </a:blip>
-              <a:stretch>
-                <a:fillRect/>
-              </a:stretch>
-            </p:blipFill>
-            <p:spPr>
-              <a:xfrm>
-                <a:off x="9822497" y="4962382"/>
-                <a:ext cx="604800" cy="604800"/>
-              </a:xfrm>
-              <a:prstGeom prst="rect">
-                <a:avLst/>
-              </a:prstGeom>
-            </p:spPr>
-          </p:pic>
-          <p:sp>
-            <p:nvSpPr>
-              <p:cNvPr id="49" name="Oval 48">
-                <a:extLst>
-                  <a:ext uri="{FF2B5EF4-FFF2-40B4-BE49-F238E27FC236}">
-                    <a16:creationId xmlns:a16="http://schemas.microsoft.com/office/drawing/2014/main" id="{BDA042D7-7561-4285-A79D-AF1BA918A3D1}"/>
-                  </a:ext>
-                </a:extLst>
-              </p:cNvPr>
-              <p:cNvSpPr/>
-              <p:nvPr/>
-            </p:nvSpPr>
-            <p:spPr>
-              <a:xfrm>
-                <a:off x="9739655" y="5247272"/>
-                <a:ext cx="36000" cy="36000"/>
-              </a:xfrm>
-              <a:prstGeom prst="ellipse">
-                <a:avLst/>
-              </a:prstGeom>
-              <a:solidFill>
-                <a:srgbClr val="FF0000"/>
-              </a:solidFill>
-              <a:ln>
-                <a:noFill/>
-              </a:ln>
-            </p:spPr>
-            <p:style>
-              <a:lnRef idx="2">
-                <a:schemeClr val="accent1">
-                  <a:shade val="50000"/>
-                </a:schemeClr>
-              </a:lnRef>
-              <a:fillRef idx="1">
-                <a:schemeClr val="accent1"/>
-              </a:fillRef>
-              <a:effectRef idx="0">
-                <a:schemeClr val="accent1"/>
-              </a:effectRef>
-              <a:fontRef idx="minor">
-                <a:schemeClr val="lt1"/>
-              </a:fontRef>
-            </p:style>
-            <p:txBody>
-              <a:bodyPr rtlCol="0" anchor="ctr"/>
-              <a:lstStyle/>
-              <a:p>
-                <a:pPr algn="ctr"/>
-                <a:endParaRPr lang="en-US"/>
-              </a:p>
-            </p:txBody>
-          </p:sp>
-        </p:grpSp>
-      </p:grpSp>
-      <p:sp>
-        <p:nvSpPr>
-          <p:cNvPr id="13" name="TextBox 12">
-            <a:extLst>
-              <a:ext uri="{FF2B5EF4-FFF2-40B4-BE49-F238E27FC236}">
-                <a16:creationId xmlns:a16="http://schemas.microsoft.com/office/drawing/2014/main" id="{65ACDFFD-6C6C-41F5-AB08-F4BB062AD5E9}"/>
-              </a:ext>
-            </a:extLst>
-          </p:cNvPr>
-          <p:cNvSpPr txBox="1"/>
-          <p:nvPr/>
-        </p:nvSpPr>
-        <p:spPr>
-          <a:xfrm>
-            <a:off x="1780474" y="1523977"/>
-            <a:ext cx="1260000" cy="338554"/>
-          </a:xfrm>
-          <a:prstGeom prst="rect">
-            <a:avLst/>
-          </a:prstGeom>
-          <a:solidFill>
-            <a:schemeClr val="bg1"/>
-          </a:solidFill>
-          <a:ln w="19050">
-            <a:solidFill>
-              <a:schemeClr val="bg1">
-                <a:lumMod val="50000"/>
-              </a:schemeClr>
-            </a:solidFill>
-          </a:ln>
-          <a:effectLst>
-            <a:outerShdw blurRad="50800" dist="38100" dir="2700000" algn="tl" rotWithShape="0">
-              <a:prstClr val="black">
-                <a:alpha val="40000"/>
-              </a:prstClr>
-            </a:outerShdw>
-          </a:effectLst>
-        </p:spPr>
-        <p:txBody>
-          <a:bodyPr wrap="square" rtlCol="0">
-            <a:spAutoFit/>
-          </a:bodyPr>
-          <a:lstStyle/>
-          <a:p>
-            <a:pPr algn="ctr"/>
-            <a:r>
-              <a:rPr lang="en-US" sz="1600" b="1" dirty="0"/>
-              <a:t>cue frame</a:t>
-            </a:r>
-          </a:p>
-        </p:txBody>
-      </p:sp>
-      <p:sp>
-        <p:nvSpPr>
-          <p:cNvPr id="14" name="TextBox 13">
-            <a:extLst>
-              <a:ext uri="{FF2B5EF4-FFF2-40B4-BE49-F238E27FC236}">
-                <a16:creationId xmlns:a16="http://schemas.microsoft.com/office/drawing/2014/main" id="{4637171F-B00D-42D3-AA36-EC535880E451}"/>
-              </a:ext>
-            </a:extLst>
-          </p:cNvPr>
-          <p:cNvSpPr txBox="1"/>
-          <p:nvPr/>
-        </p:nvSpPr>
-        <p:spPr>
-          <a:xfrm>
-            <a:off x="1780474" y="5541191"/>
-            <a:ext cx="1260000" cy="338554"/>
-          </a:xfrm>
-          <a:prstGeom prst="rect">
-            <a:avLst/>
-          </a:prstGeom>
-          <a:solidFill>
-            <a:schemeClr val="bg1"/>
-          </a:solidFill>
-          <a:ln w="19050">
-            <a:solidFill>
-              <a:schemeClr val="bg1">
-                <a:lumMod val="50000"/>
-              </a:schemeClr>
-            </a:solidFill>
-          </a:ln>
-          <a:effectLst>
-            <a:outerShdw blurRad="50800" dist="38100" dir="2700000" algn="tl" rotWithShape="0">
-              <a:prstClr val="black">
-                <a:alpha val="40000"/>
-              </a:prstClr>
-            </a:outerShdw>
-          </a:effectLst>
-        </p:spPr>
-        <p:txBody>
-          <a:bodyPr wrap="square" rtlCol="0">
-            <a:spAutoFit/>
-          </a:bodyPr>
-          <a:lstStyle/>
-          <a:p>
-            <a:pPr algn="ctr"/>
-            <a:r>
-              <a:rPr lang="en-US" sz="1600" b="1" dirty="0"/>
-              <a:t>probe frame</a:t>
-            </a:r>
-          </a:p>
-        </p:txBody>
-      </p:sp>
-      <p:sp>
-        <p:nvSpPr>
-          <p:cNvPr id="56" name="TextBox 55">
-            <a:extLst>
-              <a:ext uri="{FF2B5EF4-FFF2-40B4-BE49-F238E27FC236}">
-                <a16:creationId xmlns:a16="http://schemas.microsoft.com/office/drawing/2014/main" id="{5BFD8265-0A52-4951-97EA-122C16CC4CE6}"/>
-              </a:ext>
-            </a:extLst>
-          </p:cNvPr>
-          <p:cNvSpPr txBox="1"/>
-          <p:nvPr/>
-        </p:nvSpPr>
-        <p:spPr>
-          <a:xfrm>
-            <a:off x="3465622" y="2072137"/>
-            <a:ext cx="8527191" cy="2369880"/>
-          </a:xfrm>
-          <a:prstGeom prst="rect">
-            <a:avLst/>
-          </a:prstGeom>
-          <a:noFill/>
-        </p:spPr>
-        <p:txBody>
-          <a:bodyPr wrap="square" rtlCol="0">
-            <a:spAutoFit/>
-          </a:bodyPr>
-          <a:lstStyle/>
-          <a:p>
-            <a:pPr marL="285750" indent="-285750">
-              <a:spcAft>
-                <a:spcPts val="1200"/>
-              </a:spcAft>
-              <a:buFontTx/>
-              <a:buChar char="-"/>
-            </a:pPr>
-            <a:r>
-              <a:rPr lang="en-US" dirty="0"/>
-              <a:t>Please fixate your eyes on </a:t>
-            </a:r>
-            <a:r>
-              <a:rPr lang="en-US" b="1" dirty="0">
-                <a:solidFill>
-                  <a:srgbClr val="FF0000"/>
-                </a:solidFill>
-              </a:rPr>
-              <a:t>the red fixation dot</a:t>
-            </a:r>
-            <a:r>
-              <a:rPr lang="en-US" dirty="0"/>
-              <a:t> all the time</a:t>
-            </a:r>
-          </a:p>
-          <a:p>
-            <a:pPr marL="285750" indent="-285750">
-              <a:spcAft>
-                <a:spcPts val="1200"/>
-              </a:spcAft>
-              <a:buFontTx/>
-              <a:buChar char="-"/>
-            </a:pPr>
-            <a:r>
-              <a:rPr lang="en-US" dirty="0"/>
-              <a:t>Your task is the same, except there will be two disks</a:t>
-            </a:r>
-          </a:p>
-          <a:p>
-            <a:pPr marL="285750" indent="-285750">
-              <a:spcAft>
-                <a:spcPts val="1200"/>
-              </a:spcAft>
-              <a:buFontTx/>
-              <a:buChar char="-"/>
-            </a:pPr>
-            <a:r>
-              <a:rPr lang="en-US" dirty="0"/>
-              <a:t>Tilted bars will be always presented in the left disk</a:t>
-            </a:r>
-          </a:p>
-          <a:p>
-            <a:pPr marL="285750" indent="-285750">
-              <a:spcAft>
-                <a:spcPts val="1200"/>
-              </a:spcAft>
-              <a:buFontTx/>
-              <a:buChar char="-"/>
-            </a:pPr>
-            <a:r>
-              <a:rPr lang="en-US" dirty="0"/>
-              <a:t>Your task is to detect either the target bars (15</a:t>
-            </a:r>
-            <a:r>
-              <a:rPr lang="en-US" baseline="30000" dirty="0"/>
-              <a:t>◦ </a:t>
-            </a:r>
-            <a:r>
-              <a:rPr lang="en-US" dirty="0"/>
-              <a:t>tilted bars) in cue and probe frames are tilted in the same direction (left button) or not (right button)</a:t>
-            </a:r>
-          </a:p>
-          <a:p>
-            <a:pPr marL="285750" indent="-285750">
-              <a:spcAft>
-                <a:spcPts val="1200"/>
-              </a:spcAft>
-              <a:buFontTx/>
-              <a:buChar char="-"/>
-            </a:pPr>
-            <a:r>
-              <a:rPr lang="en-US" dirty="0"/>
-              <a:t>Again, you have to ignore the 45</a:t>
-            </a:r>
-            <a:r>
-              <a:rPr lang="en-US" baseline="30000" dirty="0"/>
-              <a:t>◦</a:t>
-            </a:r>
-            <a:r>
-              <a:rPr lang="en-US" dirty="0"/>
-              <a:t>(distractor) bar in the cue frame</a:t>
-            </a:r>
-          </a:p>
-        </p:txBody>
-      </p:sp>
-    </p:spTree>
-    <p:extLst>
-      <p:ext uri="{BB962C8B-B14F-4D97-AF65-F5344CB8AC3E}">
-        <p14:creationId xmlns:p14="http://schemas.microsoft.com/office/powerpoint/2010/main" val="1139067088"/>
-      </p:ext>
-    </p:extLst>
-  </p:cSld>
-  <p:clrMapOvr>
-    <a:masterClrMapping/>
-  </p:clrMapOvr>
-</p:sld>
-</file>
-
-<file path=ppt/slides/slide11.xml><?xml version="1.0" encoding="utf-8"?>
-<p:sld xmlns:a="http://schemas.openxmlformats.org/drawingml/2006/main" xmlns:r="http://schemas.openxmlformats.org/officeDocument/2006/relationships" xmlns:p="http://schemas.openxmlformats.org/presentationml/2006/main" show="0">
-  <p:cSld>
-    <p:bg>
-      <p:bgPr>
-        <a:solidFill>
-          <a:srgbClr val="7F7F7F"/>
-        </a:solidFill>
-        <a:effectLst/>
-      </p:bgPr>
-    </p:bg>
-    <p:spTree>
-      <p:nvGrpSpPr>
-        <p:cNvPr id="1" name=""/>
-        <p:cNvGrpSpPr/>
-        <p:nvPr/>
-      </p:nvGrpSpPr>
-      <p:grpSpPr>
-        <a:xfrm>
-          <a:off x="0" y="0"/>
-          <a:ext cx="0" cy="0"/>
-          <a:chOff x="0" y="0"/>
-          <a:chExt cx="0" cy="0"/>
-        </a:xfrm>
-      </p:grpSpPr>
-      <p:sp>
-        <p:nvSpPr>
-          <p:cNvPr id="2" name="TextBox 1">
-            <a:extLst>
-              <a:ext uri="{FF2B5EF4-FFF2-40B4-BE49-F238E27FC236}">
-                <a16:creationId xmlns:a16="http://schemas.microsoft.com/office/drawing/2014/main" id="{111A9637-10FB-4F35-81B8-74F40C5B099B}"/>
-              </a:ext>
-            </a:extLst>
-          </p:cNvPr>
-          <p:cNvSpPr txBox="1"/>
-          <p:nvPr/>
-        </p:nvSpPr>
-        <p:spPr>
-          <a:xfrm>
-            <a:off x="458679" y="435005"/>
-            <a:ext cx="11274642" cy="923330"/>
-          </a:xfrm>
-          <a:prstGeom prst="rect">
-            <a:avLst/>
-          </a:prstGeom>
-          <a:noFill/>
-        </p:spPr>
-        <p:txBody>
-          <a:bodyPr wrap="square" rtlCol="0">
-            <a:spAutoFit/>
-          </a:bodyPr>
-          <a:lstStyle/>
-          <a:p>
-            <a:r>
-              <a:rPr lang="en-US" b="1" dirty="0"/>
-              <a:t>Example </a:t>
-            </a:r>
-          </a:p>
-          <a:p>
-            <a:endParaRPr lang="en-US" dirty="0"/>
-          </a:p>
-          <a:p>
-            <a:pPr algn="ctr"/>
-            <a:r>
-              <a:rPr lang="en-US" dirty="0"/>
-              <a:t>Task: Report the Same (left) / Opposite (right) tilt of the target bar (15</a:t>
-            </a:r>
-            <a:r>
-              <a:rPr lang="en-US" baseline="30000" dirty="0"/>
-              <a:t>◦</a:t>
-            </a:r>
-            <a:r>
-              <a:rPr lang="en-US" dirty="0"/>
-              <a:t>) in the left disk</a:t>
-            </a:r>
-          </a:p>
-        </p:txBody>
-      </p:sp>
-      <p:pic>
-        <p:nvPicPr>
-          <p:cNvPr id="4" name="Picture 3">
-            <a:extLst>
-              <a:ext uri="{FF2B5EF4-FFF2-40B4-BE49-F238E27FC236}">
-                <a16:creationId xmlns:a16="http://schemas.microsoft.com/office/drawing/2014/main" id="{6E94D5E7-D11E-4D0A-A68D-129198408D03}"/>
-              </a:ext>
-            </a:extLst>
-          </p:cNvPr>
-          <p:cNvPicPr>
-            <a:picLocks noChangeAspect="1"/>
-          </p:cNvPicPr>
-          <p:nvPr/>
-        </p:nvPicPr>
-        <p:blipFill>
-          <a:blip r:embed="rId2">
-            <a:extLst>
-              <a:ext uri="{28A0092B-C50C-407E-A947-70E740481C1C}">
-                <a14:useLocalDpi xmlns:a14="http://schemas.microsoft.com/office/drawing/2010/main" val="0"/>
-              </a:ext>
-            </a:extLst>
-          </a:blip>
-          <a:stretch>
-            <a:fillRect/>
-          </a:stretch>
-        </p:blipFill>
-        <p:spPr>
-          <a:xfrm>
-            <a:off x="2286000" y="2476500"/>
-            <a:ext cx="7620000" cy="1905000"/>
-          </a:xfrm>
-          <a:prstGeom prst="rect">
-            <a:avLst/>
-          </a:prstGeom>
-        </p:spPr>
-      </p:pic>
-      <p:sp>
-        <p:nvSpPr>
-          <p:cNvPr id="5" name="TextBox 4">
-            <a:extLst>
-              <a:ext uri="{FF2B5EF4-FFF2-40B4-BE49-F238E27FC236}">
-                <a16:creationId xmlns:a16="http://schemas.microsoft.com/office/drawing/2014/main" id="{E9D6FB7C-3ED8-4110-9261-0769C2F07A87}"/>
-              </a:ext>
-            </a:extLst>
-          </p:cNvPr>
-          <p:cNvSpPr txBox="1"/>
-          <p:nvPr/>
-        </p:nvSpPr>
-        <p:spPr>
-          <a:xfrm>
-            <a:off x="1714676" y="527338"/>
-            <a:ext cx="8527191" cy="369332"/>
-          </a:xfrm>
-          <a:prstGeom prst="rect">
-            <a:avLst/>
-          </a:prstGeom>
-          <a:noFill/>
-        </p:spPr>
-        <p:txBody>
-          <a:bodyPr wrap="square" rtlCol="0">
-            <a:spAutoFit/>
-          </a:bodyPr>
-          <a:lstStyle/>
-          <a:p>
-            <a:pPr algn="ctr">
-              <a:spcAft>
-                <a:spcPts val="1200"/>
-              </a:spcAft>
-            </a:pPr>
-            <a:r>
-              <a:rPr lang="en-US" dirty="0"/>
-              <a:t>Please fixate your eyes on </a:t>
-            </a:r>
-            <a:r>
-              <a:rPr lang="en-US" b="1" dirty="0">
-                <a:solidFill>
-                  <a:srgbClr val="FF0000"/>
-                </a:solidFill>
-              </a:rPr>
-              <a:t>the red fixation dot</a:t>
-            </a:r>
-            <a:r>
-              <a:rPr lang="en-US" dirty="0"/>
-              <a:t> all the time</a:t>
-            </a:r>
-          </a:p>
-        </p:txBody>
-      </p:sp>
-    </p:spTree>
-    <p:extLst>
-      <p:ext uri="{BB962C8B-B14F-4D97-AF65-F5344CB8AC3E}">
-        <p14:creationId xmlns:p14="http://schemas.microsoft.com/office/powerpoint/2010/main" val="3783185551"/>
-      </p:ext>
-    </p:extLst>
-  </p:cSld>
-  <p:clrMapOvr>
-    <a:masterClrMapping/>
-  </p:clrMapOvr>
-</p:sld>
-</file>
-
 <file path=ppt/slides/slide2.xml><?xml version="1.0" encoding="utf-8"?>
 <p:sld xmlns:a="http://schemas.openxmlformats.org/drawingml/2006/main" xmlns:r="http://schemas.openxmlformats.org/officeDocument/2006/relationships" xmlns:p="http://schemas.openxmlformats.org/presentationml/2006/main">
   <p:cSld>
@@ -5185,7 +3609,7 @@
         <p:spPr>
           <a:xfrm>
             <a:off x="3092222" y="206261"/>
-            <a:ext cx="9026702" cy="1295868"/>
+            <a:ext cx="9026702" cy="1711366"/>
           </a:xfrm>
           <a:prstGeom prst="rect">
             <a:avLst/>
@@ -5220,7 +3644,7 @@
             </a:pPr>
             <a:r>
               <a:rPr lang="en-US" dirty="0"/>
-              <a:t>In each trial, in the second and the last frame, multiple bars will be presented on the disk</a:t>
+              <a:t>In each trial, in the second and the last frame, multiple bars will be presented in the disks</a:t>
             </a:r>
           </a:p>
           <a:p>
@@ -5233,7 +3657,7 @@
             </a:pPr>
             <a:r>
               <a:rPr lang="en-US" dirty="0"/>
-              <a:t>Target disk is different in each session, left figure is an example</a:t>
+              <a:t>Only one of these 3 disks is the target disk, and it differs in each session, you will have the specific instruction before the session. Left figure is an example</a:t>
             </a:r>
           </a:p>
         </p:txBody>
@@ -5246,7 +3670,7 @@
         </p:nvSpPr>
         <p:spPr>
           <a:xfrm>
-            <a:off x="3092222" y="1929504"/>
+            <a:off x="3092222" y="2308910"/>
             <a:ext cx="9026702" cy="3785652"/>
           </a:xfrm>
           <a:prstGeom prst="rect">
@@ -5383,7 +3807,7 @@
             </a:pPr>
             <a:r>
               <a:rPr lang="en-US" dirty="0"/>
-              <a:t>Bar can be tilted either in clockwise or counter-clockwise manner from vertical orientation</a:t>
+              <a:t>Bars can be tilted either clockwise or counter-clockwise compared to the vertical</a:t>
             </a:r>
           </a:p>
           <a:p>
@@ -5404,7 +3828,7 @@
             </a:r>
             <a:r>
               <a:rPr lang="en-US" dirty="0"/>
-              <a:t> is to detect either </a:t>
+              <a:t> is to detect whether </a:t>
             </a:r>
             <a:r>
               <a:rPr lang="en-US" u="sng" dirty="0"/>
@@ -5474,7 +3898,7 @@
             </a:pPr>
             <a:r>
               <a:rPr lang="en-US" dirty="0"/>
-              <a:t>If both are tilted in a same direction (both clockwise or counter-clockwise) press the </a:t>
+              <a:t>If both are tilted in a same direction (both clockwise and counter-clockwise) press the </a:t>
             </a:r>
             <a:r>
               <a:rPr lang="en-US" b="1" i="1" dirty="0"/>
@@ -5482,7 +3906,7 @@
             </a:r>
             <a:r>
               <a:rPr lang="en-US" dirty="0"/>
-              <a:t> button, the </a:t>
+              <a:t> button, otherwise the </a:t>
             </a:r>
             <a:r>
               <a:rPr lang="en-US" b="1" i="1" dirty="0"/>
@@ -5490,7 +3914,7 @@
             </a:r>
             <a:r>
               <a:rPr lang="en-US" dirty="0"/>
-              <a:t> button for the different directions</a:t>
+              <a:t> button if they are in different directions</a:t>
             </a:r>
           </a:p>
         </p:txBody>
@@ -7542,7 +5966,7 @@
             </a:r>
             <a:r>
               <a:rPr lang="en-US" dirty="0"/>
-              <a:t>) are presented in the two different positions</a:t>
+              <a:t>) are presented in two different positions</a:t>
             </a:r>
           </a:p>
           <a:p>
@@ -7563,7 +5987,7 @@
             </a:r>
             <a:r>
               <a:rPr lang="en-US" dirty="0"/>
-              <a:t>) can be presented in any of three positions, therefore, it will be in the same position as cue-target position, cue-distractor position, or the third position</a:t>
+              <a:t>) can be presented in any of the three positions, therefore, it may be in the same position as cue-target position, the cue-distractor position, or the third position</a:t>
             </a:r>
           </a:p>
         </p:txBody>
@@ -8049,7 +6473,7 @@
             </a:pPr>
             <a:r>
               <a:rPr lang="en-US" dirty="0"/>
-              <a:t>But the target positions are not important, your task is to detect whether target bars in cue and probe frames are tilted in a same direction or not</a:t>
+              <a:t>The target positions are not important. Your task is to detect whether target bars in cue and probe frames are tilted in a same direction or not</a:t>
             </a:r>
           </a:p>
           <a:p>
@@ -8059,7 +6483,7 @@
             </a:pPr>
             <a:r>
               <a:rPr lang="en-US" dirty="0"/>
-              <a:t>If both are tilted in a same direction (both clockwise or counter-clockwise) press the left button, the right button for the different directions</a:t>
+              <a:t>If both are tilted in a same direction (both clockwise and counter-clockwise) press the left button, otherwise the right button if they are in different directions</a:t>
             </a:r>
           </a:p>
           <a:p>
@@ -9580,1461 +8004,6 @@
 </p:sld>
 </file>
 
-<file path=ppt/slides/slide5.xml><?xml version="1.0" encoding="utf-8"?>
-<p:sld xmlns:a="http://schemas.openxmlformats.org/drawingml/2006/main" xmlns:r="http://schemas.openxmlformats.org/officeDocument/2006/relationships" xmlns:p="http://schemas.openxmlformats.org/presentationml/2006/main" show="0">
-  <p:cSld>
-    <p:spTree>
-      <p:nvGrpSpPr>
-        <p:cNvPr id="1" name=""/>
-        <p:cNvGrpSpPr/>
-        <p:nvPr/>
-      </p:nvGrpSpPr>
-      <p:grpSpPr>
-        <a:xfrm>
-          <a:off x="0" y="0"/>
-          <a:ext cx="0" cy="0"/>
-          <a:chOff x="0" y="0"/>
-          <a:chExt cx="0" cy="0"/>
-        </a:xfrm>
-      </p:grpSpPr>
-      <p:sp>
-        <p:nvSpPr>
-          <p:cNvPr id="2" name="TextBox 1">
-            <a:extLst>
-              <a:ext uri="{FF2B5EF4-FFF2-40B4-BE49-F238E27FC236}">
-                <a16:creationId xmlns:a16="http://schemas.microsoft.com/office/drawing/2014/main" id="{91DED56B-F350-4B0D-8686-B325ECBED80E}"/>
-              </a:ext>
-            </a:extLst>
-          </p:cNvPr>
-          <p:cNvSpPr txBox="1"/>
-          <p:nvPr/>
-        </p:nvSpPr>
-        <p:spPr>
-          <a:xfrm>
-            <a:off x="269966" y="452846"/>
-            <a:ext cx="11390811" cy="1200329"/>
-          </a:xfrm>
-          <a:prstGeom prst="rect">
-            <a:avLst/>
-          </a:prstGeom>
-          <a:noFill/>
-        </p:spPr>
-        <p:txBody>
-          <a:bodyPr wrap="square" rtlCol="0">
-            <a:spAutoFit/>
-          </a:bodyPr>
-          <a:lstStyle/>
-          <a:p>
-            <a:r>
-              <a:rPr lang="en-US" dirty="0"/>
-              <a:t>Post experiment questionnaire</a:t>
-            </a:r>
-          </a:p>
-          <a:p>
-            <a:endParaRPr lang="en-US" dirty="0"/>
-          </a:p>
-          <a:p>
-            <a:r>
-              <a:rPr lang="en-US" dirty="0"/>
-              <a:t>1. Were the disks flickering (on/off) or moving left-and-right in concert? </a:t>
-            </a:r>
-          </a:p>
-          <a:p>
-            <a:r>
-              <a:rPr lang="en-US" dirty="0"/>
-              <a:t>     (1) each disk was flickering on and off --------------------------------- (5) three disks were moving </a:t>
-            </a:r>
-            <a:r>
-              <a:rPr lang="en-US"/>
-              <a:t>left-and-right in concert</a:t>
-            </a:r>
-            <a:endParaRPr lang="en-US" dirty="0"/>
-          </a:p>
-        </p:txBody>
-      </p:sp>
-    </p:spTree>
-    <p:extLst>
-      <p:ext uri="{BB962C8B-B14F-4D97-AF65-F5344CB8AC3E}">
-        <p14:creationId xmlns:p14="http://schemas.microsoft.com/office/powerpoint/2010/main" val="3214161767"/>
-      </p:ext>
-    </p:extLst>
-  </p:cSld>
-  <p:clrMapOvr>
-    <a:masterClrMapping/>
-  </p:clrMapOvr>
-</p:sld>
-</file>
-
-<file path=ppt/slides/slide6.xml><?xml version="1.0" encoding="utf-8"?>
-<p:sld xmlns:a="http://schemas.openxmlformats.org/drawingml/2006/main" xmlns:r="http://schemas.openxmlformats.org/officeDocument/2006/relationships" xmlns:p="http://schemas.openxmlformats.org/presentationml/2006/main" show="0">
-  <p:cSld>
-    <p:spTree>
-      <p:nvGrpSpPr>
-        <p:cNvPr id="1" name=""/>
-        <p:cNvGrpSpPr/>
-        <p:nvPr/>
-      </p:nvGrpSpPr>
-      <p:grpSpPr>
-        <a:xfrm>
-          <a:off x="0" y="0"/>
-          <a:ext cx="0" cy="0"/>
-          <a:chOff x="0" y="0"/>
-          <a:chExt cx="0" cy="0"/>
-        </a:xfrm>
-      </p:grpSpPr>
-      <p:grpSp>
-        <p:nvGrpSpPr>
-          <p:cNvPr id="4" name="Group 3">
-            <a:extLst>
-              <a:ext uri="{FF2B5EF4-FFF2-40B4-BE49-F238E27FC236}">
-                <a16:creationId xmlns:a16="http://schemas.microsoft.com/office/drawing/2014/main" id="{C35D5BF1-3963-4FAD-AC0D-DF000284EB4F}"/>
-              </a:ext>
-            </a:extLst>
-          </p:cNvPr>
-          <p:cNvGrpSpPr/>
-          <p:nvPr/>
-        </p:nvGrpSpPr>
-        <p:grpSpPr>
-          <a:xfrm>
-            <a:off x="4986803" y="2739072"/>
-            <a:ext cx="2218394" cy="1379857"/>
-            <a:chOff x="4986803" y="3008419"/>
-            <a:chExt cx="2218394" cy="1379857"/>
-          </a:xfrm>
-        </p:grpSpPr>
-        <p:sp>
-          <p:nvSpPr>
-            <p:cNvPr id="2" name="직사각형 14">
-              <a:extLst>
-                <a:ext uri="{FF2B5EF4-FFF2-40B4-BE49-F238E27FC236}">
-                  <a16:creationId xmlns:a16="http://schemas.microsoft.com/office/drawing/2014/main" id="{9616FF99-4C4D-4CAE-B119-907E525711D1}"/>
-                </a:ext>
-              </a:extLst>
-            </p:cNvPr>
-            <p:cNvSpPr/>
-            <p:nvPr/>
-          </p:nvSpPr>
-          <p:spPr>
-            <a:xfrm>
-              <a:off x="4986803" y="3008419"/>
-              <a:ext cx="2218394" cy="1379857"/>
-            </a:xfrm>
-            <a:prstGeom prst="rect">
-              <a:avLst/>
-            </a:prstGeom>
-            <a:solidFill>
-              <a:schemeClr val="bg1">
-                <a:lumMod val="65000"/>
-              </a:schemeClr>
-            </a:solidFill>
-            <a:ln w="57150">
-              <a:solidFill>
-                <a:schemeClr val="tx1"/>
-              </a:solidFill>
-            </a:ln>
-          </p:spPr>
-          <p:style>
-            <a:lnRef idx="2">
-              <a:schemeClr val="accent1">
-                <a:shade val="50000"/>
-              </a:schemeClr>
-            </a:lnRef>
-            <a:fillRef idx="1">
-              <a:schemeClr val="accent1"/>
-            </a:fillRef>
-            <a:effectRef idx="0">
-              <a:schemeClr val="accent1"/>
-            </a:effectRef>
-            <a:fontRef idx="minor">
-              <a:schemeClr val="lt1"/>
-            </a:fontRef>
-          </p:style>
-          <p:txBody>
-            <a:bodyPr rtlCol="0" anchor="ctr"/>
-            <a:lstStyle/>
-            <a:p>
-              <a:pPr algn="ctr"/>
-              <a:endParaRPr lang="en-US" sz="1600"/>
-            </a:p>
-          </p:txBody>
-        </p:sp>
-        <p:pic>
-          <p:nvPicPr>
-            <p:cNvPr id="3" name="그림 23">
-              <a:extLst>
-                <a:ext uri="{FF2B5EF4-FFF2-40B4-BE49-F238E27FC236}">
-                  <a16:creationId xmlns:a16="http://schemas.microsoft.com/office/drawing/2014/main" id="{7C624E11-7170-42D9-80EE-2CB220357C6E}"/>
-                </a:ext>
-              </a:extLst>
-            </p:cNvPr>
-            <p:cNvPicPr>
-              <a:picLocks noChangeAspect="1"/>
-            </p:cNvPicPr>
-            <p:nvPr/>
-          </p:nvPicPr>
-          <p:blipFill>
-            <a:blip r:embed="rId2" cstate="print">
-              <a:extLst>
-                <a:ext uri="{28A0092B-C50C-407E-A947-70E740481C1C}">
-                  <a14:useLocalDpi xmlns:a14="http://schemas.microsoft.com/office/drawing/2010/main" val="0"/>
-                </a:ext>
-              </a:extLst>
-            </a:blip>
-            <a:stretch>
-              <a:fillRect/>
-            </a:stretch>
-          </p:blipFill>
-          <p:spPr>
-            <a:xfrm>
-              <a:off x="5674302" y="3276650"/>
-              <a:ext cx="843395" cy="843395"/>
-            </a:xfrm>
-            <a:prstGeom prst="rect">
-              <a:avLst/>
-            </a:prstGeom>
-          </p:spPr>
-        </p:pic>
-      </p:grpSp>
-      <p:sp>
-        <p:nvSpPr>
-          <p:cNvPr id="5" name="TextBox 4">
-            <a:extLst>
-              <a:ext uri="{FF2B5EF4-FFF2-40B4-BE49-F238E27FC236}">
-                <a16:creationId xmlns:a16="http://schemas.microsoft.com/office/drawing/2014/main" id="{E13F2944-4F71-4E67-BE19-231CBC51675F}"/>
-              </a:ext>
-            </a:extLst>
-          </p:cNvPr>
-          <p:cNvSpPr txBox="1"/>
-          <p:nvPr/>
-        </p:nvSpPr>
-        <p:spPr>
-          <a:xfrm>
-            <a:off x="4035287" y="2107094"/>
-            <a:ext cx="4121426" cy="461665"/>
-          </a:xfrm>
-          <a:prstGeom prst="rect">
-            <a:avLst/>
-          </a:prstGeom>
-          <a:noFill/>
-        </p:spPr>
-        <p:txBody>
-          <a:bodyPr wrap="square" rtlCol="0">
-            <a:spAutoFit/>
-          </a:bodyPr>
-          <a:lstStyle/>
-          <a:p>
-            <a:pPr algn="ctr"/>
-            <a:r>
-              <a:rPr lang="en-US" sz="2400" b="1" dirty="0"/>
-              <a:t>1 DISK CONDITION</a:t>
-            </a:r>
-          </a:p>
-        </p:txBody>
-      </p:sp>
-    </p:spTree>
-    <p:extLst>
-      <p:ext uri="{BB962C8B-B14F-4D97-AF65-F5344CB8AC3E}">
-        <p14:creationId xmlns:p14="http://schemas.microsoft.com/office/powerpoint/2010/main" val="2876714614"/>
-      </p:ext>
-    </p:extLst>
-  </p:cSld>
-  <p:clrMapOvr>
-    <a:masterClrMapping/>
-  </p:clrMapOvr>
-</p:sld>
-</file>
-
-<file path=ppt/slides/slide7.xml><?xml version="1.0" encoding="utf-8"?>
-<p:sld xmlns:a="http://schemas.openxmlformats.org/drawingml/2006/main" xmlns:r="http://schemas.openxmlformats.org/officeDocument/2006/relationships" xmlns:p="http://schemas.openxmlformats.org/presentationml/2006/main" show="0">
-  <p:cSld>
-    <p:spTree>
-      <p:nvGrpSpPr>
-        <p:cNvPr id="1" name=""/>
-        <p:cNvGrpSpPr/>
-        <p:nvPr/>
-      </p:nvGrpSpPr>
-      <p:grpSpPr>
-        <a:xfrm>
-          <a:off x="0" y="0"/>
-          <a:ext cx="0" cy="0"/>
-          <a:chOff x="0" y="0"/>
-          <a:chExt cx="0" cy="0"/>
-        </a:xfrm>
-      </p:grpSpPr>
-      <p:sp>
-        <p:nvSpPr>
-          <p:cNvPr id="10" name="TextBox 9"/>
-          <p:cNvSpPr txBox="1"/>
-          <p:nvPr/>
-        </p:nvSpPr>
-        <p:spPr>
-          <a:xfrm>
-            <a:off x="341496" y="160421"/>
-            <a:ext cx="11374253" cy="880369"/>
-          </a:xfrm>
-          <a:prstGeom prst="rect">
-            <a:avLst/>
-          </a:prstGeom>
-          <a:noFill/>
-        </p:spPr>
-        <p:txBody>
-          <a:bodyPr wrap="square" rtlCol="0">
-            <a:spAutoFit/>
-          </a:bodyPr>
-          <a:lstStyle/>
-          <a:p>
-            <a:pPr marL="285750" indent="-285750">
-              <a:lnSpc>
-                <a:spcPct val="150000"/>
-              </a:lnSpc>
-              <a:buFontTx/>
-              <a:buChar char="-"/>
-            </a:pPr>
-            <a:r>
-              <a:rPr lang="en-US" dirty="0"/>
-              <a:t>In each frame, 1 disk will be presented in the middle of the screen, and you will see 5 frames in each trial</a:t>
-            </a:r>
-          </a:p>
-          <a:p>
-            <a:pPr marL="285750" indent="-285750">
-              <a:lnSpc>
-                <a:spcPct val="150000"/>
-              </a:lnSpc>
-              <a:buFontTx/>
-              <a:buChar char="-"/>
-            </a:pPr>
-            <a:r>
-              <a:rPr lang="en-US" dirty="0"/>
-              <a:t>In each trial, in the second and the last frame, multiple bars will be presented on the disk as shown below </a:t>
-            </a:r>
-          </a:p>
-        </p:txBody>
-      </p:sp>
-      <p:sp>
-        <p:nvSpPr>
-          <p:cNvPr id="39" name="TextBox 38"/>
-          <p:cNvSpPr txBox="1"/>
-          <p:nvPr/>
-        </p:nvSpPr>
-        <p:spPr>
-          <a:xfrm>
-            <a:off x="6209742" y="1436370"/>
-            <a:ext cx="5909182" cy="4893647"/>
-          </a:xfrm>
-          <a:prstGeom prst="rect">
-            <a:avLst/>
-          </a:prstGeom>
-          <a:noFill/>
-        </p:spPr>
-        <p:txBody>
-          <a:bodyPr wrap="square" rtlCol="0">
-            <a:spAutoFit/>
-          </a:bodyPr>
-          <a:lstStyle/>
-          <a:p>
-            <a:pPr marL="285750" indent="-285750">
-              <a:spcAft>
-                <a:spcPts val="1200"/>
-              </a:spcAft>
-              <a:buFontTx/>
-              <a:buChar char="-"/>
-            </a:pPr>
-            <a:r>
-              <a:rPr lang="en-US" dirty="0"/>
-              <a:t>The second frame is called </a:t>
-            </a:r>
-            <a:r>
-              <a:rPr lang="en-US" b="1" dirty="0"/>
-              <a:t>cue frame</a:t>
-            </a:r>
-            <a:r>
-              <a:rPr lang="en-US" dirty="0"/>
-              <a:t>, and the last frame is called </a:t>
-            </a:r>
-            <a:r>
-              <a:rPr lang="en-US" b="1" dirty="0"/>
-              <a:t>probe frame</a:t>
-            </a:r>
-          </a:p>
-          <a:p>
-            <a:pPr marL="285750" indent="-285750">
-              <a:spcAft>
-                <a:spcPts val="1200"/>
-              </a:spcAft>
-              <a:buFontTx/>
-              <a:buChar char="-"/>
-            </a:pPr>
-            <a:r>
-              <a:rPr lang="en-US" dirty="0"/>
-              <a:t>In the cue frame, there will be two tilted bars, one in 15</a:t>
-            </a:r>
-            <a:r>
-              <a:rPr lang="en-US" baseline="30000" dirty="0"/>
-              <a:t>◦</a:t>
-            </a:r>
-            <a:r>
-              <a:rPr lang="en-US" dirty="0"/>
-              <a:t> (target) and the other in 45</a:t>
-            </a:r>
-            <a:r>
-              <a:rPr lang="en-US" baseline="30000" dirty="0"/>
-              <a:t>◦</a:t>
-            </a:r>
-            <a:r>
-              <a:rPr lang="en-US" dirty="0"/>
-              <a:t>(distractor)</a:t>
-            </a:r>
-          </a:p>
-          <a:p>
-            <a:pPr marL="285750" indent="-285750">
-              <a:spcAft>
-                <a:spcPts val="1200"/>
-              </a:spcAft>
-              <a:buFontTx/>
-              <a:buChar char="-"/>
-            </a:pPr>
-            <a:r>
-              <a:rPr lang="en-US" dirty="0"/>
-              <a:t>In the probe frame, one bar will be tilted in 15</a:t>
-            </a:r>
-            <a:r>
-              <a:rPr lang="en-US" baseline="30000" dirty="0"/>
-              <a:t>◦</a:t>
-            </a:r>
-            <a:r>
-              <a:rPr lang="en-US" dirty="0"/>
-              <a:t>(target) </a:t>
-            </a:r>
-          </a:p>
-          <a:p>
-            <a:pPr marL="285750" indent="-285750">
-              <a:spcAft>
-                <a:spcPts val="1200"/>
-              </a:spcAft>
-              <a:buFontTx/>
-              <a:buChar char="-"/>
-            </a:pPr>
-            <a:r>
-              <a:rPr lang="en-US" dirty="0"/>
-              <a:t>Each bar can be tilted either in clockwise or counter-clockwise manner from upward</a:t>
-            </a:r>
-          </a:p>
-          <a:p>
-            <a:pPr marL="285750" indent="-285750">
-              <a:spcAft>
-                <a:spcPts val="1200"/>
-              </a:spcAft>
-              <a:buFontTx/>
-              <a:buChar char="-"/>
-            </a:pPr>
-            <a:r>
-              <a:rPr lang="en-US" dirty="0"/>
-              <a:t>Your task is to detect either the target bars (15</a:t>
-            </a:r>
-            <a:r>
-              <a:rPr lang="en-US" baseline="30000" dirty="0"/>
-              <a:t>◦ </a:t>
-            </a:r>
-            <a:r>
-              <a:rPr lang="en-US" dirty="0"/>
-              <a:t>tilted bars) in cue and probe frames are tilted in the same direction or not</a:t>
-            </a:r>
-          </a:p>
-          <a:p>
-            <a:pPr marL="285750" indent="-285750">
-              <a:spcAft>
-                <a:spcPts val="1200"/>
-              </a:spcAft>
-              <a:buFontTx/>
-              <a:buChar char="-"/>
-            </a:pPr>
-            <a:r>
-              <a:rPr lang="en-US" dirty="0"/>
-              <a:t>You have to ignore the 45</a:t>
-            </a:r>
-            <a:r>
-              <a:rPr lang="en-US" baseline="30000" dirty="0"/>
-              <a:t>◦</a:t>
-            </a:r>
-            <a:r>
-              <a:rPr lang="en-US" dirty="0"/>
-              <a:t>(distractor) bar in the cue frame</a:t>
-            </a:r>
-          </a:p>
-          <a:p>
-            <a:pPr marL="285750" indent="-285750">
-              <a:spcAft>
-                <a:spcPts val="1200"/>
-              </a:spcAft>
-              <a:buFontTx/>
-              <a:buChar char="-"/>
-            </a:pPr>
-            <a:r>
-              <a:rPr lang="en-US" dirty="0"/>
-              <a:t>If both are tilted in a same direction (both clockwise or counter-clockwise) press the left button, the right button for the different directions</a:t>
-            </a:r>
-          </a:p>
-        </p:txBody>
-      </p:sp>
-      <p:grpSp>
-        <p:nvGrpSpPr>
-          <p:cNvPr id="38" name="그룹 37"/>
-          <p:cNvGrpSpPr/>
-          <p:nvPr/>
-        </p:nvGrpSpPr>
-        <p:grpSpPr>
-          <a:xfrm>
-            <a:off x="341497" y="1338063"/>
-            <a:ext cx="5744129" cy="4626877"/>
-            <a:chOff x="562879" y="1123900"/>
-            <a:chExt cx="6357686" cy="5121095"/>
-          </a:xfrm>
-        </p:grpSpPr>
-        <p:grpSp>
-          <p:nvGrpSpPr>
-            <p:cNvPr id="34" name="그룹 33"/>
-            <p:cNvGrpSpPr/>
-            <p:nvPr/>
-          </p:nvGrpSpPr>
-          <p:grpSpPr>
-            <a:xfrm>
-              <a:off x="562879" y="1486977"/>
-              <a:ext cx="6357686" cy="4758018"/>
-              <a:chOff x="476251" y="1515852"/>
-              <a:chExt cx="6733071" cy="5038952"/>
-            </a:xfrm>
-          </p:grpSpPr>
-          <p:grpSp>
-            <p:nvGrpSpPr>
-              <p:cNvPr id="29" name="그룹 28"/>
-              <p:cNvGrpSpPr/>
-              <p:nvPr/>
-            </p:nvGrpSpPr>
-            <p:grpSpPr>
-              <a:xfrm>
-                <a:off x="4356145" y="1515852"/>
-                <a:ext cx="2600325" cy="1617421"/>
-                <a:chOff x="4356145" y="1515852"/>
-                <a:chExt cx="2600325" cy="1617421"/>
-              </a:xfrm>
-            </p:grpSpPr>
-            <p:sp>
-              <p:nvSpPr>
-                <p:cNvPr id="18" name="직사각형 17"/>
-                <p:cNvSpPr/>
-                <p:nvPr/>
-              </p:nvSpPr>
-              <p:spPr>
-                <a:xfrm>
-                  <a:off x="4356145" y="1515852"/>
-                  <a:ext cx="2600325" cy="1617421"/>
-                </a:xfrm>
-                <a:prstGeom prst="rect">
-                  <a:avLst/>
-                </a:prstGeom>
-                <a:solidFill>
-                  <a:schemeClr val="bg1">
-                    <a:lumMod val="65000"/>
-                  </a:schemeClr>
-                </a:solidFill>
-                <a:ln w="57150">
-                  <a:solidFill>
-                    <a:schemeClr val="tx1"/>
-                  </a:solidFill>
-                </a:ln>
-              </p:spPr>
-              <p:style>
-                <a:lnRef idx="2">
-                  <a:schemeClr val="accent1">
-                    <a:shade val="50000"/>
-                  </a:schemeClr>
-                </a:lnRef>
-                <a:fillRef idx="1">
-                  <a:schemeClr val="accent1"/>
-                </a:fillRef>
-                <a:effectRef idx="0">
-                  <a:schemeClr val="accent1"/>
-                </a:effectRef>
-                <a:fontRef idx="minor">
-                  <a:schemeClr val="lt1"/>
-                </a:fontRef>
-              </p:style>
-              <p:txBody>
-                <a:bodyPr rtlCol="0" anchor="ctr"/>
-                <a:lstStyle/>
-                <a:p>
-                  <a:pPr algn="ctr"/>
-                  <a:endParaRPr lang="en-US" sz="1600"/>
-                </a:p>
-              </p:txBody>
-            </p:sp>
-            <p:pic>
-              <p:nvPicPr>
-                <p:cNvPr id="23" name="그림 22"/>
-                <p:cNvPicPr>
-                  <a:picLocks noChangeAspect="1"/>
-                </p:cNvPicPr>
-                <p:nvPr/>
-              </p:nvPicPr>
-              <p:blipFill>
-                <a:blip r:embed="rId2" cstate="print">
-                  <a:extLst>
-                    <a:ext uri="{28A0092B-C50C-407E-A947-70E740481C1C}">
-                      <a14:useLocalDpi xmlns:a14="http://schemas.microsoft.com/office/drawing/2010/main" val="0"/>
-                    </a:ext>
-                  </a:extLst>
-                </a:blip>
-                <a:stretch>
-                  <a:fillRect/>
-                </a:stretch>
-              </p:blipFill>
-              <p:spPr>
-                <a:xfrm>
-                  <a:off x="5162008" y="1830263"/>
-                  <a:ext cx="988599" cy="988599"/>
-                </a:xfrm>
-                <a:prstGeom prst="rect">
-                  <a:avLst/>
-                </a:prstGeom>
-              </p:spPr>
-            </p:pic>
-          </p:grpSp>
-          <p:grpSp>
-            <p:nvGrpSpPr>
-              <p:cNvPr id="30" name="그룹 29"/>
-              <p:cNvGrpSpPr/>
-              <p:nvPr/>
-            </p:nvGrpSpPr>
-            <p:grpSpPr>
-              <a:xfrm>
-                <a:off x="3386170" y="2299221"/>
-                <a:ext cx="2600325" cy="1617421"/>
-                <a:chOff x="3386170" y="2299221"/>
-                <a:chExt cx="2600325" cy="1617421"/>
-              </a:xfrm>
-            </p:grpSpPr>
-            <p:sp>
-              <p:nvSpPr>
-                <p:cNvPr id="17" name="직사각형 16"/>
-                <p:cNvSpPr/>
-                <p:nvPr/>
-              </p:nvSpPr>
-              <p:spPr>
-                <a:xfrm>
-                  <a:off x="3386170" y="2299221"/>
-                  <a:ext cx="2600325" cy="1617421"/>
-                </a:xfrm>
-                <a:prstGeom prst="rect">
-                  <a:avLst/>
-                </a:prstGeom>
-                <a:solidFill>
-                  <a:schemeClr val="bg1">
-                    <a:lumMod val="65000"/>
-                  </a:schemeClr>
-                </a:solidFill>
-                <a:ln w="57150">
-                  <a:solidFill>
-                    <a:schemeClr val="tx1"/>
-                  </a:solidFill>
-                </a:ln>
-              </p:spPr>
-              <p:style>
-                <a:lnRef idx="2">
-                  <a:schemeClr val="accent1">
-                    <a:shade val="50000"/>
-                  </a:schemeClr>
-                </a:lnRef>
-                <a:fillRef idx="1">
-                  <a:schemeClr val="accent1"/>
-                </a:fillRef>
-                <a:effectRef idx="0">
-                  <a:schemeClr val="accent1"/>
-                </a:effectRef>
-                <a:fontRef idx="minor">
-                  <a:schemeClr val="lt1"/>
-                </a:fontRef>
-              </p:style>
-              <p:txBody>
-                <a:bodyPr rtlCol="0" anchor="ctr"/>
-                <a:lstStyle/>
-                <a:p>
-                  <a:pPr algn="ctr"/>
-                  <a:endParaRPr lang="en-US" sz="1600"/>
-                </a:p>
-              </p:txBody>
-            </p:sp>
-            <p:pic>
-              <p:nvPicPr>
-                <p:cNvPr id="27" name="그림 26"/>
-                <p:cNvPicPr>
-                  <a:picLocks noChangeAspect="1"/>
-                </p:cNvPicPr>
-                <p:nvPr/>
-              </p:nvPicPr>
-              <p:blipFill>
-                <a:blip r:embed="rId3" cstate="print">
-                  <a:extLst>
-                    <a:ext uri="{28A0092B-C50C-407E-A947-70E740481C1C}">
-                      <a14:useLocalDpi xmlns:a14="http://schemas.microsoft.com/office/drawing/2010/main" val="0"/>
-                    </a:ext>
-                  </a:extLst>
-                </a:blip>
-                <a:stretch>
-                  <a:fillRect/>
-                </a:stretch>
-              </p:blipFill>
-              <p:spPr>
-                <a:xfrm>
-                  <a:off x="4192033" y="2613632"/>
-                  <a:ext cx="988599" cy="988599"/>
-                </a:xfrm>
-                <a:prstGeom prst="rect">
-                  <a:avLst/>
-                </a:prstGeom>
-              </p:spPr>
-            </p:pic>
-          </p:grpSp>
-          <p:grpSp>
-            <p:nvGrpSpPr>
-              <p:cNvPr id="31" name="그룹 30"/>
-              <p:cNvGrpSpPr/>
-              <p:nvPr/>
-            </p:nvGrpSpPr>
-            <p:grpSpPr>
-              <a:xfrm>
-                <a:off x="2416197" y="3082590"/>
-                <a:ext cx="2600325" cy="1617421"/>
-                <a:chOff x="2416197" y="3082590"/>
-                <a:chExt cx="2600325" cy="1617421"/>
-              </a:xfrm>
-            </p:grpSpPr>
-            <p:sp>
-              <p:nvSpPr>
-                <p:cNvPr id="16" name="직사각형 15"/>
-                <p:cNvSpPr/>
-                <p:nvPr/>
-              </p:nvSpPr>
-              <p:spPr>
-                <a:xfrm>
-                  <a:off x="2416197" y="3082590"/>
-                  <a:ext cx="2600325" cy="1617421"/>
-                </a:xfrm>
-                <a:prstGeom prst="rect">
-                  <a:avLst/>
-                </a:prstGeom>
-                <a:solidFill>
-                  <a:schemeClr val="bg1">
-                    <a:lumMod val="65000"/>
-                  </a:schemeClr>
-                </a:solidFill>
-                <a:ln w="57150">
-                  <a:solidFill>
-                    <a:schemeClr val="tx1"/>
-                  </a:solidFill>
-                </a:ln>
-              </p:spPr>
-              <p:style>
-                <a:lnRef idx="2">
-                  <a:schemeClr val="accent1">
-                    <a:shade val="50000"/>
-                  </a:schemeClr>
-                </a:lnRef>
-                <a:fillRef idx="1">
-                  <a:schemeClr val="accent1"/>
-                </a:fillRef>
-                <a:effectRef idx="0">
-                  <a:schemeClr val="accent1"/>
-                </a:effectRef>
-                <a:fontRef idx="minor">
-                  <a:schemeClr val="lt1"/>
-                </a:fontRef>
-              </p:style>
-              <p:txBody>
-                <a:bodyPr rtlCol="0" anchor="ctr"/>
-                <a:lstStyle/>
-                <a:p>
-                  <a:pPr algn="ctr"/>
-                  <a:endParaRPr lang="en-US" sz="1600"/>
-                </a:p>
-              </p:txBody>
-            </p:sp>
-            <p:pic>
-              <p:nvPicPr>
-                <p:cNvPr id="26" name="그림 25"/>
-                <p:cNvPicPr>
-                  <a:picLocks noChangeAspect="1"/>
-                </p:cNvPicPr>
-                <p:nvPr/>
-              </p:nvPicPr>
-              <p:blipFill>
-                <a:blip r:embed="rId3" cstate="print">
-                  <a:extLst>
-                    <a:ext uri="{28A0092B-C50C-407E-A947-70E740481C1C}">
-                      <a14:useLocalDpi xmlns:a14="http://schemas.microsoft.com/office/drawing/2010/main" val="0"/>
-                    </a:ext>
-                  </a:extLst>
-                </a:blip>
-                <a:stretch>
-                  <a:fillRect/>
-                </a:stretch>
-              </p:blipFill>
-              <p:spPr>
-                <a:xfrm>
-                  <a:off x="3222060" y="3397001"/>
-                  <a:ext cx="988599" cy="988599"/>
-                </a:xfrm>
-                <a:prstGeom prst="rect">
-                  <a:avLst/>
-                </a:prstGeom>
-              </p:spPr>
-            </p:pic>
-          </p:grpSp>
-          <p:grpSp>
-            <p:nvGrpSpPr>
-              <p:cNvPr id="32" name="그룹 31"/>
-              <p:cNvGrpSpPr/>
-              <p:nvPr/>
-            </p:nvGrpSpPr>
-            <p:grpSpPr>
-              <a:xfrm>
-                <a:off x="1446224" y="3865959"/>
-                <a:ext cx="2600325" cy="1617421"/>
-                <a:chOff x="1446224" y="3865959"/>
-                <a:chExt cx="2600325" cy="1617421"/>
-              </a:xfrm>
-            </p:grpSpPr>
-            <p:sp>
-              <p:nvSpPr>
-                <p:cNvPr id="15" name="직사각형 14"/>
-                <p:cNvSpPr/>
-                <p:nvPr/>
-              </p:nvSpPr>
-              <p:spPr>
-                <a:xfrm>
-                  <a:off x="1446224" y="3865959"/>
-                  <a:ext cx="2600325" cy="1617421"/>
-                </a:xfrm>
-                <a:prstGeom prst="rect">
-                  <a:avLst/>
-                </a:prstGeom>
-                <a:solidFill>
-                  <a:schemeClr val="bg1">
-                    <a:lumMod val="65000"/>
-                  </a:schemeClr>
-                </a:solidFill>
-                <a:ln w="57150">
-                  <a:solidFill>
-                    <a:schemeClr val="tx1"/>
-                  </a:solidFill>
-                </a:ln>
-              </p:spPr>
-              <p:style>
-                <a:lnRef idx="2">
-                  <a:schemeClr val="accent1">
-                    <a:shade val="50000"/>
-                  </a:schemeClr>
-                </a:lnRef>
-                <a:fillRef idx="1">
-                  <a:schemeClr val="accent1"/>
-                </a:fillRef>
-                <a:effectRef idx="0">
-                  <a:schemeClr val="accent1"/>
-                </a:effectRef>
-                <a:fontRef idx="minor">
-                  <a:schemeClr val="lt1"/>
-                </a:fontRef>
-              </p:style>
-              <p:txBody>
-                <a:bodyPr rtlCol="0" anchor="ctr"/>
-                <a:lstStyle/>
-                <a:p>
-                  <a:pPr algn="ctr"/>
-                  <a:endParaRPr lang="en-US" sz="1600"/>
-                </a:p>
-              </p:txBody>
-            </p:sp>
-            <p:pic>
-              <p:nvPicPr>
-                <p:cNvPr id="24" name="그림 23"/>
-                <p:cNvPicPr>
-                  <a:picLocks noChangeAspect="1"/>
-                </p:cNvPicPr>
-                <p:nvPr/>
-              </p:nvPicPr>
-              <p:blipFill>
-                <a:blip r:embed="rId4" cstate="print">
-                  <a:extLst>
-                    <a:ext uri="{28A0092B-C50C-407E-A947-70E740481C1C}">
-                      <a14:useLocalDpi xmlns:a14="http://schemas.microsoft.com/office/drawing/2010/main" val="0"/>
-                    </a:ext>
-                  </a:extLst>
-                </a:blip>
-                <a:stretch>
-                  <a:fillRect/>
-                </a:stretch>
-              </p:blipFill>
-              <p:spPr>
-                <a:xfrm>
-                  <a:off x="2252087" y="4180370"/>
-                  <a:ext cx="988599" cy="988599"/>
-                </a:xfrm>
-                <a:prstGeom prst="rect">
-                  <a:avLst/>
-                </a:prstGeom>
-              </p:spPr>
-            </p:pic>
-          </p:grpSp>
-          <p:cxnSp>
-            <p:nvCxnSpPr>
-              <p:cNvPr id="20" name="직선 화살표 연결선 19"/>
-              <p:cNvCxnSpPr/>
-              <p:nvPr/>
-            </p:nvCxnSpPr>
-            <p:spPr>
-              <a:xfrm flipV="1">
-                <a:off x="3386170" y="3320716"/>
-                <a:ext cx="3823152" cy="3234088"/>
-              </a:xfrm>
-              <a:prstGeom prst="straightConnector1">
-                <a:avLst/>
-              </a:prstGeom>
-              <a:ln w="38100">
-                <a:solidFill>
-                  <a:schemeClr val="tx1"/>
-                </a:solidFill>
-                <a:tailEnd type="triangle"/>
-              </a:ln>
-            </p:spPr>
-            <p:style>
-              <a:lnRef idx="1">
-                <a:schemeClr val="accent1"/>
-              </a:lnRef>
-              <a:fillRef idx="0">
-                <a:schemeClr val="accent1"/>
-              </a:fillRef>
-              <a:effectRef idx="0">
-                <a:schemeClr val="accent1"/>
-              </a:effectRef>
-              <a:fontRef idx="minor">
-                <a:schemeClr val="tx1"/>
-              </a:fontRef>
-            </p:style>
-          </p:cxnSp>
-          <p:sp>
-            <p:nvSpPr>
-              <p:cNvPr id="21" name="TextBox 20"/>
-              <p:cNvSpPr txBox="1"/>
-              <p:nvPr/>
-            </p:nvSpPr>
-            <p:spPr>
-              <a:xfrm>
-                <a:off x="5514857" y="4913620"/>
-                <a:ext cx="943275" cy="396841"/>
-              </a:xfrm>
-              <a:prstGeom prst="rect">
-                <a:avLst/>
-              </a:prstGeom>
-              <a:noFill/>
-            </p:spPr>
-            <p:txBody>
-              <a:bodyPr wrap="square" rtlCol="0">
-                <a:spAutoFit/>
-              </a:bodyPr>
-              <a:lstStyle/>
-              <a:p>
-                <a:r>
-                  <a:rPr lang="en-US" sz="1600" dirty="0"/>
-                  <a:t>t</a:t>
-                </a:r>
-              </a:p>
-            </p:txBody>
-          </p:sp>
-          <p:grpSp>
-            <p:nvGrpSpPr>
-              <p:cNvPr id="33" name="그룹 32"/>
-              <p:cNvGrpSpPr/>
-              <p:nvPr/>
-            </p:nvGrpSpPr>
-            <p:grpSpPr>
-              <a:xfrm>
-                <a:off x="476251" y="4649328"/>
-                <a:ext cx="2600325" cy="1617421"/>
-                <a:chOff x="476251" y="4649328"/>
-                <a:chExt cx="2600325" cy="1617421"/>
-              </a:xfrm>
-            </p:grpSpPr>
-            <p:sp>
-              <p:nvSpPr>
-                <p:cNvPr id="14" name="직사각형 13"/>
-                <p:cNvSpPr/>
-                <p:nvPr/>
-              </p:nvSpPr>
-              <p:spPr>
-                <a:xfrm>
-                  <a:off x="476251" y="4649328"/>
-                  <a:ext cx="2600325" cy="1617421"/>
-                </a:xfrm>
-                <a:prstGeom prst="rect">
-                  <a:avLst/>
-                </a:prstGeom>
-                <a:solidFill>
-                  <a:schemeClr val="bg1">
-                    <a:lumMod val="65000"/>
-                  </a:schemeClr>
-                </a:solidFill>
-                <a:ln w="57150">
-                  <a:solidFill>
-                    <a:schemeClr val="tx1"/>
-                  </a:solidFill>
-                </a:ln>
-              </p:spPr>
-              <p:style>
-                <a:lnRef idx="2">
-                  <a:schemeClr val="accent1">
-                    <a:shade val="50000"/>
-                  </a:schemeClr>
-                </a:lnRef>
-                <a:fillRef idx="1">
-                  <a:schemeClr val="accent1"/>
-                </a:fillRef>
-                <a:effectRef idx="0">
-                  <a:schemeClr val="accent1"/>
-                </a:effectRef>
-                <a:fontRef idx="minor">
-                  <a:schemeClr val="lt1"/>
-                </a:fontRef>
-              </p:style>
-              <p:txBody>
-                <a:bodyPr rtlCol="0" anchor="ctr"/>
-                <a:lstStyle/>
-                <a:p>
-                  <a:pPr algn="ctr"/>
-                  <a:endParaRPr lang="en-US" sz="1600"/>
-                </a:p>
-              </p:txBody>
-            </p:sp>
-            <p:pic>
-              <p:nvPicPr>
-                <p:cNvPr id="25" name="그림 24"/>
-                <p:cNvPicPr>
-                  <a:picLocks noChangeAspect="1"/>
-                </p:cNvPicPr>
-                <p:nvPr/>
-              </p:nvPicPr>
-              <p:blipFill>
-                <a:blip r:embed="rId3" cstate="print">
-                  <a:extLst>
-                    <a:ext uri="{28A0092B-C50C-407E-A947-70E740481C1C}">
-                      <a14:useLocalDpi xmlns:a14="http://schemas.microsoft.com/office/drawing/2010/main" val="0"/>
-                    </a:ext>
-                  </a:extLst>
-                </a:blip>
-                <a:stretch>
-                  <a:fillRect/>
-                </a:stretch>
-              </p:blipFill>
-              <p:spPr>
-                <a:xfrm>
-                  <a:off x="1282114" y="4963739"/>
-                  <a:ext cx="988599" cy="988599"/>
-                </a:xfrm>
-                <a:prstGeom prst="rect">
-                  <a:avLst/>
-                </a:prstGeom>
-              </p:spPr>
-            </p:pic>
-          </p:grpSp>
-        </p:grpSp>
-        <p:sp>
-          <p:nvSpPr>
-            <p:cNvPr id="36" name="TextBox 35"/>
-            <p:cNvSpPr txBox="1"/>
-            <p:nvPr/>
-          </p:nvSpPr>
-          <p:spPr>
-            <a:xfrm>
-              <a:off x="741048" y="3344876"/>
-              <a:ext cx="1356058" cy="374717"/>
-            </a:xfrm>
-            <a:prstGeom prst="rect">
-              <a:avLst/>
-            </a:prstGeom>
-            <a:noFill/>
-          </p:spPr>
-          <p:txBody>
-            <a:bodyPr wrap="square" rtlCol="0">
-              <a:spAutoFit/>
-            </a:bodyPr>
-            <a:lstStyle/>
-            <a:p>
-              <a:pPr algn="r"/>
-              <a:r>
-                <a:rPr lang="en-US" sz="1600" b="1" dirty="0"/>
-                <a:t>cue frame</a:t>
-              </a:r>
-            </a:p>
-          </p:txBody>
-        </p:sp>
-        <p:sp>
-          <p:nvSpPr>
-            <p:cNvPr id="37" name="TextBox 36"/>
-            <p:cNvSpPr txBox="1"/>
-            <p:nvPr/>
-          </p:nvSpPr>
-          <p:spPr>
-            <a:xfrm>
-              <a:off x="3310563" y="1123900"/>
-              <a:ext cx="1539456" cy="374717"/>
-            </a:xfrm>
-            <a:prstGeom prst="rect">
-              <a:avLst/>
-            </a:prstGeom>
-            <a:noFill/>
-          </p:spPr>
-          <p:txBody>
-            <a:bodyPr wrap="square" rtlCol="0">
-              <a:spAutoFit/>
-            </a:bodyPr>
-            <a:lstStyle/>
-            <a:p>
-              <a:pPr algn="r"/>
-              <a:r>
-                <a:rPr lang="en-US" sz="1600" b="1" dirty="0"/>
-                <a:t>probe frame</a:t>
-              </a:r>
-            </a:p>
-          </p:txBody>
-        </p:sp>
-      </p:grpSp>
-      <p:sp>
-        <p:nvSpPr>
-          <p:cNvPr id="45" name="TextBox 44"/>
-          <p:cNvSpPr txBox="1"/>
-          <p:nvPr/>
-        </p:nvSpPr>
-        <p:spPr>
-          <a:xfrm>
-            <a:off x="10351084" y="6488668"/>
-            <a:ext cx="1767840" cy="369332"/>
-          </a:xfrm>
-          <a:prstGeom prst="rect">
-            <a:avLst/>
-          </a:prstGeom>
-          <a:noFill/>
-        </p:spPr>
-        <p:txBody>
-          <a:bodyPr wrap="square" rtlCol="0">
-            <a:spAutoFit/>
-          </a:bodyPr>
-          <a:lstStyle/>
-          <a:p>
-            <a:pPr algn="r"/>
-            <a:r>
-              <a:rPr lang="en-US" dirty="0"/>
-              <a:t>Continue … </a:t>
-            </a:r>
-          </a:p>
-        </p:txBody>
-      </p:sp>
-    </p:spTree>
-    <p:extLst>
-      <p:ext uri="{BB962C8B-B14F-4D97-AF65-F5344CB8AC3E}">
-        <p14:creationId xmlns:p14="http://schemas.microsoft.com/office/powerpoint/2010/main" val="2956321213"/>
-      </p:ext>
-    </p:extLst>
-  </p:cSld>
-  <p:clrMapOvr>
-    <a:masterClrMapping/>
-  </p:clrMapOvr>
-</p:sld>
-</file>
-
-<file path=ppt/slides/slide8.xml><?xml version="1.0" encoding="utf-8"?>
-<p:sld xmlns:a="http://schemas.openxmlformats.org/drawingml/2006/main" xmlns:r="http://schemas.openxmlformats.org/officeDocument/2006/relationships" xmlns:p="http://schemas.openxmlformats.org/presentationml/2006/main" show="0">
-  <p:cSld>
-    <p:bg>
-      <p:bgPr>
-        <a:solidFill>
-          <a:srgbClr val="7F7F7F"/>
-        </a:solidFill>
-        <a:effectLst/>
-      </p:bgPr>
-    </p:bg>
-    <p:spTree>
-      <p:nvGrpSpPr>
-        <p:cNvPr id="1" name=""/>
-        <p:cNvGrpSpPr/>
-        <p:nvPr/>
-      </p:nvGrpSpPr>
-      <p:grpSpPr>
-        <a:xfrm>
-          <a:off x="0" y="0"/>
-          <a:ext cx="0" cy="0"/>
-          <a:chOff x="0" y="0"/>
-          <a:chExt cx="0" cy="0"/>
-        </a:xfrm>
-      </p:grpSpPr>
-      <p:sp>
-        <p:nvSpPr>
-          <p:cNvPr id="2" name="TextBox 1">
-            <a:extLst>
-              <a:ext uri="{FF2B5EF4-FFF2-40B4-BE49-F238E27FC236}">
-                <a16:creationId xmlns:a16="http://schemas.microsoft.com/office/drawing/2014/main" id="{0D8447E6-A73E-4E35-9D0A-21BE3197F4F9}"/>
-              </a:ext>
-            </a:extLst>
-          </p:cNvPr>
-          <p:cNvSpPr txBox="1"/>
-          <p:nvPr/>
-        </p:nvSpPr>
-        <p:spPr>
-          <a:xfrm>
-            <a:off x="458679" y="435005"/>
-            <a:ext cx="11274642" cy="923330"/>
-          </a:xfrm>
-          <a:prstGeom prst="rect">
-            <a:avLst/>
-          </a:prstGeom>
-          <a:noFill/>
-        </p:spPr>
-        <p:txBody>
-          <a:bodyPr wrap="square" rtlCol="0">
-            <a:spAutoFit/>
-          </a:bodyPr>
-          <a:lstStyle/>
-          <a:p>
-            <a:r>
-              <a:rPr lang="en-US" b="1" dirty="0"/>
-              <a:t>Example </a:t>
-            </a:r>
-          </a:p>
-          <a:p>
-            <a:endParaRPr lang="en-US" dirty="0"/>
-          </a:p>
-          <a:p>
-            <a:pPr algn="ctr"/>
-            <a:r>
-              <a:rPr lang="en-US" dirty="0"/>
-              <a:t>Task: Report if the 15</a:t>
-            </a:r>
-            <a:r>
-              <a:rPr lang="en-US" baseline="30000" dirty="0"/>
-              <a:t>◦ </a:t>
-            </a:r>
-            <a:r>
-              <a:rPr lang="en-US" dirty="0"/>
-              <a:t>tilted bars are tilted in the same direction (left button) or the opposite direction (right button)</a:t>
-            </a:r>
-          </a:p>
-        </p:txBody>
-      </p:sp>
-      <p:pic>
-        <p:nvPicPr>
-          <p:cNvPr id="4" name="Picture 3">
-            <a:extLst>
-              <a:ext uri="{FF2B5EF4-FFF2-40B4-BE49-F238E27FC236}">
-                <a16:creationId xmlns:a16="http://schemas.microsoft.com/office/drawing/2014/main" id="{6D64E982-8E48-4258-B4DD-0C9760AD57AB}"/>
-              </a:ext>
-            </a:extLst>
-          </p:cNvPr>
-          <p:cNvPicPr>
-            <a:picLocks noChangeAspect="1"/>
-          </p:cNvPicPr>
-          <p:nvPr/>
-        </p:nvPicPr>
-        <p:blipFill>
-          <a:blip r:embed="rId2">
-            <a:extLst>
-              <a:ext uri="{28A0092B-C50C-407E-A947-70E740481C1C}">
-                <a14:useLocalDpi xmlns:a14="http://schemas.microsoft.com/office/drawing/2010/main" val="0"/>
-              </a:ext>
-            </a:extLst>
-          </a:blip>
-          <a:stretch>
-            <a:fillRect/>
-          </a:stretch>
-        </p:blipFill>
-        <p:spPr>
-          <a:xfrm>
-            <a:off x="2286000" y="2476500"/>
-            <a:ext cx="7620000" cy="1905000"/>
-          </a:xfrm>
-          <a:prstGeom prst="rect">
-            <a:avLst/>
-          </a:prstGeom>
-        </p:spPr>
-      </p:pic>
-      <p:sp>
-        <p:nvSpPr>
-          <p:cNvPr id="5" name="TextBox 4">
-            <a:extLst>
-              <a:ext uri="{FF2B5EF4-FFF2-40B4-BE49-F238E27FC236}">
-                <a16:creationId xmlns:a16="http://schemas.microsoft.com/office/drawing/2014/main" id="{54ED937C-6B7D-46F1-A080-C3699ADF56EA}"/>
-              </a:ext>
-            </a:extLst>
-          </p:cNvPr>
-          <p:cNvSpPr txBox="1"/>
-          <p:nvPr/>
-        </p:nvSpPr>
-        <p:spPr>
-          <a:xfrm>
-            <a:off x="1742383" y="527338"/>
-            <a:ext cx="8527191" cy="369332"/>
-          </a:xfrm>
-          <a:prstGeom prst="rect">
-            <a:avLst/>
-          </a:prstGeom>
-          <a:noFill/>
-        </p:spPr>
-        <p:txBody>
-          <a:bodyPr wrap="square" rtlCol="0">
-            <a:spAutoFit/>
-          </a:bodyPr>
-          <a:lstStyle/>
-          <a:p>
-            <a:pPr algn="ctr">
-              <a:spcAft>
-                <a:spcPts val="1200"/>
-              </a:spcAft>
-            </a:pPr>
-            <a:r>
-              <a:rPr lang="en-US" dirty="0"/>
-              <a:t>Please fixate your eyes on </a:t>
-            </a:r>
-            <a:r>
-              <a:rPr lang="en-US" b="1" dirty="0">
-                <a:solidFill>
-                  <a:srgbClr val="FF0000"/>
-                </a:solidFill>
-              </a:rPr>
-              <a:t>the red fixation dot</a:t>
-            </a:r>
-            <a:r>
-              <a:rPr lang="en-US" dirty="0"/>
-              <a:t> all the time</a:t>
-            </a:r>
-          </a:p>
-        </p:txBody>
-      </p:sp>
-    </p:spTree>
-    <p:extLst>
-      <p:ext uri="{BB962C8B-B14F-4D97-AF65-F5344CB8AC3E}">
-        <p14:creationId xmlns:p14="http://schemas.microsoft.com/office/powerpoint/2010/main" val="1327647379"/>
-      </p:ext>
-    </p:extLst>
-  </p:cSld>
-  <p:clrMapOvr>
-    <a:masterClrMapping/>
-  </p:clrMapOvr>
-</p:sld>
-</file>
-
-<file path=ppt/slides/slide9.xml><?xml version="1.0" encoding="utf-8"?>
-<p:sld xmlns:a="http://schemas.openxmlformats.org/drawingml/2006/main" xmlns:r="http://schemas.openxmlformats.org/officeDocument/2006/relationships" xmlns:p="http://schemas.openxmlformats.org/presentationml/2006/main" show="0">
-  <p:cSld>
-    <p:spTree>
-      <p:nvGrpSpPr>
-        <p:cNvPr id="1" name=""/>
-        <p:cNvGrpSpPr/>
-        <p:nvPr/>
-      </p:nvGrpSpPr>
-      <p:grpSpPr>
-        <a:xfrm>
-          <a:off x="0" y="0"/>
-          <a:ext cx="0" cy="0"/>
-          <a:chOff x="0" y="0"/>
-          <a:chExt cx="0" cy="0"/>
-        </a:xfrm>
-      </p:grpSpPr>
-      <p:pic>
-        <p:nvPicPr>
-          <p:cNvPr id="13" name="Picture 12">
-            <a:extLst>
-              <a:ext uri="{FF2B5EF4-FFF2-40B4-BE49-F238E27FC236}">
-                <a16:creationId xmlns:a16="http://schemas.microsoft.com/office/drawing/2014/main" id="{14C70B4F-31D2-4024-82E7-AE573AF5E1C4}"/>
-              </a:ext>
-            </a:extLst>
-          </p:cNvPr>
-          <p:cNvPicPr>
-            <a:picLocks noChangeAspect="1"/>
-          </p:cNvPicPr>
-          <p:nvPr/>
-        </p:nvPicPr>
-        <p:blipFill>
-          <a:blip r:embed="rId2">
-            <a:extLst>
-              <a:ext uri="{28A0092B-C50C-407E-A947-70E740481C1C}">
-                <a14:useLocalDpi xmlns:a14="http://schemas.microsoft.com/office/drawing/2010/main" val="0"/>
-              </a:ext>
-            </a:extLst>
-          </a:blip>
-          <a:stretch>
-            <a:fillRect/>
-          </a:stretch>
-        </p:blipFill>
-        <p:spPr>
-          <a:xfrm>
-            <a:off x="4206000" y="2275395"/>
-            <a:ext cx="3780000" cy="2835000"/>
-          </a:xfrm>
-          <a:prstGeom prst="rect">
-            <a:avLst/>
-          </a:prstGeom>
-          <a:ln w="38100">
-            <a:solidFill>
-              <a:schemeClr val="tx1"/>
-            </a:solidFill>
-          </a:ln>
-        </p:spPr>
-      </p:pic>
-      <p:sp>
-        <p:nvSpPr>
-          <p:cNvPr id="14" name="TextBox 13">
-            <a:extLst>
-              <a:ext uri="{FF2B5EF4-FFF2-40B4-BE49-F238E27FC236}">
-                <a16:creationId xmlns:a16="http://schemas.microsoft.com/office/drawing/2014/main" id="{BBC53409-99A2-4C8E-9637-E6CB478F334F}"/>
-              </a:ext>
-            </a:extLst>
-          </p:cNvPr>
-          <p:cNvSpPr txBox="1"/>
-          <p:nvPr/>
-        </p:nvSpPr>
-        <p:spPr>
-          <a:xfrm>
-            <a:off x="4035287" y="1431234"/>
-            <a:ext cx="4121426" cy="461665"/>
-          </a:xfrm>
-          <a:prstGeom prst="rect">
-            <a:avLst/>
-          </a:prstGeom>
-          <a:noFill/>
-        </p:spPr>
-        <p:txBody>
-          <a:bodyPr wrap="square" rtlCol="0">
-            <a:spAutoFit/>
-          </a:bodyPr>
-          <a:lstStyle/>
-          <a:p>
-            <a:pPr algn="ctr"/>
-            <a:r>
-              <a:rPr lang="en-US" sz="2400" b="1" dirty="0"/>
-              <a:t>2 DISK CONDITION</a:t>
-            </a:r>
-          </a:p>
-        </p:txBody>
-      </p:sp>
-    </p:spTree>
-    <p:extLst>
-      <p:ext uri="{BB962C8B-B14F-4D97-AF65-F5344CB8AC3E}">
-        <p14:creationId xmlns:p14="http://schemas.microsoft.com/office/powerpoint/2010/main" val="3627859751"/>
-      </p:ext>
-    </p:extLst>
-  </p:cSld>
-  <p:clrMapOvr>
-    <a:masterClrMapping/>
-  </p:clrMapOvr>
-</p:sld>
-</file>
-
 <file path=ppt/theme/theme1.xml><?xml version="1.0" encoding="utf-8"?>
 <a:theme xmlns:a="http://schemas.openxmlformats.org/drawingml/2006/main" name="Office 테마">
   <a:themeElements>

--- a/Instructions/Instruction for observers_0_General.pptx
+++ b/Instructions/Instruction for observers_0_General.pptx
@@ -130,54 +130,6 @@
 </p:cmAuthorLst>
 </file>
 
-<file path=ppt/comments/comment1.xml><?xml version="1.0" encoding="utf-8"?>
-<p:cmLst xmlns:a="http://schemas.openxmlformats.org/drawingml/2006/main" xmlns:r="http://schemas.openxmlformats.org/officeDocument/2006/relationships" xmlns:p="http://schemas.openxmlformats.org/presentationml/2006/main">
-  <p:cm authorId="1" dt="2020-08-14T15:23:04.027" idx="2">
-    <p:pos x="6502" y="1449"/>
-    <p:text>I would maybe write "and it is split into 3 main sessions. In each session, the tasks are the same, but stimuli slightly differ."</p:text>
-    <p:extLst>
-      <p:ext uri="{C676402C-5697-4E1C-873F-D02D1690AC5C}">
-        <p15:threadingInfo xmlns:p15="http://schemas.microsoft.com/office/powerpoint/2012/main" timeZoneBias="-120"/>
-      </p:ext>
-    </p:extLst>
-  </p:cm>
-  <p:cm authorId="1" dt="2020-08-14T15:24:43.753" idx="3">
-    <p:pos x="6104" y="2138"/>
-    <p:text>I would suggest: "Some specific instructions will be displayed before each session."</p:text>
-    <p:extLst>
-      <p:ext uri="{C676402C-5697-4E1C-873F-D02D1690AC5C}">
-        <p15:threadingInfo xmlns:p15="http://schemas.microsoft.com/office/powerpoint/2012/main" timeZoneBias="-120"/>
-      </p:ext>
-    </p:extLst>
-  </p:cm>
-  <p:cm authorId="1" dt="2020-08-14T15:25:47.629" idx="4">
-    <p:pos x="6104" y="2234"/>
-    <p:text>(specific in opposion with general, one line below)</p:text>
-    <p:extLst>
-      <p:ext uri="{C676402C-5697-4E1C-873F-D02D1690AC5C}">
-        <p15:threadingInfo xmlns:p15="http://schemas.microsoft.com/office/powerpoint/2012/main" timeZoneBias="-120">
-          <p15:parentCm authorId="1" idx="3"/>
-        </p15:threadingInfo>
-      </p:ext>
-    </p:extLst>
-  </p:cm>
-</p:cmLst>
-</file>
-
-<file path=ppt/comments/comment2.xml><?xml version="1.0" encoding="utf-8"?>
-<p:cmLst xmlns:a="http://schemas.openxmlformats.org/drawingml/2006/main" xmlns:r="http://schemas.openxmlformats.org/officeDocument/2006/relationships" xmlns:p="http://schemas.openxmlformats.org/presentationml/2006/main">
-  <p:cm authorId="1" dt="2020-08-14T15:28:59.069" idx="8">
-    <p:pos x="6324" y="1514"/>
-    <p:text>at rather than in... but same as before, maybe double check with an english speaker.</p:text>
-    <p:extLst>
-      <p:ext uri="{C676402C-5697-4E1C-873F-D02D1690AC5C}">
-        <p15:threadingInfo xmlns:p15="http://schemas.microsoft.com/office/powerpoint/2012/main" timeZoneBias="-120"/>
-      </p:ext>
-    </p:extLst>
-  </p:cm>
-</p:cmLst>
-</file>
-
 <file path=ppt/notesMasters/notesMaster1.xml><?xml version="1.0" encoding="utf-8"?>
 <p:notesMaster xmlns:a="http://schemas.openxmlformats.org/drawingml/2006/main" xmlns:r="http://schemas.openxmlformats.org/officeDocument/2006/relationships" xmlns:p="http://schemas.openxmlformats.org/presentationml/2006/main">
   <p:cSld>
@@ -260,7 +212,7 @@
           <a:p>
             <a:fld id="{024A5357-A753-4D39-8A2E-56E39FBFD254}" type="datetimeFigureOut">
               <a:rPr lang="en-US" smtClean="0"/>
-              <a:t>18.08.2020</a:t>
+              <a:t>19.08.2020</a:t>
             </a:fld>
             <a:endParaRPr lang="en-US"/>
           </a:p>
@@ -742,7 +694,7 @@
           <a:p>
             <a:fld id="{D1CB3D34-4A5F-4479-84DC-395EB63EC8BA}" type="datetimeFigureOut">
               <a:rPr lang="en-US" smtClean="0"/>
-              <a:t>18.08.2020</a:t>
+              <a:t>19.08.2020</a:t>
             </a:fld>
             <a:endParaRPr lang="en-US"/>
           </a:p>
@@ -912,7 +864,7 @@
           <a:p>
             <a:fld id="{D1CB3D34-4A5F-4479-84DC-395EB63EC8BA}" type="datetimeFigureOut">
               <a:rPr lang="en-US" smtClean="0"/>
-              <a:t>18.08.2020</a:t>
+              <a:t>19.08.2020</a:t>
             </a:fld>
             <a:endParaRPr lang="en-US"/>
           </a:p>
@@ -1092,7 +1044,7 @@
           <a:p>
             <a:fld id="{D1CB3D34-4A5F-4479-84DC-395EB63EC8BA}" type="datetimeFigureOut">
               <a:rPr lang="en-US" smtClean="0"/>
-              <a:t>18.08.2020</a:t>
+              <a:t>19.08.2020</a:t>
             </a:fld>
             <a:endParaRPr lang="en-US"/>
           </a:p>
@@ -1262,7 +1214,7 @@
           <a:p>
             <a:fld id="{D1CB3D34-4A5F-4479-84DC-395EB63EC8BA}" type="datetimeFigureOut">
               <a:rPr lang="en-US" smtClean="0"/>
-              <a:t>18.08.2020</a:t>
+              <a:t>19.08.2020</a:t>
             </a:fld>
             <a:endParaRPr lang="en-US"/>
           </a:p>
@@ -1508,7 +1460,7 @@
           <a:p>
             <a:fld id="{D1CB3D34-4A5F-4479-84DC-395EB63EC8BA}" type="datetimeFigureOut">
               <a:rPr lang="en-US" smtClean="0"/>
-              <a:t>18.08.2020</a:t>
+              <a:t>19.08.2020</a:t>
             </a:fld>
             <a:endParaRPr lang="en-US"/>
           </a:p>
@@ -1740,7 +1692,7 @@
           <a:p>
             <a:fld id="{D1CB3D34-4A5F-4479-84DC-395EB63EC8BA}" type="datetimeFigureOut">
               <a:rPr lang="en-US" smtClean="0"/>
-              <a:t>18.08.2020</a:t>
+              <a:t>19.08.2020</a:t>
             </a:fld>
             <a:endParaRPr lang="en-US"/>
           </a:p>
@@ -2107,7 +2059,7 @@
           <a:p>
             <a:fld id="{D1CB3D34-4A5F-4479-84DC-395EB63EC8BA}" type="datetimeFigureOut">
               <a:rPr lang="en-US" smtClean="0"/>
-              <a:t>18.08.2020</a:t>
+              <a:t>19.08.2020</a:t>
             </a:fld>
             <a:endParaRPr lang="en-US"/>
           </a:p>
@@ -2225,7 +2177,7 @@
           <a:p>
             <a:fld id="{D1CB3D34-4A5F-4479-84DC-395EB63EC8BA}" type="datetimeFigureOut">
               <a:rPr lang="en-US" smtClean="0"/>
-              <a:t>18.08.2020</a:t>
+              <a:t>19.08.2020</a:t>
             </a:fld>
             <a:endParaRPr lang="en-US"/>
           </a:p>
@@ -2320,7 +2272,7 @@
           <a:p>
             <a:fld id="{D1CB3D34-4A5F-4479-84DC-395EB63EC8BA}" type="datetimeFigureOut">
               <a:rPr lang="en-US" smtClean="0"/>
-              <a:t>18.08.2020</a:t>
+              <a:t>19.08.2020</a:t>
             </a:fld>
             <a:endParaRPr lang="en-US"/>
           </a:p>
@@ -2597,7 +2549,7 @@
           <a:p>
             <a:fld id="{D1CB3D34-4A5F-4479-84DC-395EB63EC8BA}" type="datetimeFigureOut">
               <a:rPr lang="en-US" smtClean="0"/>
-              <a:t>18.08.2020</a:t>
+              <a:t>19.08.2020</a:t>
             </a:fld>
             <a:endParaRPr lang="en-US"/>
           </a:p>
@@ -2850,7 +2802,7 @@
           <a:p>
             <a:fld id="{D1CB3D34-4A5F-4479-84DC-395EB63EC8BA}" type="datetimeFigureOut">
               <a:rPr lang="en-US" smtClean="0"/>
-              <a:t>18.08.2020</a:t>
+              <a:t>19.08.2020</a:t>
             </a:fld>
             <a:endParaRPr lang="en-US"/>
           </a:p>
@@ -3063,7 +3015,7 @@
           <a:p>
             <a:fld id="{D1CB3D34-4A5F-4479-84DC-395EB63EC8BA}" type="datetimeFigureOut">
               <a:rPr lang="en-US" smtClean="0"/>
-              <a:t>18.08.2020</a:t>
+              <a:t>19.08.2020</a:t>
             </a:fld>
             <a:endParaRPr lang="en-US"/>
           </a:p>
@@ -3520,7 +3472,7 @@
               <a:rPr lang="en-US" dirty="0">
                 <a:sym typeface="Wingdings" panose="05000000000000000000" pitchFamily="2" charset="2"/>
               </a:rPr>
-              <a:t>The experiment will take approximately 1h30min – 2h, and it’s composed of 3 big sessions</a:t>
+              <a:t>The experiment will take approximately 1h30min – 2h, and it’s split into 3 main sessions</a:t>
             </a:r>
           </a:p>
           <a:p>
@@ -3535,7 +3487,7 @@
               <a:rPr lang="en-US" dirty="0">
                 <a:sym typeface="Wingdings" panose="05000000000000000000" pitchFamily="2" charset="2"/>
               </a:rPr>
-              <a:t>The tasks are the same, but stimuli will differ slightly</a:t>
+              <a:t>The tasks are the same, but stimuli slightly differ</a:t>
             </a:r>
           </a:p>
           <a:p>
@@ -3550,7 +3502,7 @@
               <a:rPr lang="en-US" dirty="0">
                 <a:sym typeface="Wingdings" panose="05000000000000000000" pitchFamily="2" charset="2"/>
               </a:rPr>
-              <a:t>Before each session starts, you will go through the corresponding instruction</a:t>
+              <a:t>Before each session starts, you will go through the specific instructions</a:t>
             </a:r>
           </a:p>
           <a:p>

--- a/Instructions/Instruction for observers_0_General.pptx
+++ b/Instructions/Instruction for observers_0_General.pptx
@@ -127,7 +127,28 @@
       </p:ext>
     </p:extLst>
   </p:cmAuthor>
+  <p:cmAuthor id="2" name="ru84pak" initials="r" lastIdx="2" clrIdx="1">
+    <p:extLst>
+      <p:ext uri="{19B8F6BF-5375-455C-9EA6-DF929625EA0E}">
+        <p15:presenceInfo xmlns:p15="http://schemas.microsoft.com/office/powerpoint/2012/main" userId="ru84pak" providerId="None"/>
+      </p:ext>
+    </p:extLst>
+  </p:cmAuthor>
 </p:cmAuthorLst>
+</file>
+
+<file path=ppt/comments/comment1.xml><?xml version="1.0" encoding="utf-8"?>
+<p:cmLst xmlns:a="http://schemas.openxmlformats.org/drawingml/2006/main" xmlns:r="http://schemas.openxmlformats.org/officeDocument/2006/relationships" xmlns:p="http://schemas.openxmlformats.org/presentationml/2006/main">
+  <p:cm authorId="2" dt="2020-08-26T10:38:45.101" idx="1">
+    <p:pos x="7378" y="1481"/>
+    <p:text>Could be "slightly tilted" and "strongly tilted"</p:text>
+    <p:extLst>
+      <p:ext uri="{C676402C-5697-4E1C-873F-D02D1690AC5C}">
+        <p15:threadingInfo xmlns:p15="http://schemas.microsoft.com/office/powerpoint/2012/main" timeZoneBias="-120"/>
+      </p:ext>
+    </p:extLst>
+  </p:cm>
+</p:cmLst>
 </file>
 
 <file path=ppt/notesMasters/notesMaster1.xml><?xml version="1.0" encoding="utf-8"?>
@@ -212,7 +233,7 @@
           <a:p>
             <a:fld id="{024A5357-A753-4D39-8A2E-56E39FBFD254}" type="datetimeFigureOut">
               <a:rPr lang="en-US" smtClean="0"/>
-              <a:t>19.08.2020</a:t>
+              <a:t>26/08/2020</a:t>
             </a:fld>
             <a:endParaRPr lang="en-US"/>
           </a:p>
@@ -370,7 +391,7 @@
           <a:p>
             <a:fld id="{2AAE02F7-5913-4DC8-9BE8-0A33703523A4}" type="slidenum">
               <a:rPr lang="en-US" smtClean="0"/>
-              <a:t>‹#›</a:t>
+              <a:t>‹N°›</a:t>
             </a:fld>
             <a:endParaRPr lang="en-US"/>
           </a:p>
@@ -694,7 +715,7 @@
           <a:p>
             <a:fld id="{D1CB3D34-4A5F-4479-84DC-395EB63EC8BA}" type="datetimeFigureOut">
               <a:rPr lang="en-US" smtClean="0"/>
-              <a:t>19.08.2020</a:t>
+              <a:t>26/08/2020</a:t>
             </a:fld>
             <a:endParaRPr lang="en-US"/>
           </a:p>
@@ -736,7 +757,7 @@
           <a:p>
             <a:fld id="{3F194144-D442-4A9D-8E4A-80A9157011E4}" type="slidenum">
               <a:rPr lang="en-US" smtClean="0"/>
-              <a:t>‹#›</a:t>
+              <a:t>‹N°›</a:t>
             </a:fld>
             <a:endParaRPr lang="en-US"/>
           </a:p>
@@ -864,7 +885,7 @@
           <a:p>
             <a:fld id="{D1CB3D34-4A5F-4479-84DC-395EB63EC8BA}" type="datetimeFigureOut">
               <a:rPr lang="en-US" smtClean="0"/>
-              <a:t>19.08.2020</a:t>
+              <a:t>26/08/2020</a:t>
             </a:fld>
             <a:endParaRPr lang="en-US"/>
           </a:p>
@@ -906,7 +927,7 @@
           <a:p>
             <a:fld id="{3F194144-D442-4A9D-8E4A-80A9157011E4}" type="slidenum">
               <a:rPr lang="en-US" smtClean="0"/>
-              <a:t>‹#›</a:t>
+              <a:t>‹N°›</a:t>
             </a:fld>
             <a:endParaRPr lang="en-US"/>
           </a:p>
@@ -1044,7 +1065,7 @@
           <a:p>
             <a:fld id="{D1CB3D34-4A5F-4479-84DC-395EB63EC8BA}" type="datetimeFigureOut">
               <a:rPr lang="en-US" smtClean="0"/>
-              <a:t>19.08.2020</a:t>
+              <a:t>26/08/2020</a:t>
             </a:fld>
             <a:endParaRPr lang="en-US"/>
           </a:p>
@@ -1086,7 +1107,7 @@
           <a:p>
             <a:fld id="{3F194144-D442-4A9D-8E4A-80A9157011E4}" type="slidenum">
               <a:rPr lang="en-US" smtClean="0"/>
-              <a:t>‹#›</a:t>
+              <a:t>‹N°›</a:t>
             </a:fld>
             <a:endParaRPr lang="en-US"/>
           </a:p>
@@ -1214,7 +1235,7 @@
           <a:p>
             <a:fld id="{D1CB3D34-4A5F-4479-84DC-395EB63EC8BA}" type="datetimeFigureOut">
               <a:rPr lang="en-US" smtClean="0"/>
-              <a:t>19.08.2020</a:t>
+              <a:t>26/08/2020</a:t>
             </a:fld>
             <a:endParaRPr lang="en-US"/>
           </a:p>
@@ -1256,7 +1277,7 @@
           <a:p>
             <a:fld id="{3F194144-D442-4A9D-8E4A-80A9157011E4}" type="slidenum">
               <a:rPr lang="en-US" smtClean="0"/>
-              <a:t>‹#›</a:t>
+              <a:t>‹N°›</a:t>
             </a:fld>
             <a:endParaRPr lang="en-US"/>
           </a:p>
@@ -1460,7 +1481,7 @@
           <a:p>
             <a:fld id="{D1CB3D34-4A5F-4479-84DC-395EB63EC8BA}" type="datetimeFigureOut">
               <a:rPr lang="en-US" smtClean="0"/>
-              <a:t>19.08.2020</a:t>
+              <a:t>26/08/2020</a:t>
             </a:fld>
             <a:endParaRPr lang="en-US"/>
           </a:p>
@@ -1502,7 +1523,7 @@
           <a:p>
             <a:fld id="{3F194144-D442-4A9D-8E4A-80A9157011E4}" type="slidenum">
               <a:rPr lang="en-US" smtClean="0"/>
-              <a:t>‹#›</a:t>
+              <a:t>‹N°›</a:t>
             </a:fld>
             <a:endParaRPr lang="en-US"/>
           </a:p>
@@ -1692,7 +1713,7 @@
           <a:p>
             <a:fld id="{D1CB3D34-4A5F-4479-84DC-395EB63EC8BA}" type="datetimeFigureOut">
               <a:rPr lang="en-US" smtClean="0"/>
-              <a:t>19.08.2020</a:t>
+              <a:t>26/08/2020</a:t>
             </a:fld>
             <a:endParaRPr lang="en-US"/>
           </a:p>
@@ -1734,7 +1755,7 @@
           <a:p>
             <a:fld id="{3F194144-D442-4A9D-8E4A-80A9157011E4}" type="slidenum">
               <a:rPr lang="en-US" smtClean="0"/>
-              <a:t>‹#›</a:t>
+              <a:t>‹N°›</a:t>
             </a:fld>
             <a:endParaRPr lang="en-US"/>
           </a:p>
@@ -2059,7 +2080,7 @@
           <a:p>
             <a:fld id="{D1CB3D34-4A5F-4479-84DC-395EB63EC8BA}" type="datetimeFigureOut">
               <a:rPr lang="en-US" smtClean="0"/>
-              <a:t>19.08.2020</a:t>
+              <a:t>26/08/2020</a:t>
             </a:fld>
             <a:endParaRPr lang="en-US"/>
           </a:p>
@@ -2101,7 +2122,7 @@
           <a:p>
             <a:fld id="{3F194144-D442-4A9D-8E4A-80A9157011E4}" type="slidenum">
               <a:rPr lang="en-US" smtClean="0"/>
-              <a:t>‹#›</a:t>
+              <a:t>‹N°›</a:t>
             </a:fld>
             <a:endParaRPr lang="en-US"/>
           </a:p>
@@ -2177,7 +2198,7 @@
           <a:p>
             <a:fld id="{D1CB3D34-4A5F-4479-84DC-395EB63EC8BA}" type="datetimeFigureOut">
               <a:rPr lang="en-US" smtClean="0"/>
-              <a:t>19.08.2020</a:t>
+              <a:t>26/08/2020</a:t>
             </a:fld>
             <a:endParaRPr lang="en-US"/>
           </a:p>
@@ -2219,7 +2240,7 @@
           <a:p>
             <a:fld id="{3F194144-D442-4A9D-8E4A-80A9157011E4}" type="slidenum">
               <a:rPr lang="en-US" smtClean="0"/>
-              <a:t>‹#›</a:t>
+              <a:t>‹N°›</a:t>
             </a:fld>
             <a:endParaRPr lang="en-US"/>
           </a:p>
@@ -2272,7 +2293,7 @@
           <a:p>
             <a:fld id="{D1CB3D34-4A5F-4479-84DC-395EB63EC8BA}" type="datetimeFigureOut">
               <a:rPr lang="en-US" smtClean="0"/>
-              <a:t>19.08.2020</a:t>
+              <a:t>26/08/2020</a:t>
             </a:fld>
             <a:endParaRPr lang="en-US"/>
           </a:p>
@@ -2314,7 +2335,7 @@
           <a:p>
             <a:fld id="{3F194144-D442-4A9D-8E4A-80A9157011E4}" type="slidenum">
               <a:rPr lang="en-US" smtClean="0"/>
-              <a:t>‹#›</a:t>
+              <a:t>‹N°›</a:t>
             </a:fld>
             <a:endParaRPr lang="en-US"/>
           </a:p>
@@ -2549,7 +2570,7 @@
           <a:p>
             <a:fld id="{D1CB3D34-4A5F-4479-84DC-395EB63EC8BA}" type="datetimeFigureOut">
               <a:rPr lang="en-US" smtClean="0"/>
-              <a:t>19.08.2020</a:t>
+              <a:t>26/08/2020</a:t>
             </a:fld>
             <a:endParaRPr lang="en-US"/>
           </a:p>
@@ -2591,7 +2612,7 @@
           <a:p>
             <a:fld id="{3F194144-D442-4A9D-8E4A-80A9157011E4}" type="slidenum">
               <a:rPr lang="en-US" smtClean="0"/>
-              <a:t>‹#›</a:t>
+              <a:t>‹N°›</a:t>
             </a:fld>
             <a:endParaRPr lang="en-US"/>
           </a:p>
@@ -2802,7 +2823,7 @@
           <a:p>
             <a:fld id="{D1CB3D34-4A5F-4479-84DC-395EB63EC8BA}" type="datetimeFigureOut">
               <a:rPr lang="en-US" smtClean="0"/>
-              <a:t>19.08.2020</a:t>
+              <a:t>26/08/2020</a:t>
             </a:fld>
             <a:endParaRPr lang="en-US"/>
           </a:p>
@@ -2844,7 +2865,7 @@
           <a:p>
             <a:fld id="{3F194144-D442-4A9D-8E4A-80A9157011E4}" type="slidenum">
               <a:rPr lang="en-US" smtClean="0"/>
-              <a:t>‹#›</a:t>
+              <a:t>‹N°›</a:t>
             </a:fld>
             <a:endParaRPr lang="en-US"/>
           </a:p>
@@ -3015,7 +3036,7 @@
           <a:p>
             <a:fld id="{D1CB3D34-4A5F-4479-84DC-395EB63EC8BA}" type="datetimeFigureOut">
               <a:rPr lang="en-US" smtClean="0"/>
-              <a:t>19.08.2020</a:t>
+              <a:t>26/08/2020</a:t>
             </a:fld>
             <a:endParaRPr lang="en-US"/>
           </a:p>
@@ -3093,7 +3114,7 @@
           <a:p>
             <a:fld id="{3F194144-D442-4A9D-8E4A-80A9157011E4}" type="slidenum">
               <a:rPr lang="en-US" smtClean="0"/>
-              <a:t>‹#›</a:t>
+              <a:t>‹N°›</a:t>
             </a:fld>
             <a:endParaRPr lang="en-US"/>
           </a:p>
@@ -3583,7 +3604,7 @@
             </a:pPr>
             <a:r>
               <a:rPr lang="en-US" dirty="0"/>
-              <a:t>In each frame, 3 disks and a red fixation dot will be presented</a:t>
+              <a:t>In each trial, there will be flickering disks. </a:t>
             </a:r>
           </a:p>
           <a:p>
@@ -3596,7 +3617,7 @@
             </a:pPr>
             <a:r>
               <a:rPr lang="en-US" dirty="0"/>
-              <a:t>In each trial, in the second and the last frame, multiple bars will be presented in the disks</a:t>
+              <a:t>In the second and last frame of each trial, the disks will be filled with bars.</a:t>
             </a:r>
           </a:p>
           <a:p>
@@ -3609,7 +3630,19 @@
             </a:pPr>
             <a:r>
               <a:rPr lang="en-US" dirty="0"/>
-              <a:t>Only one of these 3 disks is the target disk, and it differs in each session, you will have the specific instruction before the session. Left figure is an example</a:t>
+              <a:t>One of these disks is the </a:t>
+            </a:r>
+            <a:r>
+              <a:rPr lang="en-US" dirty="0">
+                <a:solidFill>
+                  <a:srgbClr val="CC0000"/>
+                </a:solidFill>
+              </a:rPr>
+              <a:t>target disk</a:t>
+            </a:r>
+            <a:r>
+              <a:rPr lang="en-US" dirty="0"/>
+              <a:t>. Before each session, we will tell you which disk will be the target disk. Left figure shows the flow of one trial.</a:t>
             </a:r>
           </a:p>
         </p:txBody>
@@ -3623,7 +3656,7 @@
         <p:spPr>
           <a:xfrm>
             <a:off x="3092222" y="2308910"/>
-            <a:ext cx="9026702" cy="3785652"/>
+            <a:ext cx="9026702" cy="4216539"/>
           </a:xfrm>
           <a:prstGeom prst="rect">
             <a:avLst/>
@@ -3648,19 +3681,51 @@
             </a:pPr>
             <a:r>
               <a:rPr lang="en-US" dirty="0"/>
-              <a:t>The second frame is called </a:t>
-            </a:r>
-            <a:r>
-              <a:rPr lang="en-US" b="1" dirty="0"/>
-              <a:t>cue frame</a:t>
+              <a:t>In the first target disk (second frame), there will be two tilted bars, one tilted </a:t>
+            </a:r>
+            <a:r>
+              <a:rPr lang="en-US" dirty="0">
+                <a:solidFill>
+                  <a:srgbClr val="C00000"/>
+                </a:solidFill>
+              </a:rPr>
+              <a:t>15</a:t>
+            </a:r>
+            <a:r>
+              <a:rPr lang="en-US" dirty="0">
+                <a:solidFill>
+                  <a:srgbClr val="CC0000"/>
+                </a:solidFill>
+              </a:rPr>
+              <a:t>°</a:t>
+            </a:r>
+            <a:r>
+              <a:rPr lang="en-US" dirty="0">
+                <a:solidFill>
+                  <a:srgbClr val="C00000"/>
+                </a:solidFill>
+              </a:rPr>
+              <a:t> (</a:t>
+            </a:r>
+            <a:r>
+              <a:rPr lang="en-US" dirty="0">
+                <a:solidFill>
+                  <a:srgbClr val="CC0000"/>
+                </a:solidFill>
+              </a:rPr>
+              <a:t>target</a:t>
+            </a:r>
+            <a:r>
+              <a:rPr lang="en-US" dirty="0">
+                <a:solidFill>
+                  <a:srgbClr val="C00000"/>
+                </a:solidFill>
+              </a:rPr>
+              <a:t>) </a:t>
             </a:r>
             <a:r>
               <a:rPr lang="en-US" dirty="0"/>
-              <a:t>, and the last frame is called </a:t>
-            </a:r>
-            <a:r>
-              <a:rPr lang="en-US" b="1" dirty="0"/>
-              <a:t>probe frame</a:t>
+              <a:t>and the other tilted 45°. The 45° bar is irrelevant for the task.</a:t>
             </a:r>
           </a:p>
           <a:p>
@@ -3671,46 +3736,7 @@
               <a:buFontTx/>
               <a:buChar char="-"/>
             </a:pPr>
-            <a:r>
-              <a:rPr lang="en-US" dirty="0"/>
-              <a:t>In the target disk of the cue frame, there will be two tilted bars, one in </a:t>
-            </a:r>
-            <a:r>
-              <a:rPr lang="en-US" dirty="0">
-                <a:solidFill>
-                  <a:srgbClr val="C00000"/>
-                </a:solidFill>
-              </a:rPr>
-              <a:t>15</a:t>
-            </a:r>
-            <a:r>
-              <a:rPr lang="en-US" baseline="30000" dirty="0">
-                <a:solidFill>
-                  <a:srgbClr val="C00000"/>
-                </a:solidFill>
-              </a:rPr>
-              <a:t>◦</a:t>
-            </a:r>
-            <a:r>
-              <a:rPr lang="en-US" dirty="0">
-                <a:solidFill>
-                  <a:srgbClr val="C00000"/>
-                </a:solidFill>
-              </a:rPr>
-              <a:t> (target) </a:t>
-            </a:r>
-            <a:r>
-              <a:rPr lang="en-US" dirty="0"/>
-              <a:t>and the other in 45</a:t>
-            </a:r>
-            <a:r>
-              <a:rPr lang="en-US" baseline="30000" dirty="0"/>
-              <a:t>◦</a:t>
-            </a:r>
-            <a:r>
-              <a:rPr lang="en-US" dirty="0"/>
-              <a:t>(distractor)</a:t>
-            </a:r>
+            <a:endParaRPr lang="en-US" dirty="0"/>
           </a:p>
           <a:p>
             <a:pPr marL="285750" indent="-285750">
@@ -3720,34 +3746,7 @@
               <a:buFontTx/>
               <a:buChar char="-"/>
             </a:pPr>
-            <a:r>
-              <a:rPr lang="en-US" dirty="0"/>
-              <a:t>In the target disk of the probe frame, one bar will be tilted in </a:t>
-            </a:r>
-            <a:r>
-              <a:rPr lang="en-US" dirty="0">
-                <a:solidFill>
-                  <a:srgbClr val="C00000"/>
-                </a:solidFill>
-              </a:rPr>
-              <a:t>15</a:t>
-            </a:r>
-            <a:r>
-              <a:rPr lang="en-US" baseline="30000" dirty="0">
-                <a:solidFill>
-                  <a:srgbClr val="C00000"/>
-                </a:solidFill>
-              </a:rPr>
-              <a:t>◦</a:t>
-            </a:r>
-            <a:r>
-              <a:rPr lang="en-US" dirty="0">
-                <a:solidFill>
-                  <a:srgbClr val="C00000"/>
-                </a:solidFill>
-              </a:rPr>
-              <a:t>(target) </a:t>
-            </a:r>
+            <a:endParaRPr lang="en-US" dirty="0"/>
           </a:p>
           <a:p>
             <a:pPr marL="285750" indent="-285750">
@@ -3757,10 +3756,7 @@
               <a:buFontTx/>
               <a:buChar char="-"/>
             </a:pPr>
-            <a:r>
-              <a:rPr lang="en-US" dirty="0"/>
-              <a:t>Bars can be tilted either clockwise or counter-clockwise compared to the vertical</a:t>
-            </a:r>
+            <a:endParaRPr lang="en-US" dirty="0"/>
           </a:p>
           <a:p>
             <a:pPr marL="285750" indent="-285750">
@@ -3772,51 +3768,27 @@
             </a:pPr>
             <a:r>
               <a:rPr lang="en-US" dirty="0"/>
-              <a:t>Your </a:t>
-            </a:r>
-            <a:r>
-              <a:rPr lang="en-US" b="1" i="1" dirty="0"/>
-              <a:t>task</a:t>
-            </a:r>
-            <a:r>
-              <a:rPr lang="en-US" dirty="0"/>
-              <a:t> is to detect whether </a:t>
-            </a:r>
-            <a:r>
-              <a:rPr lang="en-US" u="sng" dirty="0"/>
-              <a:t>the target bars (</a:t>
-            </a:r>
-            <a:r>
-              <a:rPr lang="en-US" u="sng" dirty="0">
+              <a:t>In the second target disk (last frame), only one bar will be tilted in </a:t>
+            </a:r>
+            <a:r>
+              <a:rPr lang="en-US" dirty="0">
                 <a:solidFill>
                   <a:srgbClr val="C00000"/>
                 </a:solidFill>
               </a:rPr>
-              <a:t>15</a:t>
-            </a:r>
-            <a:r>
-              <a:rPr lang="en-US" u="sng" baseline="30000" dirty="0">
+              <a:t>15° (target)</a:t>
+            </a:r>
+            <a:r>
+              <a:rPr lang="en-US" dirty="0"/>
+              <a:t>.</a:t>
+            </a:r>
+            <a:r>
+              <a:rPr lang="en-US" dirty="0">
                 <a:solidFill>
                   <a:srgbClr val="C00000"/>
                 </a:solidFill>
               </a:rPr>
-              <a:t>◦ </a:t>
-            </a:r>
-            <a:r>
-              <a:rPr lang="en-US" u="sng" dirty="0">
-                <a:solidFill>
-                  <a:srgbClr val="C00000"/>
-                </a:solidFill>
-              </a:rPr>
-              <a:t>tilted bars</a:t>
-            </a:r>
-            <a:r>
-              <a:rPr lang="en-US" u="sng" dirty="0"/>
-              <a:t>) </a:t>
-            </a:r>
-            <a:r>
-              <a:rPr lang="en-US" dirty="0"/>
-              <a:t>in cue and probe frames are tilted in the same direction or not</a:t>
+              <a:t> </a:t>
             </a:r>
           </a:p>
           <a:p>
@@ -3829,15 +3801,7 @@
             </a:pPr>
             <a:r>
               <a:rPr lang="en-US" dirty="0"/>
-              <a:t>You have to ignore the 45</a:t>
-            </a:r>
-            <a:r>
-              <a:rPr lang="en-US" baseline="30000" dirty="0"/>
-              <a:t>◦</a:t>
-            </a:r>
-            <a:r>
-              <a:rPr lang="en-US" dirty="0"/>
-              <a:t>(distractor) bar in the cue frame</a:t>
+              <a:t>Bars can be tilted either to the left or to the right.</a:t>
             </a:r>
           </a:p>
           <a:p>
@@ -3850,7 +3814,64 @@
             </a:pPr>
             <a:r>
               <a:rPr lang="en-US" dirty="0"/>
-              <a:t>If both are tilted in a same direction (both clockwise and counter-clockwise) press the </a:t>
+              <a:t>Your </a:t>
+            </a:r>
+            <a:r>
+              <a:rPr lang="en-US" b="1" i="1" dirty="0"/>
+              <a:t>task</a:t>
+            </a:r>
+            <a:r>
+              <a:rPr lang="en-US" dirty="0"/>
+              <a:t> is to detect whether </a:t>
+            </a:r>
+            <a:r>
+              <a:rPr lang="en-US" u="sng" dirty="0"/>
+              <a:t>the target bars (</a:t>
+            </a:r>
+            <a:r>
+              <a:rPr lang="en-US" u="sng" dirty="0">
+                <a:solidFill>
+                  <a:srgbClr val="C00000"/>
+                </a:solidFill>
+              </a:rPr>
+              <a:t>15°</a:t>
+            </a:r>
+            <a:r>
+              <a:rPr lang="en-US" u="sng" baseline="30000" dirty="0">
+                <a:solidFill>
+                  <a:srgbClr val="C00000"/>
+                </a:solidFill>
+              </a:rPr>
+              <a:t> </a:t>
+            </a:r>
+            <a:r>
+              <a:rPr lang="en-US" u="sng" dirty="0">
+                <a:solidFill>
+                  <a:srgbClr val="C00000"/>
+                </a:solidFill>
+              </a:rPr>
+              <a:t>tilted bars</a:t>
+            </a:r>
+            <a:r>
+              <a:rPr lang="en-US" u="sng" dirty="0"/>
+              <a:t>)</a:t>
+            </a:r>
+            <a:r>
+              <a:rPr lang="en-US" dirty="0"/>
+              <a:t> in the first and second target disks are tilted in the same direction or not.</a:t>
+            </a:r>
+          </a:p>
+          <a:p>
+            <a:pPr marL="285750" indent="-285750">
+              <a:spcAft>
+                <a:spcPts val="1200"/>
+              </a:spcAft>
+              <a:buFontTx/>
+              <a:buChar char="-"/>
+            </a:pPr>
+            <a:r>
+              <a:rPr lang="en-US" dirty="0"/>
+              <a:t>If both are tilted in a same direction (both left or both right) press the </a:t>
             </a:r>
             <a:r>
               <a:rPr lang="en-US" b="1" i="1" dirty="0"/>
@@ -3866,7 +3887,7 @@
             </a:r>
             <a:r>
               <a:rPr lang="en-US" dirty="0"/>
-              <a:t> button if they are in different directions</a:t>
+              <a:t> button if they are in different directions.</a:t>
             </a:r>
           </a:p>
         </p:txBody>
@@ -4788,8 +4809,8 @@
         </p:nvSpPr>
         <p:spPr>
           <a:xfrm>
-            <a:off x="2094577" y="1523977"/>
-            <a:ext cx="1260000" cy="338554"/>
+            <a:off x="2094579" y="1523977"/>
+            <a:ext cx="1259996" cy="584775"/>
           </a:xfrm>
           <a:prstGeom prst="rect">
             <a:avLst/>
@@ -4821,7 +4842,15 @@
             <a:pPr algn="ctr"/>
             <a:r>
               <a:rPr lang="en-US" sz="1600" b="1" dirty="0"/>
-              <a:t>cue frame</a:t>
+              <a:t>1</a:t>
+            </a:r>
+            <a:r>
+              <a:rPr lang="en-US" sz="1600" b="1" baseline="30000" dirty="0"/>
+              <a:t>st</a:t>
+            </a:r>
+            <a:r>
+              <a:rPr lang="en-US" sz="1600" b="1" dirty="0"/>
+              <a:t> target disk</a:t>
             </a:r>
           </a:p>
         </p:txBody>
@@ -4841,7 +4870,7 @@
         <p:spPr>
           <a:xfrm>
             <a:off x="2094577" y="5541191"/>
-            <a:ext cx="1260000" cy="338554"/>
+            <a:ext cx="1260000" cy="584775"/>
           </a:xfrm>
           <a:prstGeom prst="rect">
             <a:avLst/>
@@ -4873,7 +4902,15 @@
             <a:pPr algn="ctr"/>
             <a:r>
               <a:rPr lang="en-US" sz="1600" b="1" dirty="0"/>
-              <a:t>probe frame</a:t>
+              <a:t>2</a:t>
+            </a:r>
+            <a:r>
+              <a:rPr lang="en-US" sz="1600" b="1" baseline="30000" dirty="0"/>
+              <a:t>nd</a:t>
+            </a:r>
+            <a:r>
+              <a:rPr lang="en-US" sz="1600" b="1" dirty="0"/>
+              <a:t> target disk</a:t>
             </a:r>
           </a:p>
         </p:txBody>
@@ -5315,6 +5352,148 @@
           </a:p>
         </p:txBody>
       </p:sp>
+      <p:pic>
+        <p:nvPicPr>
+          <p:cNvPr id="3" name="그림 33">
+            <a:extLst>
+              <a:ext uri="{FF2B5EF4-FFF2-40B4-BE49-F238E27FC236}">
+                <a16:creationId xmlns:a16="http://schemas.microsoft.com/office/drawing/2014/main" id="{4FDD98F8-8C68-4F4C-A6A3-43613383466D}"/>
+              </a:ext>
+            </a:extLst>
+          </p:cNvPr>
+          <p:cNvPicPr>
+            <a:picLocks noChangeAspect="1"/>
+          </p:cNvPicPr>
+          <p:nvPr/>
+        </p:nvPicPr>
+        <p:blipFill>
+          <a:blip r:embed="rId6" cstate="print">
+            <a:extLst>
+              <a:ext uri="{28A0092B-C50C-407E-A947-70E740481C1C}">
+                <a14:useLocalDpi xmlns:a14="http://schemas.microsoft.com/office/drawing/2010/main" val="0"/>
+              </a:ext>
+            </a:extLst>
+          </a:blip>
+          <a:stretch>
+            <a:fillRect/>
+          </a:stretch>
+        </p:blipFill>
+        <p:spPr>
+          <a:xfrm>
+            <a:off x="6483605" y="2917256"/>
+            <a:ext cx="1385777" cy="1385777"/>
+          </a:xfrm>
+          <a:prstGeom prst="rect">
+            <a:avLst/>
+          </a:prstGeom>
+        </p:spPr>
+      </p:pic>
+      <p:sp>
+        <p:nvSpPr>
+          <p:cNvPr id="87" name="TextBox 30">
+            <a:extLst>
+              <a:ext uri="{FF2B5EF4-FFF2-40B4-BE49-F238E27FC236}">
+                <a16:creationId xmlns:a16="http://schemas.microsoft.com/office/drawing/2014/main" id="{7C7EAA8A-D98E-4C4A-AF37-545691FB24CC}"/>
+              </a:ext>
+            </a:extLst>
+          </p:cNvPr>
+          <p:cNvSpPr txBox="1"/>
+          <p:nvPr/>
+        </p:nvSpPr>
+        <p:spPr>
+          <a:xfrm>
+            <a:off x="6483605" y="3196628"/>
+            <a:ext cx="764825" cy="276999"/>
+          </a:xfrm>
+          <a:prstGeom prst="rect">
+            <a:avLst/>
+          </a:prstGeom>
+          <a:noFill/>
+        </p:spPr>
+        <p:txBody>
+          <a:bodyPr wrap="none" rtlCol="0">
+            <a:spAutoFit/>
+          </a:bodyPr>
+          <a:lstStyle/>
+          <a:p>
+            <a:r>
+              <a:rPr lang="en-US" sz="1200" b="1" dirty="0">
+                <a:solidFill>
+                  <a:srgbClr val="FF0000"/>
+                </a:solidFill>
+              </a:rPr>
+              <a:t>Target </a:t>
+            </a:r>
+            <a:r>
+              <a:rPr lang="en-US" sz="1200" b="1" dirty="0">
+                <a:solidFill>
+                  <a:srgbClr val="FF0000"/>
+                </a:solidFill>
+                <a:sym typeface="Wingdings" panose="05000000000000000000" pitchFamily="2" charset="2"/>
+              </a:rPr>
+              <a:t></a:t>
+            </a:r>
+            <a:endParaRPr lang="en-US" sz="1200" b="1" dirty="0">
+              <a:solidFill>
+                <a:srgbClr val="FF0000"/>
+              </a:solidFill>
+            </a:endParaRPr>
+          </a:p>
+        </p:txBody>
+      </p:sp>
+      <p:sp>
+        <p:nvSpPr>
+          <p:cNvPr id="88" name="TextBox 30">
+            <a:extLst>
+              <a:ext uri="{FF2B5EF4-FFF2-40B4-BE49-F238E27FC236}">
+                <a16:creationId xmlns:a16="http://schemas.microsoft.com/office/drawing/2014/main" id="{D17D51D3-128D-45BA-A550-700BDE5E2EB7}"/>
+              </a:ext>
+            </a:extLst>
+          </p:cNvPr>
+          <p:cNvSpPr txBox="1"/>
+          <p:nvPr/>
+        </p:nvSpPr>
+        <p:spPr>
+          <a:xfrm>
+            <a:off x="6483605" y="3620079"/>
+            <a:ext cx="991233" cy="276999"/>
+          </a:xfrm>
+          <a:prstGeom prst="rect">
+            <a:avLst/>
+          </a:prstGeom>
+          <a:noFill/>
+        </p:spPr>
+        <p:txBody>
+          <a:bodyPr wrap="none" rtlCol="0">
+            <a:spAutoFit/>
+          </a:bodyPr>
+          <a:lstStyle/>
+          <a:p>
+            <a:r>
+              <a:rPr lang="en-US" sz="1200" b="1" dirty="0">
+                <a:solidFill>
+                  <a:srgbClr val="FF0000"/>
+                </a:solidFill>
+              </a:rPr>
+              <a:t>Irrelevant </a:t>
+            </a:r>
+            <a:r>
+              <a:rPr lang="en-US" sz="1200" b="1" dirty="0">
+                <a:solidFill>
+                  <a:srgbClr val="FF0000"/>
+                </a:solidFill>
+                <a:sym typeface="Wingdings" panose="05000000000000000000" pitchFamily="2" charset="2"/>
+              </a:rPr>
+              <a:t></a:t>
+            </a:r>
+            <a:endParaRPr lang="en-US" sz="1200" b="1" dirty="0">
+              <a:solidFill>
+                <a:srgbClr val="FF0000"/>
+              </a:solidFill>
+            </a:endParaRPr>
+          </a:p>
+        </p:txBody>
+      </p:sp>
     </p:spTree>
     <p:extLst>
       <p:ext uri="{BB962C8B-B14F-4D97-AF65-F5344CB8AC3E}">
@@ -5360,7 +5539,9 @@
                                         </p:cTn>
                                         <p:tgtEl>
                                           <p:spTgt spid="39">
-                                            <p:bg/>
+                                            <p:txEl>
+                                              <p:pRg st="0" end="0"/>
+                                            </p:txEl>
                                           </p:spTgt>
                                         </p:tgtEl>
                                         <p:attrNameLst>
@@ -5408,7 +5589,7 @@
                                         <p:tgtEl>
                                           <p:spTgt spid="39">
                                             <p:txEl>
-                                              <p:pRg st="0" end="0"/>
+                                              <p:pRg st="4" end="4"/>
                                             </p:txEl>
                                           </p:spTgt>
                                         </p:tgtEl>
@@ -5457,7 +5638,7 @@
                                         <p:tgtEl>
                                           <p:spTgt spid="39">
                                             <p:txEl>
-                                              <p:pRg st="1" end="1"/>
+                                              <p:pRg st="5" end="5"/>
                                             </p:txEl>
                                           </p:spTgt>
                                         </p:tgtEl>
@@ -5506,7 +5687,7 @@
                                         <p:tgtEl>
                                           <p:spTgt spid="39">
                                             <p:txEl>
-                                              <p:pRg st="2" end="2"/>
+                                              <p:pRg st="6" end="6"/>
                                             </p:txEl>
                                           </p:spTgt>
                                         </p:tgtEl>
@@ -5555,7 +5736,7 @@
                                         <p:tgtEl>
                                           <p:spTgt spid="39">
                                             <p:txEl>
-                                              <p:pRg st="3" end="3"/>
+                                              <p:pRg st="7" end="7"/>
                                             </p:txEl>
                                           </p:spTgt>
                                         </p:tgtEl>
@@ -5570,26 +5751,35 @@
                                   </p:childTnLst>
                                 </p:cTn>
                               </p:par>
-                            </p:childTnLst>
-                          </p:cTn>
-                        </p:par>
-                      </p:childTnLst>
-                    </p:cTn>
-                  </p:par>
-                  <p:par>
-                    <p:cTn id="23" fill="hold">
-                      <p:stCondLst>
-                        <p:cond delay="indefinite"/>
-                      </p:stCondLst>
-                      <p:childTnLst>
-                        <p:par>
-                          <p:cTn id="24" fill="hold">
-                            <p:stCondLst>
-                              <p:cond delay="0"/>
-                            </p:stCondLst>
-                            <p:childTnLst>
                               <p:par>
-                                <p:cTn id="25" presetID="1" presetClass="entr" presetSubtype="0" fill="hold" grpId="0" nodeType="clickEffect">
+                                <p:cTn id="23" presetID="1" presetClass="entr" presetSubtype="0" fill="hold" grpId="0" nodeType="withEffect">
+                                  <p:stCondLst>
+                                    <p:cond delay="0"/>
+                                  </p:stCondLst>
+                                  <p:childTnLst>
+                                    <p:set>
+                                      <p:cBhvr>
+                                        <p:cTn id="24" dur="1" fill="hold">
+                                          <p:stCondLst>
+                                            <p:cond delay="0"/>
+                                          </p:stCondLst>
+                                        </p:cTn>
+                                        <p:tgtEl>
+                                          <p:spTgt spid="87"/>
+                                        </p:tgtEl>
+                                        <p:attrNameLst>
+                                          <p:attrName>style.visibility</p:attrName>
+                                        </p:attrNameLst>
+                                      </p:cBhvr>
+                                      <p:to>
+                                        <p:strVal val="visible"/>
+                                      </p:to>
+                                    </p:set>
+                                  </p:childTnLst>
+                                </p:cTn>
+                              </p:par>
+                              <p:par>
+                                <p:cTn id="25" presetID="1" presetClass="entr" presetSubtype="0" fill="hold" grpId="0" nodeType="withEffect">
                                   <p:stCondLst>
                                     <p:cond delay="0"/>
                                   </p:stCondLst>
@@ -5602,109 +5792,7 @@
                                           </p:stCondLst>
                                         </p:cTn>
                                         <p:tgtEl>
-                                          <p:spTgt spid="39">
-                                            <p:txEl>
-                                              <p:pRg st="4" end="4"/>
-                                            </p:txEl>
-                                          </p:spTgt>
-                                        </p:tgtEl>
-                                        <p:attrNameLst>
-                                          <p:attrName>style.visibility</p:attrName>
-                                        </p:attrNameLst>
-                                      </p:cBhvr>
-                                      <p:to>
-                                        <p:strVal val="visible"/>
-                                      </p:to>
-                                    </p:set>
-                                  </p:childTnLst>
-                                </p:cTn>
-                              </p:par>
-                            </p:childTnLst>
-                          </p:cTn>
-                        </p:par>
-                      </p:childTnLst>
-                    </p:cTn>
-                  </p:par>
-                  <p:par>
-                    <p:cTn id="27" fill="hold">
-                      <p:stCondLst>
-                        <p:cond delay="indefinite"/>
-                      </p:stCondLst>
-                      <p:childTnLst>
-                        <p:par>
-                          <p:cTn id="28" fill="hold">
-                            <p:stCondLst>
-                              <p:cond delay="0"/>
-                            </p:stCondLst>
-                            <p:childTnLst>
-                              <p:par>
-                                <p:cTn id="29" presetID="1" presetClass="entr" presetSubtype="0" fill="hold" grpId="0" nodeType="clickEffect">
-                                  <p:stCondLst>
-                                    <p:cond delay="0"/>
-                                  </p:stCondLst>
-                                  <p:childTnLst>
-                                    <p:set>
-                                      <p:cBhvr>
-                                        <p:cTn id="30" dur="1" fill="hold">
-                                          <p:stCondLst>
-                                            <p:cond delay="0"/>
-                                          </p:stCondLst>
-                                        </p:cTn>
-                                        <p:tgtEl>
-                                          <p:spTgt spid="39">
-                                            <p:txEl>
-                                              <p:pRg st="5" end="5"/>
-                                            </p:txEl>
-                                          </p:spTgt>
-                                        </p:tgtEl>
-                                        <p:attrNameLst>
-                                          <p:attrName>style.visibility</p:attrName>
-                                        </p:attrNameLst>
-                                      </p:cBhvr>
-                                      <p:to>
-                                        <p:strVal val="visible"/>
-                                      </p:to>
-                                    </p:set>
-                                  </p:childTnLst>
-                                </p:cTn>
-                              </p:par>
-                            </p:childTnLst>
-                          </p:cTn>
-                        </p:par>
-                      </p:childTnLst>
-                    </p:cTn>
-                  </p:par>
-                  <p:par>
-                    <p:cTn id="31" fill="hold">
-                      <p:stCondLst>
-                        <p:cond delay="indefinite"/>
-                      </p:stCondLst>
-                      <p:childTnLst>
-                        <p:par>
-                          <p:cTn id="32" fill="hold">
-                            <p:stCondLst>
-                              <p:cond delay="0"/>
-                            </p:stCondLst>
-                            <p:childTnLst>
-                              <p:par>
-                                <p:cTn id="33" presetID="1" presetClass="entr" presetSubtype="0" fill="hold" grpId="0" nodeType="clickEffect">
-                                  <p:stCondLst>
-                                    <p:cond delay="0"/>
-                                  </p:stCondLst>
-                                  <p:childTnLst>
-                                    <p:set>
-                                      <p:cBhvr>
-                                        <p:cTn id="34" dur="1" fill="hold">
-                                          <p:stCondLst>
-                                            <p:cond delay="0"/>
-                                          </p:stCondLst>
-                                        </p:cTn>
-                                        <p:tgtEl>
-                                          <p:spTgt spid="39">
-                                            <p:txEl>
-                                              <p:pRg st="6" end="6"/>
-                                            </p:txEl>
-                                          </p:spTgt>
+                                          <p:spTgt spid="88"/>
                                         </p:tgtEl>
                                         <p:attrNameLst>
                                           <p:attrName>style.visibility</p:attrName>
@@ -5745,7 +5833,9 @@
       </p:par>
     </p:tnLst>
     <p:bldLst>
-      <p:bldP spid="39" grpId="0" build="p" animBg="1"/>
+      <p:bldP spid="39" grpId="0" build="p"/>
+      <p:bldP spid="87" grpId="0"/>
+      <p:bldP spid="88" grpId="0"/>
     </p:bldLst>
   </p:timing>
 </p:sld>
@@ -5770,7 +5860,7 @@
       </p:grpSpPr>
       <p:pic>
         <p:nvPicPr>
-          <p:cNvPr id="3" name="그림 2"/>
+          <p:cNvPr id="5" name="그림 4"/>
           <p:cNvPicPr>
             <a:picLocks noChangeAspect="1"/>
           </p:cNvPicPr>
@@ -5790,7 +5880,7 @@
         </p:blipFill>
         <p:spPr>
           <a:xfrm>
-            <a:off x="3848975" y="4444650"/>
+            <a:off x="5162164" y="1540392"/>
             <a:ext cx="1207010" cy="1207010"/>
           </a:xfrm>
           <a:prstGeom prst="rect">
@@ -5798,66 +5888,6 @@
           </a:prstGeom>
         </p:spPr>
       </p:pic>
-      <p:pic>
-        <p:nvPicPr>
-          <p:cNvPr id="4" name="그림 3"/>
-          <p:cNvPicPr>
-            <a:picLocks noChangeAspect="1"/>
-          </p:cNvPicPr>
-          <p:nvPr/>
-        </p:nvPicPr>
-        <p:blipFill>
-          <a:blip r:embed="rId3" cstate="print">
-            <a:extLst>
-              <a:ext uri="{28A0092B-C50C-407E-A947-70E740481C1C}">
-                <a14:useLocalDpi xmlns:a14="http://schemas.microsoft.com/office/drawing/2010/main" val="0"/>
-              </a:ext>
-            </a:extLst>
-          </a:blip>
-          <a:stretch>
-            <a:fillRect/>
-          </a:stretch>
-        </p:blipFill>
-        <p:spPr>
-          <a:xfrm>
-            <a:off x="2303677" y="4444650"/>
-            <a:ext cx="1207010" cy="1207010"/>
-          </a:xfrm>
-          <a:prstGeom prst="rect">
-            <a:avLst/>
-          </a:prstGeom>
-        </p:spPr>
-      </p:pic>
-      <p:pic>
-        <p:nvPicPr>
-          <p:cNvPr id="5" name="그림 4"/>
-          <p:cNvPicPr>
-            <a:picLocks noChangeAspect="1"/>
-          </p:cNvPicPr>
-          <p:nvPr/>
-        </p:nvPicPr>
-        <p:blipFill>
-          <a:blip r:embed="rId4" cstate="print">
-            <a:extLst>
-              <a:ext uri="{28A0092B-C50C-407E-A947-70E740481C1C}">
-                <a14:useLocalDpi xmlns:a14="http://schemas.microsoft.com/office/drawing/2010/main" val="0"/>
-              </a:ext>
-            </a:extLst>
-          </a:blip>
-          <a:stretch>
-            <a:fillRect/>
-          </a:stretch>
-        </p:blipFill>
-        <p:spPr>
-          <a:xfrm>
-            <a:off x="230784" y="433535"/>
-            <a:ext cx="1207010" cy="1207010"/>
-          </a:xfrm>
-          <a:prstGeom prst="rect">
-            <a:avLst/>
-          </a:prstGeom>
-        </p:spPr>
-      </p:pic>
       <p:sp>
         <p:nvSpPr>
           <p:cNvPr id="6" name="TextBox 5"/>
@@ -5866,8 +5896,8 @@
         </p:nvSpPr>
         <p:spPr>
           <a:xfrm>
-            <a:off x="1581131" y="285539"/>
-            <a:ext cx="10563224" cy="1508105"/>
+            <a:off x="1212026" y="826270"/>
+            <a:ext cx="9565841" cy="369332"/>
           </a:xfrm>
           <a:prstGeom prst="rect">
             <a:avLst/>
@@ -5889,57 +5919,7 @@
             </a:pPr>
             <a:r>
               <a:rPr lang="en-US" dirty="0"/>
-              <a:t>There are three possible positions for the tilted bars (red circles)</a:t>
-            </a:r>
-          </a:p>
-          <a:p>
-            <a:pPr marL="285750" indent="-285750">
-              <a:spcAft>
-                <a:spcPts val="1200"/>
-              </a:spcAft>
-              <a:buFontTx/>
-              <a:buChar char="-"/>
-            </a:pPr>
-            <a:r>
-              <a:rPr lang="en-US" dirty="0"/>
-              <a:t>In the cue frame, the target bar (15</a:t>
-            </a:r>
-            <a:r>
-              <a:rPr lang="en-US" baseline="30000" dirty="0"/>
-              <a:t>◦</a:t>
-            </a:r>
-            <a:r>
-              <a:rPr lang="en-US" dirty="0"/>
-              <a:t>) and the distractor bar (45</a:t>
-            </a:r>
-            <a:r>
-              <a:rPr lang="en-US" baseline="30000" dirty="0"/>
-              <a:t>◦</a:t>
-            </a:r>
-            <a:r>
-              <a:rPr lang="en-US" dirty="0"/>
-              <a:t>) are presented in two different positions</a:t>
-            </a:r>
-          </a:p>
-          <a:p>
-            <a:pPr marL="285750" indent="-285750">
-              <a:spcAft>
-                <a:spcPts val="1200"/>
-              </a:spcAft>
-              <a:buFontTx/>
-              <a:buChar char="-"/>
-            </a:pPr>
-            <a:r>
-              <a:rPr lang="en-US" dirty="0"/>
-              <a:t>In the probe frame, the target bar (15</a:t>
-            </a:r>
-            <a:r>
-              <a:rPr lang="en-US" baseline="30000" dirty="0"/>
-              <a:t>◦</a:t>
-            </a:r>
-            <a:r>
-              <a:rPr lang="en-US" dirty="0"/>
-              <a:t>) can be presented in any of the three positions, therefore, it may be in the same position as cue-target position, the cue-distractor position, or the third position</a:t>
+              <a:t>The tilted bars will always be presented in one of three positions, as shown below (red circles).</a:t>
             </a:r>
           </a:p>
         </p:txBody>
@@ -5952,7 +5932,7 @@
         </p:nvSpPr>
         <p:spPr>
           <a:xfrm>
-            <a:off x="712169" y="673930"/>
+            <a:off x="5643549" y="1780787"/>
             <a:ext cx="243997" cy="243997"/>
           </a:xfrm>
           <a:prstGeom prst="ellipse">
@@ -5998,7 +5978,7 @@
         </p:nvSpPr>
         <p:spPr>
           <a:xfrm>
-            <a:off x="941569" y="1038082"/>
+            <a:off x="5872949" y="2144939"/>
             <a:ext cx="243997" cy="243997"/>
           </a:xfrm>
           <a:prstGeom prst="ellipse">
@@ -6044,7 +6024,7 @@
         </p:nvSpPr>
         <p:spPr>
           <a:xfrm>
-            <a:off x="487576" y="1036473"/>
+            <a:off x="5418956" y="2143330"/>
             <a:ext cx="243997" cy="243997"/>
           </a:xfrm>
           <a:prstGeom prst="ellipse">
@@ -6084,14 +6064,14 @@
       </p:sp>
       <p:sp>
         <p:nvSpPr>
-          <p:cNvPr id="12" name="TextBox 11"/>
+          <p:cNvPr id="27" name="TextBox 26"/>
           <p:cNvSpPr txBox="1"/>
           <p:nvPr/>
         </p:nvSpPr>
         <p:spPr>
           <a:xfrm>
-            <a:off x="758379" y="2126161"/>
-            <a:ext cx="3407343" cy="369332"/>
+            <a:off x="2644831" y="2871280"/>
+            <a:ext cx="6343049" cy="1200329"/>
           </a:xfrm>
           <a:prstGeom prst="rect">
             <a:avLst/>
@@ -6104,432 +6084,33 @@
           </a:bodyPr>
           <a:lstStyle/>
           <a:p>
-            <a:r>
-              <a:rPr lang="en-US" dirty="0"/>
-              <a:t>ex. Cue frame and Probe frames</a:t>
-            </a:r>
-          </a:p>
-        </p:txBody>
-      </p:sp>
-      <p:pic>
-        <p:nvPicPr>
-          <p:cNvPr id="13" name="그림 12"/>
-          <p:cNvPicPr>
-            <a:picLocks noChangeAspect="1"/>
-          </p:cNvPicPr>
-          <p:nvPr/>
-        </p:nvPicPr>
-        <p:blipFill>
-          <a:blip r:embed="rId5" cstate="print">
-            <a:extLst>
-              <a:ext uri="{28A0092B-C50C-407E-A947-70E740481C1C}">
-                <a14:useLocalDpi xmlns:a14="http://schemas.microsoft.com/office/drawing/2010/main" val="0"/>
-              </a:ext>
-            </a:extLst>
-          </a:blip>
-          <a:stretch>
-            <a:fillRect/>
-          </a:stretch>
-        </p:blipFill>
-        <p:spPr>
-          <a:xfrm>
-            <a:off x="758379" y="4444650"/>
-            <a:ext cx="1207010" cy="1207010"/>
-          </a:xfrm>
-          <a:prstGeom prst="rect">
-            <a:avLst/>
-          </a:prstGeom>
-        </p:spPr>
-      </p:pic>
-      <p:grpSp>
-        <p:nvGrpSpPr>
-          <p:cNvPr id="17" name="그룹 16"/>
-          <p:cNvGrpSpPr/>
-          <p:nvPr/>
-        </p:nvGrpSpPr>
-        <p:grpSpPr>
-          <a:xfrm>
-            <a:off x="2118312" y="2729440"/>
-            <a:ext cx="2136644" cy="1207010"/>
-            <a:chOff x="2283832" y="2694728"/>
-            <a:chExt cx="2136644" cy="1207010"/>
-          </a:xfrm>
-        </p:grpSpPr>
-        <p:pic>
-          <p:nvPicPr>
-            <p:cNvPr id="11" name="그림 10"/>
-            <p:cNvPicPr>
-              <a:picLocks noChangeAspect="1"/>
-            </p:cNvPicPr>
-            <p:nvPr/>
-          </p:nvPicPr>
-          <p:blipFill>
-            <a:blip r:embed="rId4" cstate="print">
-              <a:extLst>
-                <a:ext uri="{28A0092B-C50C-407E-A947-70E740481C1C}">
-                  <a14:useLocalDpi xmlns:a14="http://schemas.microsoft.com/office/drawing/2010/main" val="0"/>
-                </a:ext>
-              </a:extLst>
-            </a:blip>
-            <a:stretch>
-              <a:fillRect/>
-            </a:stretch>
-          </p:blipFill>
-          <p:spPr>
-            <a:xfrm>
-              <a:off x="2469197" y="2694728"/>
-              <a:ext cx="1207010" cy="1207010"/>
-            </a:xfrm>
-            <a:prstGeom prst="rect">
-              <a:avLst/>
-            </a:prstGeom>
-          </p:spPr>
-        </p:pic>
-        <p:sp>
-          <p:nvSpPr>
-            <p:cNvPr id="14" name="TextBox 13"/>
-            <p:cNvSpPr txBox="1"/>
-            <p:nvPr/>
-          </p:nvSpPr>
-          <p:spPr>
-            <a:xfrm>
-              <a:off x="2283832" y="2885490"/>
-              <a:ext cx="859915" cy="307777"/>
-            </a:xfrm>
-            <a:prstGeom prst="rect">
-              <a:avLst/>
-            </a:prstGeom>
-            <a:noFill/>
-          </p:spPr>
-          <p:txBody>
-            <a:bodyPr wrap="none" rtlCol="0">
-              <a:spAutoFit/>
-            </a:bodyPr>
-            <a:lstStyle/>
-            <a:p>
-              <a:r>
-                <a:rPr lang="en-US" sz="1400" b="1" dirty="0">
-                  <a:solidFill>
-                    <a:srgbClr val="FF0000"/>
-                  </a:solidFill>
-                </a:rPr>
-                <a:t>Target </a:t>
-              </a:r>
-              <a:r>
-                <a:rPr lang="en-US" sz="1400" b="1" dirty="0">
-                  <a:solidFill>
-                    <a:srgbClr val="FF0000"/>
-                  </a:solidFill>
-                  <a:sym typeface="Wingdings" panose="05000000000000000000" pitchFamily="2" charset="2"/>
-                </a:rPr>
-                <a:t></a:t>
-              </a:r>
-              <a:endParaRPr lang="en-US" sz="1400" b="1" dirty="0">
-                <a:solidFill>
-                  <a:srgbClr val="FF0000"/>
-                </a:solidFill>
-              </a:endParaRPr>
-            </a:p>
-          </p:txBody>
-        </p:sp>
-        <p:sp>
-          <p:nvSpPr>
-            <p:cNvPr id="15" name="TextBox 14"/>
-            <p:cNvSpPr txBox="1"/>
-            <p:nvPr/>
-          </p:nvSpPr>
-          <p:spPr>
-            <a:xfrm>
-              <a:off x="3300939" y="3246168"/>
-              <a:ext cx="1119537" cy="307777"/>
-            </a:xfrm>
-            <a:prstGeom prst="rect">
-              <a:avLst/>
-            </a:prstGeom>
-            <a:noFill/>
-          </p:spPr>
-          <p:txBody>
-            <a:bodyPr wrap="none" rtlCol="0">
-              <a:spAutoFit/>
-            </a:bodyPr>
-            <a:lstStyle/>
-            <a:p>
-              <a:r>
-                <a:rPr lang="en-US" sz="1400" b="1" dirty="0">
-                  <a:solidFill>
-                    <a:srgbClr val="FF0000"/>
-                  </a:solidFill>
-                  <a:sym typeface="Wingdings" panose="05000000000000000000" pitchFamily="2" charset="2"/>
-                </a:rPr>
-                <a:t> </a:t>
-              </a:r>
-              <a:r>
-                <a:rPr lang="en-US" sz="1400" b="1" dirty="0">
-                  <a:solidFill>
-                    <a:srgbClr val="FF0000"/>
-                  </a:solidFill>
-                </a:rPr>
-                <a:t>distractor</a:t>
-              </a:r>
-            </a:p>
-          </p:txBody>
-        </p:sp>
-      </p:grpSp>
-      <p:sp>
-        <p:nvSpPr>
-          <p:cNvPr id="16" name="TextBox 15"/>
-          <p:cNvSpPr txBox="1"/>
-          <p:nvPr/>
-        </p:nvSpPr>
-        <p:spPr>
-          <a:xfrm>
-            <a:off x="2358702" y="2440925"/>
-            <a:ext cx="1096959" cy="338554"/>
-          </a:xfrm>
-          <a:prstGeom prst="rect">
-            <a:avLst/>
-          </a:prstGeom>
-          <a:noFill/>
-        </p:spPr>
-        <p:txBody>
-          <a:bodyPr wrap="square" rtlCol="0">
-            <a:spAutoFit/>
-          </a:bodyPr>
-          <a:lstStyle/>
-          <a:p>
-            <a:r>
-              <a:rPr lang="en-US" sz="1600" b="1" u="sng" dirty="0"/>
-              <a:t>Cue frame</a:t>
-            </a:r>
-          </a:p>
-        </p:txBody>
-      </p:sp>
-      <p:sp>
-        <p:nvSpPr>
-          <p:cNvPr id="18" name="TextBox 17"/>
-          <p:cNvSpPr txBox="1"/>
-          <p:nvPr/>
-        </p:nvSpPr>
-        <p:spPr>
-          <a:xfrm>
-            <a:off x="2303677" y="4127212"/>
-            <a:ext cx="1337351" cy="338554"/>
-          </a:xfrm>
-          <a:prstGeom prst="rect">
-            <a:avLst/>
-          </a:prstGeom>
-          <a:noFill/>
-        </p:spPr>
-        <p:txBody>
-          <a:bodyPr wrap="square" rtlCol="0">
-            <a:spAutoFit/>
-          </a:bodyPr>
-          <a:lstStyle/>
-          <a:p>
-            <a:pPr algn="ctr"/>
-            <a:r>
-              <a:rPr lang="en-US" sz="1600" b="1" u="sng" dirty="0"/>
-              <a:t>Probe frame</a:t>
-            </a:r>
-          </a:p>
-        </p:txBody>
-      </p:sp>
-      <p:sp>
-        <p:nvSpPr>
-          <p:cNvPr id="19" name="TextBox 18"/>
-          <p:cNvSpPr txBox="1"/>
-          <p:nvPr/>
-        </p:nvSpPr>
-        <p:spPr>
-          <a:xfrm>
-            <a:off x="1929353" y="4878878"/>
-            <a:ext cx="410361" cy="338554"/>
-          </a:xfrm>
-          <a:prstGeom prst="rect">
-            <a:avLst/>
-          </a:prstGeom>
-          <a:noFill/>
-        </p:spPr>
-        <p:txBody>
-          <a:bodyPr wrap="square" rtlCol="0">
-            <a:spAutoFit/>
-          </a:bodyPr>
-          <a:lstStyle/>
-          <a:p>
-            <a:pPr algn="ctr"/>
-            <a:r>
-              <a:rPr lang="en-US" sz="1600" b="1" dirty="0"/>
-              <a:t>or</a:t>
-            </a:r>
-          </a:p>
-        </p:txBody>
-      </p:sp>
-      <p:sp>
-        <p:nvSpPr>
-          <p:cNvPr id="20" name="TextBox 19"/>
-          <p:cNvSpPr txBox="1"/>
-          <p:nvPr/>
-        </p:nvSpPr>
-        <p:spPr>
-          <a:xfrm>
-            <a:off x="3491870" y="4878878"/>
-            <a:ext cx="410361" cy="338554"/>
-          </a:xfrm>
-          <a:prstGeom prst="rect">
-            <a:avLst/>
-          </a:prstGeom>
-          <a:noFill/>
-        </p:spPr>
-        <p:txBody>
-          <a:bodyPr wrap="square" rtlCol="0">
-            <a:spAutoFit/>
-          </a:bodyPr>
-          <a:lstStyle/>
-          <a:p>
-            <a:pPr algn="ctr"/>
-            <a:r>
-              <a:rPr lang="en-US" sz="1600" b="1" dirty="0"/>
-              <a:t>or</a:t>
-            </a:r>
-          </a:p>
-        </p:txBody>
-      </p:sp>
-      <p:sp>
-        <p:nvSpPr>
-          <p:cNvPr id="27" name="TextBox 26"/>
-          <p:cNvSpPr txBox="1"/>
-          <p:nvPr/>
-        </p:nvSpPr>
-        <p:spPr>
-          <a:xfrm>
-            <a:off x="5623162" y="2113649"/>
-            <a:ext cx="6343049" cy="2185214"/>
-          </a:xfrm>
-          <a:prstGeom prst="rect">
-            <a:avLst/>
-          </a:prstGeom>
-          <a:noFill/>
-        </p:spPr>
-        <p:txBody>
-          <a:bodyPr wrap="square" rtlCol="0">
-            <a:spAutoFit/>
-          </a:bodyPr>
-          <a:lstStyle/>
-          <a:p>
-            <a:pPr marL="285750" indent="-285750">
-              <a:spcAft>
-                <a:spcPts val="1200"/>
-              </a:spcAft>
-              <a:buFontTx/>
-              <a:buChar char="-"/>
-            </a:pPr>
-            <a:r>
-              <a:rPr lang="en-US" dirty="0"/>
-              <a:t>The target positions are not important. Your task is to detect whether target bars in cue and probe frames are tilted in a same direction or not</a:t>
-            </a:r>
-          </a:p>
-          <a:p>
             <a:pPr marL="285750" indent="-285750">
               <a:buFontTx/>
               <a:buChar char="-"/>
             </a:pPr>
             <a:r>
               <a:rPr lang="en-US" dirty="0"/>
-              <a:t>If both are tilted in a same direction (both clockwise and counter-clockwise) press the left button, otherwise the right button if they are in different directions</a:t>
+              <a:t>If both targets are tilted in the same direction, press the </a:t>
+            </a:r>
+            <a:r>
+              <a:rPr lang="en-US" b="1" i="1" dirty="0"/>
+              <a:t>left</a:t>
+            </a:r>
+            <a:r>
+              <a:rPr lang="en-US" dirty="0"/>
+              <a:t> button, otherwise the </a:t>
+            </a:r>
+            <a:r>
+              <a:rPr lang="en-US" b="1" i="1" dirty="0"/>
+              <a:t>right</a:t>
+            </a:r>
+            <a:r>
+              <a:rPr lang="en-US" dirty="0"/>
+              <a:t> button if they are in different directions</a:t>
             </a:r>
           </a:p>
           <a:p>
             <a:endParaRPr lang="en-US" dirty="0"/>
-          </a:p>
-        </p:txBody>
-      </p:sp>
-      <p:sp>
-        <p:nvSpPr>
-          <p:cNvPr id="28" name="TextBox 27"/>
-          <p:cNvSpPr txBox="1"/>
-          <p:nvPr/>
-        </p:nvSpPr>
-        <p:spPr>
-          <a:xfrm>
-            <a:off x="528236" y="5723246"/>
-            <a:ext cx="1667296" cy="523220"/>
-          </a:xfrm>
-          <a:prstGeom prst="rect">
-            <a:avLst/>
-          </a:prstGeom>
-          <a:noFill/>
-        </p:spPr>
-        <p:txBody>
-          <a:bodyPr wrap="square" rtlCol="0">
-            <a:spAutoFit/>
-          </a:bodyPr>
-          <a:lstStyle/>
-          <a:p>
-            <a:pPr algn="ctr"/>
-            <a:r>
-              <a:rPr lang="en-US" sz="1400" dirty="0"/>
-              <a:t>Same position as cue-target</a:t>
-            </a:r>
-          </a:p>
-        </p:txBody>
-      </p:sp>
-      <p:sp>
-        <p:nvSpPr>
-          <p:cNvPr id="29" name="TextBox 28"/>
-          <p:cNvSpPr txBox="1"/>
-          <p:nvPr/>
-        </p:nvSpPr>
-        <p:spPr>
-          <a:xfrm>
-            <a:off x="2073533" y="5723246"/>
-            <a:ext cx="1667296" cy="523220"/>
-          </a:xfrm>
-          <a:prstGeom prst="rect">
-            <a:avLst/>
-          </a:prstGeom>
-          <a:noFill/>
-        </p:spPr>
-        <p:txBody>
-          <a:bodyPr wrap="square" rtlCol="0">
-            <a:spAutoFit/>
-          </a:bodyPr>
-          <a:lstStyle/>
-          <a:p>
-            <a:pPr algn="ctr"/>
-            <a:r>
-              <a:rPr lang="en-US" sz="1400" dirty="0"/>
-              <a:t>Same position as cue-distractor</a:t>
-            </a:r>
-          </a:p>
-        </p:txBody>
-      </p:sp>
-      <p:sp>
-        <p:nvSpPr>
-          <p:cNvPr id="30" name="TextBox 29"/>
-          <p:cNvSpPr txBox="1"/>
-          <p:nvPr/>
-        </p:nvSpPr>
-        <p:spPr>
-          <a:xfrm>
-            <a:off x="3618832" y="5830967"/>
-            <a:ext cx="1667296" cy="307777"/>
-          </a:xfrm>
-          <a:prstGeom prst="rect">
-            <a:avLst/>
-          </a:prstGeom>
-          <a:noFill/>
-        </p:spPr>
-        <p:txBody>
-          <a:bodyPr wrap="square" rtlCol="0">
-            <a:spAutoFit/>
-          </a:bodyPr>
-          <a:lstStyle/>
-          <a:p>
-            <a:pPr algn="ctr"/>
-            <a:r>
-              <a:rPr lang="en-US" sz="1400" dirty="0"/>
-              <a:t>The third position</a:t>
-            </a:r>
           </a:p>
         </p:txBody>
       </p:sp>
@@ -6541,7 +6122,7 @@
         </p:nvSpPr>
         <p:spPr>
           <a:xfrm>
-            <a:off x="537861" y="4673601"/>
+            <a:off x="4836246" y="1723354"/>
             <a:ext cx="859915" cy="307777"/>
           </a:xfrm>
           <a:prstGeom prst="rect">
@@ -6580,95 +6161,6 @@
           </a:p>
         </p:txBody>
       </p:sp>
-      <p:sp>
-        <p:nvSpPr>
-          <p:cNvPr id="32" name="TextBox 31"/>
-          <p:cNvSpPr txBox="1"/>
-          <p:nvPr/>
-        </p:nvSpPr>
-        <p:spPr>
-          <a:xfrm>
-            <a:off x="2342119" y="5028298"/>
-            <a:ext cx="859915" cy="307777"/>
-          </a:xfrm>
-          <a:prstGeom prst="rect">
-            <a:avLst/>
-          </a:prstGeom>
-          <a:noFill/>
-        </p:spPr>
-        <p:txBody>
-          <a:bodyPr wrap="none" rtlCol="0">
-            <a:spAutoFit/>
-          </a:bodyPr>
-          <a:lstStyle/>
-          <a:p>
-            <a:r>
-              <a:rPr lang="en-US" sz="1400" b="1" dirty="0">
-                <a:solidFill>
-                  <a:srgbClr val="FF0000"/>
-                </a:solidFill>
-              </a:rPr>
-              <a:t>Target </a:t>
-            </a:r>
-            <a:r>
-              <a:rPr lang="en-US" sz="1400" b="1" dirty="0">
-                <a:solidFill>
-                  <a:srgbClr val="FF0000"/>
-                </a:solidFill>
-                <a:sym typeface="Wingdings" panose="05000000000000000000" pitchFamily="2" charset="2"/>
-              </a:rPr>
-              <a:t></a:t>
-            </a:r>
-            <a:endParaRPr lang="en-US" sz="1400" b="1" dirty="0">
-              <a:solidFill>
-                <a:srgbClr val="FF0000"/>
-              </a:solidFill>
-            </a:endParaRPr>
-          </a:p>
-        </p:txBody>
-      </p:sp>
-      <p:sp>
-        <p:nvSpPr>
-          <p:cNvPr id="33" name="TextBox 32"/>
-          <p:cNvSpPr txBox="1"/>
-          <p:nvPr/>
-        </p:nvSpPr>
-        <p:spPr>
-          <a:xfrm>
-            <a:off x="4194472" y="5028298"/>
-            <a:ext cx="859915" cy="307777"/>
-          </a:xfrm>
-          <a:prstGeom prst="rect">
-            <a:avLst/>
-          </a:prstGeom>
-          <a:noFill/>
-        </p:spPr>
-        <p:txBody>
-          <a:bodyPr wrap="none" rtlCol="0">
-            <a:spAutoFit/>
-          </a:bodyPr>
-          <a:lstStyle/>
-          <a:p>
-            <a:r>
-              <a:rPr lang="en-US" sz="1400" b="1" dirty="0">
-                <a:solidFill>
-                  <a:srgbClr val="FF0000"/>
-                </a:solidFill>
-                <a:sym typeface="Wingdings" panose="05000000000000000000" pitchFamily="2" charset="2"/>
-              </a:rPr>
-              <a:t> </a:t>
-            </a:r>
-            <a:r>
-              <a:rPr lang="en-US" sz="1400" b="1" dirty="0">
-                <a:solidFill>
-                  <a:srgbClr val="FF0000"/>
-                </a:solidFill>
-              </a:rPr>
-              <a:t>Target</a:t>
-            </a:r>
-          </a:p>
-        </p:txBody>
-      </p:sp>
       <p:grpSp>
         <p:nvGrpSpPr>
           <p:cNvPr id="43" name="그룹 42"/>
@@ -6677,7 +6169,7 @@
         </p:nvGrpSpPr>
         <p:grpSpPr>
           <a:xfrm>
-            <a:off x="5956243" y="4516236"/>
+            <a:off x="2977912" y="4516236"/>
             <a:ext cx="2667476" cy="1207010"/>
             <a:chOff x="6200408" y="4444741"/>
             <a:chExt cx="2667476" cy="1207010"/>
@@ -6692,7 +6184,7 @@
             <p:nvPr/>
           </p:nvPicPr>
           <p:blipFill>
-            <a:blip r:embed="rId4" cstate="print">
+            <a:blip r:embed="rId2" cstate="print">
               <a:extLst>
                 <a:ext uri="{28A0092B-C50C-407E-A947-70E740481C1C}">
                   <a14:useLocalDpi xmlns:a14="http://schemas.microsoft.com/office/drawing/2010/main" val="0"/>
@@ -6722,7 +6214,7 @@
             <p:nvPr/>
           </p:nvPicPr>
           <p:blipFill>
-            <a:blip r:embed="rId2" cstate="print">
+            <a:blip r:embed="rId3" cstate="print">
               <a:extLst>
                 <a:ext uri="{28A0092B-C50C-407E-A947-70E740481C1C}">
                   <a14:useLocalDpi xmlns:a14="http://schemas.microsoft.com/office/drawing/2010/main" val="0"/>
@@ -6805,7 +6297,7 @@
         </p:nvSpPr>
         <p:spPr>
           <a:xfrm>
-            <a:off x="6303392" y="5865904"/>
+            <a:off x="3325061" y="5865904"/>
             <a:ext cx="1973179" cy="646331"/>
           </a:xfrm>
           <a:prstGeom prst="rect">
@@ -6834,7 +6326,7 @@
         </p:nvGrpSpPr>
         <p:grpSpPr>
           <a:xfrm>
-            <a:off x="9150417" y="4516236"/>
+            <a:off x="6172086" y="4516236"/>
             <a:ext cx="2648226" cy="1207010"/>
             <a:chOff x="9394582" y="4444741"/>
             <a:chExt cx="2648226" cy="1207010"/>
@@ -6849,7 +6341,7 @@
             <p:nvPr/>
           </p:nvPicPr>
           <p:blipFill>
-            <a:blip r:embed="rId4" cstate="print">
+            <a:blip r:embed="rId2" cstate="print">
               <a:extLst>
                 <a:ext uri="{28A0092B-C50C-407E-A947-70E740481C1C}">
                   <a14:useLocalDpi xmlns:a14="http://schemas.microsoft.com/office/drawing/2010/main" val="0"/>
@@ -6879,7 +6371,7 @@
             <p:nvPr/>
           </p:nvPicPr>
           <p:blipFill>
-            <a:blip r:embed="rId2" cstate="print">
+            <a:blip r:embed="rId3" cstate="print">
               <a:extLst>
                 <a:ext uri="{28A0092B-C50C-407E-A947-70E740481C1C}">
                   <a14:useLocalDpi xmlns:a14="http://schemas.microsoft.com/office/drawing/2010/main" val="0"/>
@@ -6962,7 +6454,7 @@
         </p:nvSpPr>
         <p:spPr>
           <a:xfrm>
-            <a:off x="9435482" y="5865904"/>
+            <a:off x="6457151" y="5865904"/>
             <a:ext cx="2078097" cy="646331"/>
           </a:xfrm>
           <a:prstGeom prst="rect">
@@ -6991,7 +6483,7 @@
         </p:nvSpPr>
         <p:spPr>
           <a:xfrm>
-            <a:off x="6011268" y="4208227"/>
+            <a:off x="3032937" y="4208227"/>
             <a:ext cx="1096959" cy="338554"/>
           </a:xfrm>
           <a:prstGeom prst="rect">
@@ -7007,7 +6499,7 @@
           <a:p>
             <a:r>
               <a:rPr lang="en-US" sz="1600" b="1" u="sng" dirty="0"/>
-              <a:t>Cue frame</a:t>
+              <a:t>First disk</a:t>
             </a:r>
           </a:p>
         </p:txBody>
@@ -7020,7 +6512,7 @@
         </p:nvSpPr>
         <p:spPr>
           <a:xfrm>
-            <a:off x="7350017" y="4204301"/>
+            <a:off x="4371686" y="4204301"/>
             <a:ext cx="1337351" cy="338554"/>
           </a:xfrm>
           <a:prstGeom prst="rect">
@@ -7037,7 +6529,7 @@
             <a:pPr algn="ctr"/>
             <a:r>
               <a:rPr lang="en-US" sz="1600" b="1" u="sng" dirty="0"/>
-              <a:t>Probe frame</a:t>
+              <a:t>Second disk</a:t>
             </a:r>
           </a:p>
         </p:txBody>
@@ -7050,7 +6542,7 @@
         </p:nvSpPr>
         <p:spPr>
           <a:xfrm>
-            <a:off x="9224237" y="4208227"/>
+            <a:off x="6245906" y="4208227"/>
             <a:ext cx="1096959" cy="338554"/>
           </a:xfrm>
           <a:prstGeom prst="rect">
@@ -7066,7 +6558,7 @@
           <a:p>
             <a:r>
               <a:rPr lang="en-US" sz="1600" b="1" u="sng" dirty="0"/>
-              <a:t>Cue frame</a:t>
+              <a:t>First disk</a:t>
             </a:r>
           </a:p>
         </p:txBody>
@@ -7079,7 +6571,7 @@
         </p:nvSpPr>
         <p:spPr>
           <a:xfrm>
-            <a:off x="10562839" y="4204301"/>
+            <a:off x="7584508" y="4204301"/>
             <a:ext cx="1337351" cy="338554"/>
           </a:xfrm>
           <a:prstGeom prst="rect">
@@ -7096,8 +6588,215 @@
             <a:pPr algn="ctr"/>
             <a:r>
               <a:rPr lang="en-US" sz="1600" b="1" u="sng" dirty="0"/>
-              <a:t>Probe frame</a:t>
-            </a:r>
+              <a:t>Second disk</a:t>
+            </a:r>
+          </a:p>
+        </p:txBody>
+      </p:sp>
+      <p:sp>
+        <p:nvSpPr>
+          <p:cNvPr id="48" name="TextBox 30">
+            <a:extLst>
+              <a:ext uri="{FF2B5EF4-FFF2-40B4-BE49-F238E27FC236}">
+                <a16:creationId xmlns:a16="http://schemas.microsoft.com/office/drawing/2014/main" id="{83003DCE-694C-4E32-ACF0-56DB2BA34465}"/>
+              </a:ext>
+            </a:extLst>
+          </p:cNvPr>
+          <p:cNvSpPr txBox="1"/>
+          <p:nvPr/>
+        </p:nvSpPr>
+        <p:spPr>
+          <a:xfrm>
+            <a:off x="2721501" y="4742714"/>
+            <a:ext cx="859915" cy="307777"/>
+          </a:xfrm>
+          <a:prstGeom prst="rect">
+            <a:avLst/>
+          </a:prstGeom>
+          <a:noFill/>
+        </p:spPr>
+        <p:txBody>
+          <a:bodyPr wrap="none" rtlCol="0">
+            <a:spAutoFit/>
+          </a:bodyPr>
+          <a:lstStyle/>
+          <a:p>
+            <a:r>
+              <a:rPr lang="en-US" sz="1400" b="1" dirty="0">
+                <a:solidFill>
+                  <a:srgbClr val="FF0000"/>
+                </a:solidFill>
+              </a:rPr>
+              <a:t>Target </a:t>
+            </a:r>
+            <a:r>
+              <a:rPr lang="en-US" sz="1400" b="1" dirty="0">
+                <a:solidFill>
+                  <a:srgbClr val="FF0000"/>
+                </a:solidFill>
+                <a:sym typeface="Wingdings" panose="05000000000000000000" pitchFamily="2" charset="2"/>
+              </a:rPr>
+              <a:t></a:t>
+            </a:r>
+            <a:endParaRPr lang="en-US" sz="1400" b="1" dirty="0">
+              <a:solidFill>
+                <a:srgbClr val="FF0000"/>
+              </a:solidFill>
+            </a:endParaRPr>
+          </a:p>
+        </p:txBody>
+      </p:sp>
+      <p:sp>
+        <p:nvSpPr>
+          <p:cNvPr id="50" name="TextBox 32">
+            <a:extLst>
+              <a:ext uri="{FF2B5EF4-FFF2-40B4-BE49-F238E27FC236}">
+                <a16:creationId xmlns:a16="http://schemas.microsoft.com/office/drawing/2014/main" id="{7BBC3BD8-F9D3-41B7-B423-DC4A3CEA76A0}"/>
+              </a:ext>
+            </a:extLst>
+          </p:cNvPr>
+          <p:cNvSpPr txBox="1"/>
+          <p:nvPr/>
+        </p:nvSpPr>
+        <p:spPr>
+          <a:xfrm>
+            <a:off x="4836246" y="5081359"/>
+            <a:ext cx="859915" cy="307777"/>
+          </a:xfrm>
+          <a:prstGeom prst="rect">
+            <a:avLst/>
+          </a:prstGeom>
+          <a:noFill/>
+        </p:spPr>
+        <p:txBody>
+          <a:bodyPr wrap="none" rtlCol="0">
+            <a:spAutoFit/>
+          </a:bodyPr>
+          <a:lstStyle/>
+          <a:p>
+            <a:r>
+              <a:rPr lang="en-US" sz="1400" b="1" dirty="0">
+                <a:solidFill>
+                  <a:srgbClr val="FF0000"/>
+                </a:solidFill>
+                <a:sym typeface="Wingdings" panose="05000000000000000000" pitchFamily="2" charset="2"/>
+              </a:rPr>
+              <a:t> </a:t>
+            </a:r>
+            <a:r>
+              <a:rPr lang="en-US" sz="1400" b="1" dirty="0">
+                <a:solidFill>
+                  <a:srgbClr val="FF0000"/>
+                </a:solidFill>
+              </a:rPr>
+              <a:t>Target</a:t>
+            </a:r>
+          </a:p>
+        </p:txBody>
+      </p:sp>
+      <p:sp>
+        <p:nvSpPr>
+          <p:cNvPr id="51" name="TextBox 30">
+            <a:extLst>
+              <a:ext uri="{FF2B5EF4-FFF2-40B4-BE49-F238E27FC236}">
+                <a16:creationId xmlns:a16="http://schemas.microsoft.com/office/drawing/2014/main" id="{1FEE786D-E7FA-4B46-9B33-8F1DB85783E7}"/>
+              </a:ext>
+            </a:extLst>
+          </p:cNvPr>
+          <p:cNvSpPr txBox="1"/>
+          <p:nvPr/>
+        </p:nvSpPr>
+        <p:spPr>
+          <a:xfrm>
+            <a:off x="5933703" y="4744945"/>
+            <a:ext cx="859915" cy="307777"/>
+          </a:xfrm>
+          <a:prstGeom prst="rect">
+            <a:avLst/>
+          </a:prstGeom>
+          <a:noFill/>
+        </p:spPr>
+        <p:txBody>
+          <a:bodyPr wrap="none" rtlCol="0">
+            <a:spAutoFit/>
+          </a:bodyPr>
+          <a:lstStyle/>
+          <a:p>
+            <a:r>
+              <a:rPr lang="en-US" sz="1400" b="1" dirty="0">
+                <a:solidFill>
+                  <a:srgbClr val="FF0000"/>
+                </a:solidFill>
+              </a:rPr>
+              <a:t>Target </a:t>
+            </a:r>
+            <a:r>
+              <a:rPr lang="en-US" sz="1400" b="1" dirty="0">
+                <a:solidFill>
+                  <a:srgbClr val="FF0000"/>
+                </a:solidFill>
+                <a:sym typeface="Wingdings" panose="05000000000000000000" pitchFamily="2" charset="2"/>
+              </a:rPr>
+              <a:t></a:t>
+            </a:r>
+            <a:endParaRPr lang="en-US" sz="1400" b="1" dirty="0">
+              <a:solidFill>
+                <a:srgbClr val="FF0000"/>
+              </a:solidFill>
+            </a:endParaRPr>
+          </a:p>
+        </p:txBody>
+      </p:sp>
+      <p:sp>
+        <p:nvSpPr>
+          <p:cNvPr id="52" name="TextBox 30">
+            <a:extLst>
+              <a:ext uri="{FF2B5EF4-FFF2-40B4-BE49-F238E27FC236}">
+                <a16:creationId xmlns:a16="http://schemas.microsoft.com/office/drawing/2014/main" id="{09010302-3555-42EC-B0C1-DD0901092A90}"/>
+              </a:ext>
+            </a:extLst>
+          </p:cNvPr>
+          <p:cNvSpPr txBox="1"/>
+          <p:nvPr/>
+        </p:nvSpPr>
+        <p:spPr>
+          <a:xfrm>
+            <a:off x="7613302" y="5081358"/>
+            <a:ext cx="859915" cy="307777"/>
+          </a:xfrm>
+          <a:prstGeom prst="rect">
+            <a:avLst/>
+          </a:prstGeom>
+          <a:noFill/>
+        </p:spPr>
+        <p:txBody>
+          <a:bodyPr wrap="none" rtlCol="0">
+            <a:spAutoFit/>
+          </a:bodyPr>
+          <a:lstStyle/>
+          <a:p>
+            <a:r>
+              <a:rPr lang="en-US" sz="1400" b="1" dirty="0">
+                <a:solidFill>
+                  <a:srgbClr val="FF0000"/>
+                </a:solidFill>
+              </a:rPr>
+              <a:t>Target </a:t>
+            </a:r>
+            <a:r>
+              <a:rPr lang="en-US" sz="1400" b="1" dirty="0">
+                <a:solidFill>
+                  <a:srgbClr val="FF0000"/>
+                </a:solidFill>
+                <a:sym typeface="Wingdings" panose="05000000000000000000" pitchFamily="2" charset="2"/>
+              </a:rPr>
+              <a:t></a:t>
+            </a:r>
+            <a:endParaRPr lang="en-US" sz="1400" b="1" dirty="0">
+              <a:solidFill>
+                <a:srgbClr val="FF0000"/>
+              </a:solidFill>
+            </a:endParaRPr>
           </a:p>
         </p:txBody>
       </p:sp>
@@ -7123,6 +6822,9 @@
                     <p:cTn id="3" fill="hold">
                       <p:stCondLst>
                         <p:cond delay="indefinite"/>
+                        <p:cond evt="onBegin" delay="0">
+                          <p:tn val="2"/>
+                        </p:cond>
                       </p:stCondLst>
                       <p:childTnLst>
                         <p:par>
@@ -7132,7 +6834,7 @@
                             </p:stCondLst>
                             <p:childTnLst>
                               <p:par>
-                                <p:cTn id="5" presetID="1" presetClass="entr" presetSubtype="0" fill="hold" nodeType="clickEffect">
+                                <p:cTn id="5" presetID="1" presetClass="entr" presetSubtype="0" fill="hold" grpId="0" nodeType="withEffect">
                                   <p:stCondLst>
                                     <p:cond delay="0"/>
                                   </p:stCondLst>
@@ -7145,7 +6847,7 @@
                                           </p:stCondLst>
                                         </p:cTn>
                                         <p:tgtEl>
-                                          <p:spTgt spid="3"/>
+                                          <p:spTgt spid="31"/>
                                         </p:tgtEl>
                                         <p:attrNameLst>
                                           <p:attrName>style.visibility</p:attrName>
@@ -7158,21 +6860,39 @@
                                   </p:childTnLst>
                                 </p:cTn>
                               </p:par>
+                            </p:childTnLst>
+                          </p:cTn>
+                        </p:par>
+                      </p:childTnLst>
+                    </p:cTn>
+                  </p:par>
+                  <p:par>
+                    <p:cTn id="7" fill="hold">
+                      <p:stCondLst>
+                        <p:cond delay="indefinite"/>
+                      </p:stCondLst>
+                      <p:childTnLst>
+                        <p:par>
+                          <p:cTn id="8" fill="hold">
+                            <p:stCondLst>
+                              <p:cond delay="0"/>
+                            </p:stCondLst>
+                            <p:childTnLst>
                               <p:par>
-                                <p:cTn id="7" presetID="1" presetClass="entr" presetSubtype="0" fill="hold" nodeType="withEffect">
+                                <p:cTn id="9" presetID="1" presetClass="entr" presetSubtype="0" fill="hold" grpId="0" nodeType="clickEffect">
                                   <p:stCondLst>
                                     <p:cond delay="0"/>
                                   </p:stCondLst>
                                   <p:childTnLst>
                                     <p:set>
                                       <p:cBhvr>
-                                        <p:cTn id="8" dur="1" fill="hold">
+                                        <p:cTn id="10" dur="1" fill="hold">
                                           <p:stCondLst>
                                             <p:cond delay="0"/>
                                           </p:stCondLst>
                                         </p:cTn>
                                         <p:tgtEl>
-                                          <p:spTgt spid="4"/>
+                                          <p:spTgt spid="27"/>
                                         </p:tgtEl>
                                         <p:attrNameLst>
                                           <p:attrName>style.visibility</p:attrName>
@@ -7185,62 +6905,26 @@
                                   </p:childTnLst>
                                 </p:cTn>
                               </p:par>
+                            </p:childTnLst>
+                          </p:cTn>
+                        </p:par>
+                      </p:childTnLst>
+                    </p:cTn>
+                  </p:par>
+                  <p:par>
+                    <p:cTn id="11" fill="hold">
+                      <p:stCondLst>
+                        <p:cond delay="indefinite"/>
+                      </p:stCondLst>
+                      <p:childTnLst>
+                        <p:par>
+                          <p:cTn id="12" fill="hold">
+                            <p:stCondLst>
+                              <p:cond delay="0"/>
+                            </p:stCondLst>
+                            <p:childTnLst>
                               <p:par>
-                                <p:cTn id="9" presetID="1" presetClass="entr" presetSubtype="0" fill="hold" grpId="0" nodeType="withEffect">
-                                  <p:stCondLst>
-                                    <p:cond delay="0"/>
-                                  </p:stCondLst>
-                                  <p:childTnLst>
-                                    <p:set>
-                                      <p:cBhvr>
-                                        <p:cTn id="10" dur="1" fill="hold">
-                                          <p:stCondLst>
-                                            <p:cond delay="0"/>
-                                          </p:stCondLst>
-                                        </p:cTn>
-                                        <p:tgtEl>
-                                          <p:spTgt spid="12"/>
-                                        </p:tgtEl>
-                                        <p:attrNameLst>
-                                          <p:attrName>style.visibility</p:attrName>
-                                        </p:attrNameLst>
-                                      </p:cBhvr>
-                                      <p:to>
-                                        <p:strVal val="visible"/>
-                                      </p:to>
-                                    </p:set>
-                                  </p:childTnLst>
-                                </p:cTn>
-                              </p:par>
-                              <p:par>
-                                <p:cTn id="11" presetID="1" presetClass="entr" presetSubtype="0" fill="hold" nodeType="withEffect">
-                                  <p:stCondLst>
-                                    <p:cond delay="0"/>
-                                  </p:stCondLst>
-                                  <p:childTnLst>
-                                    <p:set>
-                                      <p:cBhvr>
-                                        <p:cTn id="12" dur="1" fill="hold">
-                                          <p:stCondLst>
-                                            <p:cond delay="0"/>
-                                          </p:stCondLst>
-                                        </p:cTn>
-                                        <p:tgtEl>
-                                          <p:spTgt spid="13"/>
-                                        </p:tgtEl>
-                                        <p:attrNameLst>
-                                          <p:attrName>style.visibility</p:attrName>
-                                        </p:attrNameLst>
-                                      </p:cBhvr>
-                                      <p:to>
-                                        <p:strVal val="visible"/>
-                                      </p:to>
-                                    </p:set>
-                                  </p:childTnLst>
-                                </p:cTn>
-                              </p:par>
-                              <p:par>
-                                <p:cTn id="13" presetID="1" presetClass="entr" presetSubtype="0" fill="hold" nodeType="withEffect">
+                                <p:cTn id="13" presetID="1" presetClass="entr" presetSubtype="0" fill="hold" nodeType="clickEffect">
                                   <p:stCondLst>
                                     <p:cond delay="0"/>
                                   </p:stCondLst>
@@ -7253,7 +6937,7 @@
                                           </p:stCondLst>
                                         </p:cTn>
                                         <p:tgtEl>
-                                          <p:spTgt spid="17"/>
+                                          <p:spTgt spid="43"/>
                                         </p:tgtEl>
                                         <p:attrNameLst>
                                           <p:attrName>style.visibility</p:attrName>
@@ -7280,7 +6964,7 @@
                                           </p:stCondLst>
                                         </p:cTn>
                                         <p:tgtEl>
-                                          <p:spTgt spid="16"/>
+                                          <p:spTgt spid="37"/>
                                         </p:tgtEl>
                                         <p:attrNameLst>
                                           <p:attrName>style.visibility</p:attrName>
@@ -7307,7 +6991,7 @@
                                           </p:stCondLst>
                                         </p:cTn>
                                         <p:tgtEl>
-                                          <p:spTgt spid="18"/>
+                                          <p:spTgt spid="44"/>
                                         </p:tgtEl>
                                         <p:attrNameLst>
                                           <p:attrName>style.visibility</p:attrName>
@@ -7334,7 +7018,7 @@
                                           </p:stCondLst>
                                         </p:cTn>
                                         <p:tgtEl>
-                                          <p:spTgt spid="19"/>
+                                          <p:spTgt spid="45"/>
                                         </p:tgtEl>
                                         <p:attrNameLst>
                                           <p:attrName>style.visibility</p:attrName>
@@ -7347,35 +7031,26 @@
                                   </p:childTnLst>
                                 </p:cTn>
                               </p:par>
+                            </p:childTnLst>
+                          </p:cTn>
+                        </p:par>
+                      </p:childTnLst>
+                    </p:cTn>
+                  </p:par>
+                  <p:par>
+                    <p:cTn id="21" fill="hold">
+                      <p:stCondLst>
+                        <p:cond delay="indefinite"/>
+                      </p:stCondLst>
+                      <p:childTnLst>
+                        <p:par>
+                          <p:cTn id="22" fill="hold">
+                            <p:stCondLst>
+                              <p:cond delay="0"/>
+                            </p:stCondLst>
+                            <p:childTnLst>
                               <p:par>
-                                <p:cTn id="21" presetID="1" presetClass="entr" presetSubtype="0" fill="hold" grpId="0" nodeType="withEffect">
-                                  <p:stCondLst>
-                                    <p:cond delay="0"/>
-                                  </p:stCondLst>
-                                  <p:childTnLst>
-                                    <p:set>
-                                      <p:cBhvr>
-                                        <p:cTn id="22" dur="1" fill="hold">
-                                          <p:stCondLst>
-                                            <p:cond delay="0"/>
-                                          </p:stCondLst>
-                                        </p:cTn>
-                                        <p:tgtEl>
-                                          <p:spTgt spid="20"/>
-                                        </p:tgtEl>
-                                        <p:attrNameLst>
-                                          <p:attrName>style.visibility</p:attrName>
-                                        </p:attrNameLst>
-                                      </p:cBhvr>
-                                      <p:to>
-                                        <p:strVal val="visible"/>
-                                      </p:to>
-                                    </p:set>
-                                  </p:childTnLst>
-                                </p:cTn>
-                              </p:par>
-                              <p:par>
-                                <p:cTn id="23" presetID="1" presetClass="entr" presetSubtype="0" fill="hold" grpId="0" nodeType="withEffect">
+                                <p:cTn id="23" presetID="1" presetClass="entr" presetSubtype="0" fill="hold" nodeType="clickEffect">
                                   <p:stCondLst>
                                     <p:cond delay="0"/>
                                   </p:stCondLst>
@@ -7388,7 +7063,7 @@
                                           </p:stCondLst>
                                         </p:cTn>
                                         <p:tgtEl>
-                                          <p:spTgt spid="28"/>
+                                          <p:spTgt spid="42"/>
                                         </p:tgtEl>
                                         <p:attrNameLst>
                                           <p:attrName>style.visibility</p:attrName>
@@ -7415,7 +7090,7 @@
                                           </p:stCondLst>
                                         </p:cTn>
                                         <p:tgtEl>
-                                          <p:spTgt spid="29"/>
+                                          <p:spTgt spid="41"/>
                                         </p:tgtEl>
                                         <p:attrNameLst>
                                           <p:attrName>style.visibility</p:attrName>
@@ -7442,7 +7117,7 @@
                                           </p:stCondLst>
                                         </p:cTn>
                                         <p:tgtEl>
-                                          <p:spTgt spid="30"/>
+                                          <p:spTgt spid="46"/>
                                         </p:tgtEl>
                                         <p:attrNameLst>
                                           <p:attrName>style.visibility</p:attrName>
@@ -7469,7 +7144,7 @@
                                           </p:stCondLst>
                                         </p:cTn>
                                         <p:tgtEl>
-                                          <p:spTgt spid="31"/>
+                                          <p:spTgt spid="47"/>
                                         </p:tgtEl>
                                         <p:attrNameLst>
                                           <p:attrName>style.visibility</p:attrName>
@@ -7496,7 +7171,7 @@
                                           </p:stCondLst>
                                         </p:cTn>
                                         <p:tgtEl>
-                                          <p:spTgt spid="32"/>
+                                          <p:spTgt spid="48"/>
                                         </p:tgtEl>
                                         <p:attrNameLst>
                                           <p:attrName>style.visibility</p:attrName>
@@ -7523,97 +7198,7 @@
                                           </p:stCondLst>
                                         </p:cTn>
                                         <p:tgtEl>
-                                          <p:spTgt spid="33"/>
-                                        </p:tgtEl>
-                                        <p:attrNameLst>
-                                          <p:attrName>style.visibility</p:attrName>
-                                        </p:attrNameLst>
-                                      </p:cBhvr>
-                                      <p:to>
-                                        <p:strVal val="visible"/>
-                                      </p:to>
-                                    </p:set>
-                                  </p:childTnLst>
-                                </p:cTn>
-                              </p:par>
-                            </p:childTnLst>
-                          </p:cTn>
-                        </p:par>
-                      </p:childTnLst>
-                    </p:cTn>
-                  </p:par>
-                  <p:par>
-                    <p:cTn id="35" fill="hold">
-                      <p:stCondLst>
-                        <p:cond delay="indefinite"/>
-                      </p:stCondLst>
-                      <p:childTnLst>
-                        <p:par>
-                          <p:cTn id="36" fill="hold">
-                            <p:stCondLst>
-                              <p:cond delay="0"/>
-                            </p:stCondLst>
-                            <p:childTnLst>
-                              <p:par>
-                                <p:cTn id="37" presetID="1" presetClass="entr" presetSubtype="0" fill="hold" grpId="0" nodeType="clickEffect">
-                                  <p:stCondLst>
-                                    <p:cond delay="0"/>
-                                  </p:stCondLst>
-                                  <p:childTnLst>
-                                    <p:set>
-                                      <p:cBhvr>
-                                        <p:cTn id="38" dur="1" fill="hold">
-                                          <p:stCondLst>
-                                            <p:cond delay="0"/>
-                                          </p:stCondLst>
-                                        </p:cTn>
-                                        <p:tgtEl>
-                                          <p:spTgt spid="27"/>
-                                        </p:tgtEl>
-                                        <p:attrNameLst>
-                                          <p:attrName>style.visibility</p:attrName>
-                                        </p:attrNameLst>
-                                      </p:cBhvr>
-                                      <p:to>
-                                        <p:strVal val="visible"/>
-                                      </p:to>
-                                    </p:set>
-                                  </p:childTnLst>
-                                </p:cTn>
-                              </p:par>
-                            </p:childTnLst>
-                          </p:cTn>
-                        </p:par>
-                      </p:childTnLst>
-                    </p:cTn>
-                  </p:par>
-                  <p:par>
-                    <p:cTn id="39" fill="hold">
-                      <p:stCondLst>
-                        <p:cond delay="indefinite"/>
-                      </p:stCondLst>
-                      <p:childTnLst>
-                        <p:par>
-                          <p:cTn id="40" fill="hold">
-                            <p:stCondLst>
-                              <p:cond delay="0"/>
-                            </p:stCondLst>
-                            <p:childTnLst>
-                              <p:par>
-                                <p:cTn id="41" presetID="1" presetClass="entr" presetSubtype="0" fill="hold" nodeType="clickEffect">
-                                  <p:stCondLst>
-                                    <p:cond delay="0"/>
-                                  </p:stCondLst>
-                                  <p:childTnLst>
-                                    <p:set>
-                                      <p:cBhvr>
-                                        <p:cTn id="42" dur="1" fill="hold">
-                                          <p:stCondLst>
-                                            <p:cond delay="0"/>
-                                          </p:stCondLst>
-                                        </p:cTn>
-                                        <p:tgtEl>
-                                          <p:spTgt spid="43"/>
+                                          <p:spTgt spid="50"/>
                                         </p:tgtEl>
                                         <p:attrNameLst>
                                           <p:attrName>style.visibility</p:attrName>
@@ -7627,20 +7212,20 @@
                                 </p:cTn>
                               </p:par>
                               <p:par>
-                                <p:cTn id="43" presetID="1" presetClass="entr" presetSubtype="0" fill="hold" grpId="0" nodeType="withEffect">
+                                <p:cTn id="35" presetID="1" presetClass="entr" presetSubtype="0" fill="hold" grpId="0" nodeType="withEffect">
                                   <p:stCondLst>
                                     <p:cond delay="0"/>
                                   </p:stCondLst>
                                   <p:childTnLst>
                                     <p:set>
                                       <p:cBhvr>
-                                        <p:cTn id="44" dur="1" fill="hold">
+                                        <p:cTn id="36" dur="1" fill="hold">
                                           <p:stCondLst>
                                             <p:cond delay="0"/>
                                           </p:stCondLst>
                                         </p:cTn>
                                         <p:tgtEl>
-                                          <p:spTgt spid="37"/>
+                                          <p:spTgt spid="51"/>
                                         </p:tgtEl>
                                         <p:attrNameLst>
                                           <p:attrName>style.visibility</p:attrName>
@@ -7654,173 +7239,20 @@
                                 </p:cTn>
                               </p:par>
                               <p:par>
-                                <p:cTn id="45" presetID="1" presetClass="entr" presetSubtype="0" fill="hold" grpId="0" nodeType="withEffect">
+                                <p:cTn id="37" presetID="1" presetClass="entr" presetSubtype="0" fill="hold" grpId="0" nodeType="withEffect">
                                   <p:stCondLst>
                                     <p:cond delay="0"/>
                                   </p:stCondLst>
                                   <p:childTnLst>
                                     <p:set>
                                       <p:cBhvr>
-                                        <p:cTn id="46" dur="1" fill="hold">
+                                        <p:cTn id="38" dur="1" fill="hold">
                                           <p:stCondLst>
                                             <p:cond delay="0"/>
                                           </p:stCondLst>
                                         </p:cTn>
                                         <p:tgtEl>
-                                          <p:spTgt spid="44"/>
-                                        </p:tgtEl>
-                                        <p:attrNameLst>
-                                          <p:attrName>style.visibility</p:attrName>
-                                        </p:attrNameLst>
-                                      </p:cBhvr>
-                                      <p:to>
-                                        <p:strVal val="visible"/>
-                                      </p:to>
-                                    </p:set>
-                                  </p:childTnLst>
-                                </p:cTn>
-                              </p:par>
-                              <p:par>
-                                <p:cTn id="47" presetID="1" presetClass="entr" presetSubtype="0" fill="hold" grpId="0" nodeType="withEffect">
-                                  <p:stCondLst>
-                                    <p:cond delay="0"/>
-                                  </p:stCondLst>
-                                  <p:childTnLst>
-                                    <p:set>
-                                      <p:cBhvr>
-                                        <p:cTn id="48" dur="1" fill="hold">
-                                          <p:stCondLst>
-                                            <p:cond delay="0"/>
-                                          </p:stCondLst>
-                                        </p:cTn>
-                                        <p:tgtEl>
-                                          <p:spTgt spid="45"/>
-                                        </p:tgtEl>
-                                        <p:attrNameLst>
-                                          <p:attrName>style.visibility</p:attrName>
-                                        </p:attrNameLst>
-                                      </p:cBhvr>
-                                      <p:to>
-                                        <p:strVal val="visible"/>
-                                      </p:to>
-                                    </p:set>
-                                  </p:childTnLst>
-                                </p:cTn>
-                              </p:par>
-                            </p:childTnLst>
-                          </p:cTn>
-                        </p:par>
-                      </p:childTnLst>
-                    </p:cTn>
-                  </p:par>
-                  <p:par>
-                    <p:cTn id="49" fill="hold">
-                      <p:stCondLst>
-                        <p:cond delay="indefinite"/>
-                      </p:stCondLst>
-                      <p:childTnLst>
-                        <p:par>
-                          <p:cTn id="50" fill="hold">
-                            <p:stCondLst>
-                              <p:cond delay="0"/>
-                            </p:stCondLst>
-                            <p:childTnLst>
-                              <p:par>
-                                <p:cTn id="51" presetID="1" presetClass="entr" presetSubtype="0" fill="hold" nodeType="clickEffect">
-                                  <p:stCondLst>
-                                    <p:cond delay="0"/>
-                                  </p:stCondLst>
-                                  <p:childTnLst>
-                                    <p:set>
-                                      <p:cBhvr>
-                                        <p:cTn id="52" dur="1" fill="hold">
-                                          <p:stCondLst>
-                                            <p:cond delay="0"/>
-                                          </p:stCondLst>
-                                        </p:cTn>
-                                        <p:tgtEl>
-                                          <p:spTgt spid="42"/>
-                                        </p:tgtEl>
-                                        <p:attrNameLst>
-                                          <p:attrName>style.visibility</p:attrName>
-                                        </p:attrNameLst>
-                                      </p:cBhvr>
-                                      <p:to>
-                                        <p:strVal val="visible"/>
-                                      </p:to>
-                                    </p:set>
-                                  </p:childTnLst>
-                                </p:cTn>
-                              </p:par>
-                              <p:par>
-                                <p:cTn id="53" presetID="1" presetClass="entr" presetSubtype="0" fill="hold" grpId="0" nodeType="withEffect">
-                                  <p:stCondLst>
-                                    <p:cond delay="0"/>
-                                  </p:stCondLst>
-                                  <p:childTnLst>
-                                    <p:set>
-                                      <p:cBhvr>
-                                        <p:cTn id="54" dur="1" fill="hold">
-                                          <p:stCondLst>
-                                            <p:cond delay="0"/>
-                                          </p:stCondLst>
-                                        </p:cTn>
-                                        <p:tgtEl>
-                                          <p:spTgt spid="41"/>
-                                        </p:tgtEl>
-                                        <p:attrNameLst>
-                                          <p:attrName>style.visibility</p:attrName>
-                                        </p:attrNameLst>
-                                      </p:cBhvr>
-                                      <p:to>
-                                        <p:strVal val="visible"/>
-                                      </p:to>
-                                    </p:set>
-                                  </p:childTnLst>
-                                </p:cTn>
-                              </p:par>
-                              <p:par>
-                                <p:cTn id="55" presetID="1" presetClass="entr" presetSubtype="0" fill="hold" grpId="0" nodeType="withEffect">
-                                  <p:stCondLst>
-                                    <p:cond delay="0"/>
-                                  </p:stCondLst>
-                                  <p:childTnLst>
-                                    <p:set>
-                                      <p:cBhvr>
-                                        <p:cTn id="56" dur="1" fill="hold">
-                                          <p:stCondLst>
-                                            <p:cond delay="0"/>
-                                          </p:stCondLst>
-                                        </p:cTn>
-                                        <p:tgtEl>
-                                          <p:spTgt spid="46"/>
-                                        </p:tgtEl>
-                                        <p:attrNameLst>
-                                          <p:attrName>style.visibility</p:attrName>
-                                        </p:attrNameLst>
-                                      </p:cBhvr>
-                                      <p:to>
-                                        <p:strVal val="visible"/>
-                                      </p:to>
-                                    </p:set>
-                                  </p:childTnLst>
-                                </p:cTn>
-                              </p:par>
-                              <p:par>
-                                <p:cTn id="57" presetID="1" presetClass="entr" presetSubtype="0" fill="hold" grpId="0" nodeType="withEffect">
-                                  <p:stCondLst>
-                                    <p:cond delay="0"/>
-                                  </p:stCondLst>
-                                  <p:childTnLst>
-                                    <p:set>
-                                      <p:cBhvr>
-                                        <p:cTn id="58" dur="1" fill="hold">
-                                          <p:stCondLst>
-                                            <p:cond delay="0"/>
-                                          </p:stCondLst>
-                                        </p:cTn>
-                                        <p:tgtEl>
-                                          <p:spTgt spid="47"/>
+                                          <p:spTgt spid="52"/>
                                         </p:tgtEl>
                                         <p:attrNameLst>
                                           <p:attrName>style.visibility</p:attrName>
@@ -7861,24 +7293,18 @@
       </p:par>
     </p:tnLst>
     <p:bldLst>
-      <p:bldP spid="12" grpId="0"/>
-      <p:bldP spid="16" grpId="0"/>
-      <p:bldP spid="18" grpId="0"/>
-      <p:bldP spid="19" grpId="0"/>
-      <p:bldP spid="20" grpId="0"/>
       <p:bldP spid="27" grpId="0"/>
-      <p:bldP spid="28" grpId="0"/>
-      <p:bldP spid="29" grpId="0"/>
-      <p:bldP spid="30" grpId="0"/>
       <p:bldP spid="31" grpId="0"/>
-      <p:bldP spid="32" grpId="0"/>
-      <p:bldP spid="33" grpId="0"/>
       <p:bldP spid="37" grpId="0"/>
       <p:bldP spid="41" grpId="0"/>
       <p:bldP spid="44" grpId="0"/>
       <p:bldP spid="45" grpId="0"/>
       <p:bldP spid="46" grpId="0"/>
       <p:bldP spid="47" grpId="0"/>
+      <p:bldP spid="48" grpId="0"/>
+      <p:bldP spid="50" grpId="0"/>
+      <p:bldP spid="51" grpId="0"/>
+      <p:bldP spid="52" grpId="0"/>
     </p:bldLst>
   </p:timing>
 </p:sld>
